--- a/Apresentacao-Presentation.pptx
+++ b/Apresentacao-Presentation.pptx
@@ -14,15 +14,17 @@
     <p:sldId id="273" r:id="rId8"/>
     <p:sldId id="264" r:id="rId9"/>
     <p:sldId id="263" r:id="rId10"/>
-    <p:sldId id="274" r:id="rId11"/>
-    <p:sldId id="275" r:id="rId12"/>
-    <p:sldId id="276" r:id="rId13"/>
-    <p:sldId id="277" r:id="rId14"/>
-    <p:sldId id="280" r:id="rId15"/>
-    <p:sldId id="279" r:id="rId16"/>
-    <p:sldId id="281" r:id="rId17"/>
-    <p:sldId id="282" r:id="rId18"/>
-    <p:sldId id="283" r:id="rId19"/>
+    <p:sldId id="284" r:id="rId11"/>
+    <p:sldId id="274" r:id="rId12"/>
+    <p:sldId id="275" r:id="rId13"/>
+    <p:sldId id="276" r:id="rId14"/>
+    <p:sldId id="277" r:id="rId15"/>
+    <p:sldId id="280" r:id="rId16"/>
+    <p:sldId id="279" r:id="rId17"/>
+    <p:sldId id="281" r:id="rId18"/>
+    <p:sldId id="282" r:id="rId19"/>
+    <p:sldId id="283" r:id="rId20"/>
+    <p:sldId id="285" r:id="rId21"/>
   </p:sldIdLst>
   <p:sldSz cx="12192000" cy="6858000"/>
   <p:notesSz cx="6858000" cy="9144000"/>
@@ -355,7 +357,7 @@
           <a:p>
             <a:fld id="{05777D47-E1FD-4B20-845A-7930E08D57BF}" type="datetimeFigureOut">
               <a:rPr lang="pt-BR" smtClean="0"/>
-              <a:t>23/10/2023</a:t>
+              <a:t>24/10/2023</a:t>
             </a:fld>
             <a:endParaRPr lang="pt-BR"/>
           </a:p>
@@ -563,7 +565,7 @@
           <a:p>
             <a:fld id="{05777D47-E1FD-4B20-845A-7930E08D57BF}" type="datetimeFigureOut">
               <a:rPr lang="pt-BR" smtClean="0"/>
-              <a:t>23/10/2023</a:t>
+              <a:t>24/10/2023</a:t>
             </a:fld>
             <a:endParaRPr lang="pt-BR"/>
           </a:p>
@@ -819,7 +821,7 @@
           <a:p>
             <a:fld id="{05777D47-E1FD-4B20-845A-7930E08D57BF}" type="datetimeFigureOut">
               <a:rPr lang="pt-BR" smtClean="0"/>
-              <a:t>23/10/2023</a:t>
+              <a:t>24/10/2023</a:t>
             </a:fld>
             <a:endParaRPr lang="pt-BR"/>
           </a:p>
@@ -989,7 +991,7 @@
           <a:p>
             <a:fld id="{05777D47-E1FD-4B20-845A-7930E08D57BF}" type="datetimeFigureOut">
               <a:rPr lang="pt-BR" smtClean="0"/>
-              <a:t>23/10/2023</a:t>
+              <a:t>24/10/2023</a:t>
             </a:fld>
             <a:endParaRPr lang="pt-BR"/>
           </a:p>
@@ -1324,7 +1326,7 @@
           <a:p>
             <a:fld id="{05777D47-E1FD-4B20-845A-7930E08D57BF}" type="datetimeFigureOut">
               <a:rPr lang="pt-BR" smtClean="0"/>
-              <a:t>23/10/2023</a:t>
+              <a:t>24/10/2023</a:t>
             </a:fld>
             <a:endParaRPr lang="pt-BR"/>
           </a:p>
@@ -1599,7 +1601,7 @@
           <a:p>
             <a:fld id="{05777D47-E1FD-4B20-845A-7930E08D57BF}" type="datetimeFigureOut">
               <a:rPr lang="pt-BR" smtClean="0"/>
-              <a:t>23/10/2023</a:t>
+              <a:t>24/10/2023</a:t>
             </a:fld>
             <a:endParaRPr lang="pt-BR"/>
           </a:p>
@@ -1978,7 +1980,7 @@
           <a:p>
             <a:fld id="{05777D47-E1FD-4B20-845A-7930E08D57BF}" type="datetimeFigureOut">
               <a:rPr lang="pt-BR" smtClean="0"/>
-              <a:t>23/10/2023</a:t>
+              <a:t>24/10/2023</a:t>
             </a:fld>
             <a:endParaRPr lang="pt-BR"/>
           </a:p>
@@ -2096,7 +2098,7 @@
           <a:p>
             <a:fld id="{05777D47-E1FD-4B20-845A-7930E08D57BF}" type="datetimeFigureOut">
               <a:rPr lang="pt-BR" smtClean="0"/>
-              <a:t>23/10/2023</a:t>
+              <a:t>24/10/2023</a:t>
             </a:fld>
             <a:endParaRPr lang="pt-BR"/>
           </a:p>
@@ -2267,7 +2269,7 @@
           <a:p>
             <a:fld id="{05777D47-E1FD-4B20-845A-7930E08D57BF}" type="datetimeFigureOut">
               <a:rPr lang="pt-BR" smtClean="0"/>
-              <a:t>23/10/2023</a:t>
+              <a:t>24/10/2023</a:t>
             </a:fld>
             <a:endParaRPr lang="pt-BR"/>
           </a:p>
@@ -2621,7 +2623,7 @@
           <a:p>
             <a:fld id="{05777D47-E1FD-4B20-845A-7930E08D57BF}" type="datetimeFigureOut">
               <a:rPr lang="pt-BR" smtClean="0"/>
-              <a:t>23/10/2023</a:t>
+              <a:t>24/10/2023</a:t>
             </a:fld>
             <a:endParaRPr lang="pt-BR"/>
           </a:p>
@@ -2998,7 +3000,7 @@
           <a:p>
             <a:fld id="{05777D47-E1FD-4B20-845A-7930E08D57BF}" type="datetimeFigureOut">
               <a:rPr lang="pt-BR" smtClean="0"/>
-              <a:t>23/10/2023</a:t>
+              <a:t>24/10/2023</a:t>
             </a:fld>
             <a:endParaRPr lang="pt-BR"/>
           </a:p>
@@ -3291,7 +3293,7 @@
           <a:p>
             <a:fld id="{05777D47-E1FD-4B20-845A-7930E08D57BF}" type="datetimeFigureOut">
               <a:rPr lang="pt-BR" smtClean="0"/>
-              <a:t>23/10/2023</a:t>
+              <a:t>24/10/2023</a:t>
             </a:fld>
             <a:endParaRPr lang="pt-BR"/>
           </a:p>
@@ -4148,229 +4150,10 @@
       </p:grpSpPr>
       <p:sp>
         <p:nvSpPr>
-          <p:cNvPr id="2" name="Título 1">
-            <a:extLst>
-              <a:ext uri="{FF2B5EF4-FFF2-40B4-BE49-F238E27FC236}">
-                <a16:creationId xmlns:a16="http://schemas.microsoft.com/office/drawing/2014/main" id="{05857D45-5CD7-79C3-0770-7781F889117E}"/>
-              </a:ext>
-            </a:extLst>
-          </p:cNvPr>
-          <p:cNvSpPr>
-            <a:spLocks noGrp="1"/>
-          </p:cNvSpPr>
-          <p:nvPr>
-            <p:ph type="ctrTitle"/>
-          </p:nvPr>
-        </p:nvSpPr>
-        <p:spPr>
-          <a:xfrm>
-            <a:off x="928469" y="2537460"/>
-            <a:ext cx="8932984" cy="1783080"/>
-          </a:xfrm>
-        </p:spPr>
-        <p:txBody>
-          <a:bodyPr>
-            <a:normAutofit/>
-          </a:bodyPr>
-          <a:lstStyle/>
-          <a:p>
-            <a:r>
-              <a:rPr lang="pt-BR" sz="6000" dirty="0" err="1">
-                <a:solidFill>
-                  <a:schemeClr val="bg1"/>
-                </a:solidFill>
-              </a:rPr>
-              <a:t>Exploratory</a:t>
-            </a:r>
-            <a:r>
-              <a:rPr lang="pt-BR" sz="6000" dirty="0">
-                <a:solidFill>
-                  <a:schemeClr val="bg1"/>
-                </a:solidFill>
-              </a:rPr>
-              <a:t> Data </a:t>
-            </a:r>
-            <a:r>
-              <a:rPr lang="pt-BR" sz="6000" dirty="0" err="1">
-                <a:solidFill>
-                  <a:schemeClr val="bg1"/>
-                </a:solidFill>
-              </a:rPr>
-              <a:t>Analysis</a:t>
-            </a:r>
-            <a:r>
-              <a:rPr lang="pt-BR" sz="6000" dirty="0">
-                <a:solidFill>
-                  <a:schemeClr val="bg1"/>
-                </a:solidFill>
-              </a:rPr>
-              <a:t> </a:t>
-            </a:r>
-            <a:r>
-              <a:rPr lang="pt-BR" sz="6000" dirty="0">
-                <a:solidFill>
-                  <a:srgbClr val="FF0000"/>
-                </a:solidFill>
-              </a:rPr>
-              <a:t>NETFLIX 2020</a:t>
-            </a:r>
-          </a:p>
-        </p:txBody>
-      </p:sp>
-      <p:sp>
-        <p:nvSpPr>
-          <p:cNvPr id="3" name="Subtítulo 2">
-            <a:extLst>
-              <a:ext uri="{FF2B5EF4-FFF2-40B4-BE49-F238E27FC236}">
-                <a16:creationId xmlns:a16="http://schemas.microsoft.com/office/drawing/2014/main" id="{55AF1A0C-E93F-EEA1-6A64-B186D6A4F1A6}"/>
-              </a:ext>
-            </a:extLst>
-          </p:cNvPr>
-          <p:cNvSpPr>
-            <a:spLocks noGrp="1"/>
-          </p:cNvSpPr>
-          <p:nvPr>
-            <p:ph type="subTitle" idx="1"/>
-          </p:nvPr>
-        </p:nvSpPr>
-        <p:spPr>
-          <a:xfrm>
-            <a:off x="928469" y="4525640"/>
-            <a:ext cx="10058400" cy="1143000"/>
-          </a:xfrm>
-        </p:spPr>
-        <p:txBody>
-          <a:bodyPr/>
-          <a:lstStyle/>
-          <a:p>
-            <a:r>
-              <a:rPr lang="pt-BR" b="1" dirty="0" err="1">
-                <a:solidFill>
-                  <a:schemeClr val="bg1">
-                    <a:lumMod val="85000"/>
-                  </a:schemeClr>
-                </a:solidFill>
-              </a:rPr>
-              <a:t>Presented</a:t>
-            </a:r>
-            <a:r>
-              <a:rPr lang="pt-BR" b="1" dirty="0">
-                <a:solidFill>
-                  <a:schemeClr val="bg1">
-                    <a:lumMod val="85000"/>
-                  </a:schemeClr>
-                </a:solidFill>
-              </a:rPr>
-              <a:t> </a:t>
-            </a:r>
-            <a:r>
-              <a:rPr lang="pt-BR" b="1" dirty="0" err="1">
-                <a:solidFill>
-                  <a:schemeClr val="bg1">
-                    <a:lumMod val="85000"/>
-                  </a:schemeClr>
-                </a:solidFill>
-              </a:rPr>
-              <a:t>by</a:t>
-            </a:r>
-            <a:r>
-              <a:rPr lang="pt-BR" dirty="0">
-                <a:solidFill>
-                  <a:schemeClr val="bg1">
-                    <a:lumMod val="85000"/>
-                  </a:schemeClr>
-                </a:solidFill>
-              </a:rPr>
-              <a:t>: Riquelmo </a:t>
-            </a:r>
-            <a:r>
-              <a:rPr lang="pt-BR" dirty="0" err="1">
-                <a:solidFill>
-                  <a:schemeClr val="bg1">
-                    <a:lumMod val="85000"/>
-                  </a:schemeClr>
-                </a:solidFill>
-              </a:rPr>
-              <a:t>ferreira</a:t>
-            </a:r>
-            <a:endParaRPr lang="pt-BR" dirty="0">
-              <a:solidFill>
-                <a:schemeClr val="bg1">
-                  <a:lumMod val="85000"/>
-                </a:schemeClr>
-              </a:solidFill>
-            </a:endParaRPr>
-          </a:p>
-          <a:p>
-            <a:r>
-              <a:rPr lang="pt-BR" b="1" dirty="0" err="1">
-                <a:solidFill>
-                  <a:schemeClr val="bg1">
-                    <a:lumMod val="85000"/>
-                  </a:schemeClr>
-                </a:solidFill>
-              </a:rPr>
-              <a:t>Last</a:t>
-            </a:r>
-            <a:r>
-              <a:rPr lang="pt-BR" b="1" dirty="0">
-                <a:solidFill>
-                  <a:schemeClr val="bg1">
-                    <a:lumMod val="85000"/>
-                  </a:schemeClr>
-                </a:solidFill>
-              </a:rPr>
-              <a:t> </a:t>
-            </a:r>
-            <a:r>
-              <a:rPr lang="pt-BR" b="1" dirty="0" err="1">
-                <a:solidFill>
-                  <a:schemeClr val="bg1">
-                    <a:lumMod val="85000"/>
-                  </a:schemeClr>
-                </a:solidFill>
-              </a:rPr>
-              <a:t>uptade</a:t>
-            </a:r>
-            <a:r>
-              <a:rPr lang="pt-BR" dirty="0">
-                <a:solidFill>
-                  <a:schemeClr val="bg1">
-                    <a:lumMod val="85000"/>
-                  </a:schemeClr>
-                </a:solidFill>
-              </a:rPr>
-              <a:t>: </a:t>
-            </a:r>
-            <a:r>
-              <a:rPr lang="pt-BR" dirty="0" err="1">
-                <a:solidFill>
-                  <a:schemeClr val="bg1">
-                    <a:lumMod val="85000"/>
-                  </a:schemeClr>
-                </a:solidFill>
-              </a:rPr>
-              <a:t>october</a:t>
-            </a:r>
-            <a:r>
-              <a:rPr lang="pt-BR" dirty="0">
-                <a:solidFill>
-                  <a:schemeClr val="bg1">
-                    <a:lumMod val="85000"/>
-                  </a:schemeClr>
-                </a:solidFill>
-              </a:rPr>
-              <a:t> 23rd, 2023</a:t>
-            </a:r>
-          </a:p>
-        </p:txBody>
-      </p:sp>
-      <p:sp>
-        <p:nvSpPr>
-          <p:cNvPr id="4" name="CaixaDeTexto 3">
-            <a:extLst>
-              <a:ext uri="{FF2B5EF4-FFF2-40B4-BE49-F238E27FC236}">
-                <a16:creationId xmlns:a16="http://schemas.microsoft.com/office/drawing/2014/main" id="{6694E101-2AE3-7336-1671-AE9691B1F4A4}"/>
+          <p:cNvPr id="2" name="CaixaDeTexto 1">
+            <a:extLst>
+              <a:ext uri="{FF2B5EF4-FFF2-40B4-BE49-F238E27FC236}">
+                <a16:creationId xmlns:a16="http://schemas.microsoft.com/office/drawing/2014/main" id="{2B3A65E7-4F59-5AD9-AE72-11328C37FB6F}"/>
               </a:ext>
             </a:extLst>
           </p:cNvPr>
@@ -4379,8 +4162,8 @@
         </p:nvSpPr>
         <p:spPr>
           <a:xfrm>
-            <a:off x="1111348" y="506437"/>
-            <a:ext cx="2532184" cy="584775"/>
+            <a:off x="351691" y="590840"/>
+            <a:ext cx="2433712" cy="553998"/>
           </a:xfrm>
           <a:prstGeom prst="rect">
             <a:avLst/>
@@ -4393,23 +4176,79 @@
           </a:bodyPr>
           <a:lstStyle/>
           <a:p>
-            <a:r>
-              <a:rPr lang="pt-BR" sz="3200" b="1" dirty="0">
-                <a:solidFill>
-                  <a:schemeClr val="bg1"/>
-                </a:solidFill>
-              </a:rPr>
-              <a:t>EN</a:t>
-            </a:r>
-          </a:p>
-        </p:txBody>
-      </p:sp>
-      <p:sp>
-        <p:nvSpPr>
-          <p:cNvPr id="5" name="Retângulo 4">
-            <a:extLst>
-              <a:ext uri="{FF2B5EF4-FFF2-40B4-BE49-F238E27FC236}">
-                <a16:creationId xmlns:a16="http://schemas.microsoft.com/office/drawing/2014/main" id="{17920BF4-9FF4-67B6-97DD-19F40D544DB0}"/>
+            <a:pPr algn="ctr"/>
+            <a:r>
+              <a:rPr lang="pt-BR" sz="3000" b="1" dirty="0">
+                <a:solidFill>
+                  <a:schemeClr val="bg1"/>
+                </a:solidFill>
+              </a:rPr>
+              <a:t>OBSERVAÇÃO</a:t>
+            </a:r>
+          </a:p>
+        </p:txBody>
+      </p:sp>
+      <p:sp>
+        <p:nvSpPr>
+          <p:cNvPr id="3" name="Retângulo: Cantos Arredondados 2">
+            <a:extLst>
+              <a:ext uri="{FF2B5EF4-FFF2-40B4-BE49-F238E27FC236}">
+                <a16:creationId xmlns:a16="http://schemas.microsoft.com/office/drawing/2014/main" id="{E8A06973-2F1C-8778-5CE9-DBFF87C340C9}"/>
+              </a:ext>
+            </a:extLst>
+          </p:cNvPr>
+          <p:cNvSpPr/>
+          <p:nvPr/>
+        </p:nvSpPr>
+        <p:spPr>
+          <a:xfrm rot="5400000">
+            <a:off x="-2595491" y="3115996"/>
+            <a:ext cx="5345726" cy="154744"/>
+          </a:xfrm>
+          <a:prstGeom prst="roundRect">
+            <a:avLst/>
+          </a:prstGeom>
+          <a:solidFill>
+            <a:schemeClr val="accent3">
+              <a:lumMod val="60000"/>
+              <a:lumOff val="40000"/>
+            </a:schemeClr>
+          </a:solidFill>
+          <a:ln>
+            <a:noFill/>
+          </a:ln>
+        </p:spPr>
+        <p:style>
+          <a:lnRef idx="2">
+            <a:schemeClr val="accent1">
+              <a:shade val="15000"/>
+            </a:schemeClr>
+          </a:lnRef>
+          <a:fillRef idx="1">
+            <a:schemeClr val="accent1"/>
+          </a:fillRef>
+          <a:effectRef idx="0">
+            <a:schemeClr val="accent1"/>
+          </a:effectRef>
+          <a:fontRef idx="minor">
+            <a:schemeClr val="lt1"/>
+          </a:fontRef>
+        </p:style>
+        <p:txBody>
+          <a:bodyPr rtlCol="0" anchor="ctr"/>
+          <a:lstStyle/>
+          <a:p>
+            <a:pPr algn="ctr"/>
+            <a:endParaRPr lang="pt-BR"/>
+          </a:p>
+        </p:txBody>
+      </p:sp>
+      <p:sp>
+        <p:nvSpPr>
+          <p:cNvPr id="4" name="Retângulo 3">
+            <a:extLst>
+              <a:ext uri="{FF2B5EF4-FFF2-40B4-BE49-F238E27FC236}">
+                <a16:creationId xmlns:a16="http://schemas.microsoft.com/office/drawing/2014/main" id="{24BF1FB8-3AD9-A093-3295-CBA166C4ACD5}"/>
               </a:ext>
             </a:extLst>
           </p:cNvPr>
@@ -4461,7 +4300,7 @@
           <p:cNvPr id="6" name="Retângulo 5">
             <a:extLst>
               <a:ext uri="{FF2B5EF4-FFF2-40B4-BE49-F238E27FC236}">
-                <a16:creationId xmlns:a16="http://schemas.microsoft.com/office/drawing/2014/main" id="{6BB43D1E-AC19-D8A8-4DBE-1B6ACDF61448}"/>
+                <a16:creationId xmlns:a16="http://schemas.microsoft.com/office/drawing/2014/main" id="{3D5C17AE-A98C-80D9-93F2-897DA76AC50A}"/>
               </a:ext>
             </a:extLst>
           </p:cNvPr>
@@ -4513,109 +4352,50 @@
       </p:sp>
       <p:sp>
         <p:nvSpPr>
-          <p:cNvPr id="8" name="Rectangle 2">
-            <a:extLst>
-              <a:ext uri="{FF2B5EF4-FFF2-40B4-BE49-F238E27FC236}">
-                <a16:creationId xmlns:a16="http://schemas.microsoft.com/office/drawing/2014/main" id="{F7D73F80-0DEA-DD8E-0B9A-79749C770F86}"/>
-              </a:ext>
-            </a:extLst>
-          </p:cNvPr>
-          <p:cNvSpPr>
-            <a:spLocks noChangeArrowheads="1"/>
-          </p:cNvSpPr>
-          <p:nvPr/>
-        </p:nvSpPr>
-        <p:spPr bwMode="auto">
-          <a:xfrm>
-            <a:off x="34925" y="0"/>
-            <a:ext cx="12192000" cy="0"/>
+          <p:cNvPr id="12" name="CaixaDeTexto 11">
+            <a:extLst>
+              <a:ext uri="{FF2B5EF4-FFF2-40B4-BE49-F238E27FC236}">
+                <a16:creationId xmlns:a16="http://schemas.microsoft.com/office/drawing/2014/main" id="{A0918037-592C-C5E3-61F8-76BF82A2B922}"/>
+              </a:ext>
+            </a:extLst>
+          </p:cNvPr>
+          <p:cNvSpPr txBox="1"/>
+          <p:nvPr/>
+        </p:nvSpPr>
+        <p:spPr>
+          <a:xfrm>
+            <a:off x="787791" y="2475914"/>
+            <a:ext cx="10616418" cy="2677656"/>
           </a:xfrm>
           <a:prstGeom prst="rect">
             <a:avLst/>
           </a:prstGeom>
-          <a:solidFill>
-            <a:srgbClr val="F5F5F5"/>
-          </a:solidFill>
-          <a:ln>
-            <a:noFill/>
-          </a:ln>
-          <a:effectLst/>
-          <a:extLst>
-            <a:ext uri="{91240B29-F687-4F45-9708-019B960494DF}">
-              <a14:hiddenLine xmlns:a14="http://schemas.microsoft.com/office/drawing/2010/main" w="9525">
-                <a:solidFill>
-                  <a:schemeClr val="tx1"/>
-                </a:solidFill>
-                <a:miter lim="800000"/>
-                <a:headEnd/>
-                <a:tailEnd/>
-              </a14:hiddenLine>
-            </a:ext>
-            <a:ext uri="{AF507438-7753-43E0-B8FC-AC1667EBCBE1}">
-              <a14:hiddenEffects xmlns:a14="http://schemas.microsoft.com/office/drawing/2010/main">
-                <a:effectLst>
-                  <a:outerShdw dist="35921" dir="2700000" algn="ctr" rotWithShape="0">
-                    <a:schemeClr val="bg2"/>
-                  </a:outerShdw>
-                </a:effectLst>
-              </a14:hiddenEffects>
-            </a:ext>
-          </a:extLst>
-        </p:spPr>
-        <p:txBody>
-          <a:bodyPr vert="horz" wrap="none" lIns="91440" tIns="45720" rIns="91440" bIns="45720" numCol="1" anchor="ctr" anchorCtr="0" compatLnSpc="1">
-            <a:prstTxWarp prst="textNoShape">
-              <a:avLst/>
-            </a:prstTxWarp>
+          <a:noFill/>
+        </p:spPr>
+        <p:txBody>
+          <a:bodyPr wrap="square" rtlCol="0">
             <a:spAutoFit/>
           </a:bodyPr>
           <a:lstStyle/>
           <a:p>
-            <a:pPr marL="0" marR="0" lvl="0" indent="0" algn="l" defTabSz="914400" rtl="0" eaLnBrk="0" fontAlgn="base" latinLnBrk="0" hangingPunct="0">
-              <a:lnSpc>
-                <a:spcPct val="100000"/>
-              </a:lnSpc>
-              <a:spcBef>
-                <a:spcPct val="0"/>
-              </a:spcBef>
-              <a:spcAft>
-                <a:spcPct val="0"/>
-              </a:spcAft>
-              <a:buClrTx/>
-              <a:buSzTx/>
-              <a:buFontTx/>
-              <a:buNone/>
-              <a:tabLst/>
-            </a:pPr>
-            <a:br>
-              <a:rPr kumimoji="0" lang="pt-BR" altLang="pt-BR" sz="1000" b="0" i="0" u="none" strike="noStrike" cap="none" normalizeH="0" baseline="0">
-                <a:ln>
-                  <a:noFill/>
-                </a:ln>
-                <a:solidFill>
-                  <a:schemeClr val="tx1"/>
-                </a:solidFill>
-                <a:effectLst/>
-                <a:latin typeface="Google Sans"/>
-              </a:rPr>
-            </a:br>
-            <a:endParaRPr kumimoji="0" lang="pt-BR" altLang="pt-BR" sz="1800" b="0" i="0" u="none" strike="noStrike" cap="none" normalizeH="0" baseline="0">
-              <a:ln>
-                <a:noFill/>
-              </a:ln>
-              <a:solidFill>
-                <a:schemeClr val="tx1"/>
-              </a:solidFill>
-              <a:effectLst/>
-              <a:latin typeface="Arial" panose="020B0604020202020204" pitchFamily="34" charset="0"/>
-            </a:endParaRPr>
+            <a:r>
+              <a:rPr lang="pt-BR" sz="2500" b="1" dirty="0">
+                <a:solidFill>
+                  <a:schemeClr val="bg1"/>
+                </a:solidFill>
+              </a:rPr>
+              <a:t>A  Apresentação foi focada em explicar mais sobre o Projeto para possíveis Recrutadores e colegas da área da T.I., por isso possui uma quantidade maior de texto e algumas palavras técnicas. A mesma apresentação seria pensada de forma diferente para ser apresentada para as partes interessadas dentro do ambiente empresarial, usando o texto apenas como apoio e pequenas explicações e focando mais na explicação oral.</a:t>
+            </a:r>
+          </a:p>
+          <a:p>
+            <a:endParaRPr lang="pt-BR" dirty="0"/>
           </a:p>
         </p:txBody>
       </p:sp>
     </p:spTree>
     <p:extLst>
       <p:ext uri="{BB962C8B-B14F-4D97-AF65-F5344CB8AC3E}">
-        <p14:creationId xmlns:p14="http://schemas.microsoft.com/office/powerpoint/2010/main" val="2054888185"/>
+        <p14:creationId xmlns:p14="http://schemas.microsoft.com/office/powerpoint/2010/main" val="1102048686"/>
       </p:ext>
     </p:extLst>
   </p:cSld>
@@ -4644,10 +4424,229 @@
       </p:grpSpPr>
       <p:sp>
         <p:nvSpPr>
-          <p:cNvPr id="2" name="CaixaDeTexto 1">
-            <a:extLst>
-              <a:ext uri="{FF2B5EF4-FFF2-40B4-BE49-F238E27FC236}">
-                <a16:creationId xmlns:a16="http://schemas.microsoft.com/office/drawing/2014/main" id="{75B2C0FD-522D-A4E9-33A0-12D6718EEB67}"/>
+          <p:cNvPr id="2" name="Título 1">
+            <a:extLst>
+              <a:ext uri="{FF2B5EF4-FFF2-40B4-BE49-F238E27FC236}">
+                <a16:creationId xmlns:a16="http://schemas.microsoft.com/office/drawing/2014/main" id="{05857D45-5CD7-79C3-0770-7781F889117E}"/>
+              </a:ext>
+            </a:extLst>
+          </p:cNvPr>
+          <p:cNvSpPr>
+            <a:spLocks noGrp="1"/>
+          </p:cNvSpPr>
+          <p:nvPr>
+            <p:ph type="ctrTitle"/>
+          </p:nvPr>
+        </p:nvSpPr>
+        <p:spPr>
+          <a:xfrm>
+            <a:off x="928469" y="2537460"/>
+            <a:ext cx="8932984" cy="1783080"/>
+          </a:xfrm>
+        </p:spPr>
+        <p:txBody>
+          <a:bodyPr>
+            <a:normAutofit/>
+          </a:bodyPr>
+          <a:lstStyle/>
+          <a:p>
+            <a:r>
+              <a:rPr lang="pt-BR" sz="6000" dirty="0" err="1">
+                <a:solidFill>
+                  <a:schemeClr val="bg1"/>
+                </a:solidFill>
+              </a:rPr>
+              <a:t>Exploratory</a:t>
+            </a:r>
+            <a:r>
+              <a:rPr lang="pt-BR" sz="6000" dirty="0">
+                <a:solidFill>
+                  <a:schemeClr val="bg1"/>
+                </a:solidFill>
+              </a:rPr>
+              <a:t> Data </a:t>
+            </a:r>
+            <a:r>
+              <a:rPr lang="pt-BR" sz="6000" dirty="0" err="1">
+                <a:solidFill>
+                  <a:schemeClr val="bg1"/>
+                </a:solidFill>
+              </a:rPr>
+              <a:t>Analysis</a:t>
+            </a:r>
+            <a:r>
+              <a:rPr lang="pt-BR" sz="6000" dirty="0">
+                <a:solidFill>
+                  <a:schemeClr val="bg1"/>
+                </a:solidFill>
+              </a:rPr>
+              <a:t> </a:t>
+            </a:r>
+            <a:r>
+              <a:rPr lang="pt-BR" sz="6000" dirty="0">
+                <a:solidFill>
+                  <a:srgbClr val="FF0000"/>
+                </a:solidFill>
+              </a:rPr>
+              <a:t>NETFLIX 2020</a:t>
+            </a:r>
+          </a:p>
+        </p:txBody>
+      </p:sp>
+      <p:sp>
+        <p:nvSpPr>
+          <p:cNvPr id="3" name="Subtítulo 2">
+            <a:extLst>
+              <a:ext uri="{FF2B5EF4-FFF2-40B4-BE49-F238E27FC236}">
+                <a16:creationId xmlns:a16="http://schemas.microsoft.com/office/drawing/2014/main" id="{55AF1A0C-E93F-EEA1-6A64-B186D6A4F1A6}"/>
+              </a:ext>
+            </a:extLst>
+          </p:cNvPr>
+          <p:cNvSpPr>
+            <a:spLocks noGrp="1"/>
+          </p:cNvSpPr>
+          <p:nvPr>
+            <p:ph type="subTitle" idx="1"/>
+          </p:nvPr>
+        </p:nvSpPr>
+        <p:spPr>
+          <a:xfrm>
+            <a:off x="928469" y="4525640"/>
+            <a:ext cx="10058400" cy="1143000"/>
+          </a:xfrm>
+        </p:spPr>
+        <p:txBody>
+          <a:bodyPr/>
+          <a:lstStyle/>
+          <a:p>
+            <a:r>
+              <a:rPr lang="pt-BR" b="1" dirty="0" err="1">
+                <a:solidFill>
+                  <a:schemeClr val="bg1">
+                    <a:lumMod val="85000"/>
+                  </a:schemeClr>
+                </a:solidFill>
+              </a:rPr>
+              <a:t>Presented</a:t>
+            </a:r>
+            <a:r>
+              <a:rPr lang="pt-BR" b="1" dirty="0">
+                <a:solidFill>
+                  <a:schemeClr val="bg1">
+                    <a:lumMod val="85000"/>
+                  </a:schemeClr>
+                </a:solidFill>
+              </a:rPr>
+              <a:t> </a:t>
+            </a:r>
+            <a:r>
+              <a:rPr lang="pt-BR" b="1" dirty="0" err="1">
+                <a:solidFill>
+                  <a:schemeClr val="bg1">
+                    <a:lumMod val="85000"/>
+                  </a:schemeClr>
+                </a:solidFill>
+              </a:rPr>
+              <a:t>by</a:t>
+            </a:r>
+            <a:r>
+              <a:rPr lang="pt-BR" dirty="0">
+                <a:solidFill>
+                  <a:schemeClr val="bg1">
+                    <a:lumMod val="85000"/>
+                  </a:schemeClr>
+                </a:solidFill>
+              </a:rPr>
+              <a:t>: Riquelmo </a:t>
+            </a:r>
+            <a:r>
+              <a:rPr lang="pt-BR" dirty="0" err="1">
+                <a:solidFill>
+                  <a:schemeClr val="bg1">
+                    <a:lumMod val="85000"/>
+                  </a:schemeClr>
+                </a:solidFill>
+              </a:rPr>
+              <a:t>ferreira</a:t>
+            </a:r>
+            <a:endParaRPr lang="pt-BR" dirty="0">
+              <a:solidFill>
+                <a:schemeClr val="bg1">
+                  <a:lumMod val="85000"/>
+                </a:schemeClr>
+              </a:solidFill>
+            </a:endParaRPr>
+          </a:p>
+          <a:p>
+            <a:r>
+              <a:rPr lang="pt-BR" b="1" dirty="0" err="1">
+                <a:solidFill>
+                  <a:schemeClr val="bg1">
+                    <a:lumMod val="85000"/>
+                  </a:schemeClr>
+                </a:solidFill>
+              </a:rPr>
+              <a:t>Last</a:t>
+            </a:r>
+            <a:r>
+              <a:rPr lang="pt-BR" b="1" dirty="0">
+                <a:solidFill>
+                  <a:schemeClr val="bg1">
+                    <a:lumMod val="85000"/>
+                  </a:schemeClr>
+                </a:solidFill>
+              </a:rPr>
+              <a:t> </a:t>
+            </a:r>
+            <a:r>
+              <a:rPr lang="pt-BR" b="1" dirty="0" err="1">
+                <a:solidFill>
+                  <a:schemeClr val="bg1">
+                    <a:lumMod val="85000"/>
+                  </a:schemeClr>
+                </a:solidFill>
+              </a:rPr>
+              <a:t>uptade</a:t>
+            </a:r>
+            <a:r>
+              <a:rPr lang="pt-BR" dirty="0">
+                <a:solidFill>
+                  <a:schemeClr val="bg1">
+                    <a:lumMod val="85000"/>
+                  </a:schemeClr>
+                </a:solidFill>
+              </a:rPr>
+              <a:t>: </a:t>
+            </a:r>
+            <a:r>
+              <a:rPr lang="pt-BR" dirty="0" err="1">
+                <a:solidFill>
+                  <a:schemeClr val="bg1">
+                    <a:lumMod val="85000"/>
+                  </a:schemeClr>
+                </a:solidFill>
+              </a:rPr>
+              <a:t>october</a:t>
+            </a:r>
+            <a:r>
+              <a:rPr lang="pt-BR" dirty="0">
+                <a:solidFill>
+                  <a:schemeClr val="bg1">
+                    <a:lumMod val="85000"/>
+                  </a:schemeClr>
+                </a:solidFill>
+              </a:rPr>
+              <a:t> 23rd, 2023</a:t>
+            </a:r>
+          </a:p>
+        </p:txBody>
+      </p:sp>
+      <p:sp>
+        <p:nvSpPr>
+          <p:cNvPr id="4" name="CaixaDeTexto 3">
+            <a:extLst>
+              <a:ext uri="{FF2B5EF4-FFF2-40B4-BE49-F238E27FC236}">
+                <a16:creationId xmlns:a16="http://schemas.microsoft.com/office/drawing/2014/main" id="{6694E101-2AE3-7336-1671-AE9691B1F4A4}"/>
               </a:ext>
             </a:extLst>
           </p:cNvPr>
@@ -4656,8 +4655,8 @@
         </p:nvSpPr>
         <p:spPr>
           <a:xfrm>
-            <a:off x="1273125" y="365759"/>
-            <a:ext cx="9917723" cy="553998"/>
+            <a:off x="1111348" y="506437"/>
+            <a:ext cx="2532184" cy="584775"/>
           </a:xfrm>
           <a:prstGeom prst="rect">
             <a:avLst/>
@@ -4670,551 +4669,23 @@
           </a:bodyPr>
           <a:lstStyle/>
           <a:p>
-            <a:pPr algn="ctr"/>
-            <a:r>
-              <a:rPr lang="pt-BR" sz="3000" b="1" dirty="0">
-                <a:solidFill>
-                  <a:schemeClr val="bg1"/>
-                </a:solidFill>
-              </a:rPr>
-              <a:t>TABLE OF CONTENT</a:t>
-            </a:r>
-          </a:p>
-        </p:txBody>
-      </p:sp>
-      <p:sp>
-        <p:nvSpPr>
-          <p:cNvPr id="4" name="Retângulo: Cantos Arredondados 3">
-            <a:extLst>
-              <a:ext uri="{FF2B5EF4-FFF2-40B4-BE49-F238E27FC236}">
-                <a16:creationId xmlns:a16="http://schemas.microsoft.com/office/drawing/2014/main" id="{D493EAE3-AE03-FBAA-937B-39F715ABC509}"/>
-              </a:ext>
-            </a:extLst>
-          </p:cNvPr>
-          <p:cNvSpPr/>
-          <p:nvPr/>
-        </p:nvSpPr>
-        <p:spPr>
-          <a:xfrm>
-            <a:off x="3390314" y="0"/>
-            <a:ext cx="5387926" cy="239151"/>
-          </a:xfrm>
-          <a:prstGeom prst="roundRect">
-            <a:avLst/>
-          </a:prstGeom>
-          <a:solidFill>
-            <a:schemeClr val="accent3">
-              <a:lumMod val="60000"/>
-              <a:lumOff val="40000"/>
-            </a:schemeClr>
-          </a:solidFill>
-          <a:ln>
-            <a:noFill/>
-          </a:ln>
-        </p:spPr>
-        <p:style>
-          <a:lnRef idx="2">
-            <a:schemeClr val="accent1">
-              <a:shade val="15000"/>
-            </a:schemeClr>
-          </a:lnRef>
-          <a:fillRef idx="1">
-            <a:schemeClr val="accent1"/>
-          </a:fillRef>
-          <a:effectRef idx="0">
-            <a:schemeClr val="accent1"/>
-          </a:effectRef>
-          <a:fontRef idx="minor">
-            <a:schemeClr val="lt1"/>
-          </a:fontRef>
-        </p:style>
-        <p:txBody>
-          <a:bodyPr rtlCol="0" anchor="ctr"/>
-          <a:lstStyle/>
-          <a:p>
-            <a:pPr algn="ctr"/>
-            <a:endParaRPr lang="pt-BR"/>
-          </a:p>
-        </p:txBody>
-      </p:sp>
-      <p:sp>
-        <p:nvSpPr>
-          <p:cNvPr id="5" name="CaixaDeTexto 4">
-            <a:extLst>
-              <a:ext uri="{FF2B5EF4-FFF2-40B4-BE49-F238E27FC236}">
-                <a16:creationId xmlns:a16="http://schemas.microsoft.com/office/drawing/2014/main" id="{DABADC3B-498C-5604-447C-F37902905468}"/>
-              </a:ext>
-            </a:extLst>
-          </p:cNvPr>
-          <p:cNvSpPr txBox="1"/>
-          <p:nvPr/>
-        </p:nvSpPr>
-        <p:spPr>
-          <a:xfrm>
-            <a:off x="1137138" y="2377441"/>
-            <a:ext cx="9917723" cy="3170099"/>
-          </a:xfrm>
-          <a:prstGeom prst="rect">
-            <a:avLst/>
-          </a:prstGeom>
-          <a:noFill/>
-        </p:spPr>
-        <p:txBody>
-          <a:bodyPr wrap="square" rtlCol="0">
-            <a:spAutoFit/>
-          </a:bodyPr>
-          <a:lstStyle/>
-          <a:p>
-            <a:r>
-              <a:rPr lang="pt-BR" sz="3000" dirty="0" err="1">
-                <a:solidFill>
-                  <a:schemeClr val="bg1"/>
-                </a:solidFill>
-              </a:rPr>
-              <a:t>Exploratory</a:t>
-            </a:r>
-            <a:r>
-              <a:rPr lang="pt-BR" sz="3000" dirty="0">
-                <a:solidFill>
-                  <a:schemeClr val="bg1"/>
-                </a:solidFill>
-              </a:rPr>
-              <a:t> Data </a:t>
-            </a:r>
-            <a:r>
-              <a:rPr lang="pt-BR" sz="3000" dirty="0" err="1">
-                <a:solidFill>
-                  <a:schemeClr val="bg1"/>
-                </a:solidFill>
-              </a:rPr>
-              <a:t>Analysis</a:t>
-            </a:r>
-            <a:r>
-              <a:rPr lang="pt-BR" sz="3000" dirty="0">
-                <a:solidFill>
-                  <a:schemeClr val="bg1"/>
-                </a:solidFill>
-              </a:rPr>
-              <a:t> </a:t>
-            </a:r>
-            <a:r>
-              <a:rPr lang="pt-BR" sz="3000" dirty="0">
-                <a:solidFill>
-                  <a:srgbClr val="FF0000"/>
-                </a:solidFill>
-              </a:rPr>
-              <a:t>NETFLIX 2020</a:t>
-            </a:r>
-          </a:p>
-          <a:p>
-            <a:endParaRPr lang="pt-BR" sz="2000" b="1" dirty="0">
-              <a:solidFill>
-                <a:schemeClr val="bg1"/>
-              </a:solidFill>
-            </a:endParaRPr>
-          </a:p>
-          <a:p>
-            <a:pPr marL="342900" indent="-342900">
-              <a:buClr>
-                <a:schemeClr val="tx1"/>
-              </a:buClr>
-              <a:buFont typeface="Wingdings" panose="05000000000000000000" pitchFamily="2" charset="2"/>
-              <a:buChar char="Ø"/>
-            </a:pPr>
-            <a:r>
-              <a:rPr lang="pt-BR" sz="2500" b="1" dirty="0" err="1">
-                <a:solidFill>
-                  <a:srgbClr val="FF0000"/>
-                </a:solidFill>
-                <a:hlinkClick r:id="rId2" action="ppaction://hlinksldjump">
-                  <a:extLst>
-                    <a:ext uri="{A12FA001-AC4F-418D-AE19-62706E023703}">
-                      <ahyp:hlinkClr xmlns:ahyp="http://schemas.microsoft.com/office/drawing/2018/hyperlinkcolor" val="tx"/>
-                    </a:ext>
-                  </a:extLst>
-                </a:hlinkClick>
-              </a:rPr>
-              <a:t>Objective</a:t>
-            </a:r>
-            <a:endParaRPr lang="pt-BR" sz="2500" b="1" dirty="0">
-              <a:solidFill>
-                <a:srgbClr val="FF0000"/>
-              </a:solidFill>
-            </a:endParaRPr>
-          </a:p>
-          <a:p>
-            <a:pPr marL="342900" indent="-342900">
-              <a:buClr>
-                <a:schemeClr val="tx1"/>
-              </a:buClr>
-              <a:buFont typeface="Wingdings" panose="05000000000000000000" pitchFamily="2" charset="2"/>
-              <a:buChar char="Ø"/>
-            </a:pPr>
-            <a:r>
-              <a:rPr lang="pt-BR" sz="2500" b="1" dirty="0">
-                <a:solidFill>
-                  <a:srgbClr val="FF0000"/>
-                </a:solidFill>
-                <a:hlinkClick r:id="rId3" action="ppaction://hlinksldjump">
-                  <a:extLst>
-                    <a:ext uri="{A12FA001-AC4F-418D-AE19-62706E023703}">
-                      <ahyp:hlinkClr xmlns:ahyp="http://schemas.microsoft.com/office/drawing/2018/hyperlinkcolor" val="tx"/>
-                    </a:ext>
-                  </a:extLst>
-                </a:hlinkClick>
-              </a:rPr>
-              <a:t>Netflix Exclusive</a:t>
-            </a:r>
-            <a:endParaRPr lang="pt-BR" sz="2500" b="1" dirty="0">
-              <a:solidFill>
-                <a:srgbClr val="FF0000"/>
-              </a:solidFill>
-            </a:endParaRPr>
-          </a:p>
-          <a:p>
-            <a:pPr marL="342900" indent="-342900">
-              <a:buClr>
-                <a:schemeClr val="tx1"/>
-              </a:buClr>
-              <a:buFont typeface="Wingdings" panose="05000000000000000000" pitchFamily="2" charset="2"/>
-              <a:buChar char="Ø"/>
-            </a:pPr>
-            <a:r>
-              <a:rPr lang="pt-BR" sz="2500" b="1" dirty="0">
-                <a:solidFill>
-                  <a:srgbClr val="FF0000"/>
-                </a:solidFill>
-                <a:hlinkClick r:id="rId4" action="ppaction://hlinksldjump">
-                  <a:extLst>
-                    <a:ext uri="{A12FA001-AC4F-418D-AE19-62706E023703}">
-                      <ahyp:hlinkClr xmlns:ahyp="http://schemas.microsoft.com/office/drawing/2018/hyperlinkcolor" val="tx"/>
-                    </a:ext>
-                  </a:extLst>
-                </a:hlinkClick>
-              </a:rPr>
-              <a:t>Rank, </a:t>
-            </a:r>
-            <a:r>
-              <a:rPr lang="pt-BR" sz="2500" b="1" dirty="0" err="1">
-                <a:solidFill>
-                  <a:srgbClr val="FF0000"/>
-                </a:solidFill>
-                <a:hlinkClick r:id="rId4" action="ppaction://hlinksldjump">
-                  <a:extLst>
-                    <a:ext uri="{A12FA001-AC4F-418D-AE19-62706E023703}">
-                      <ahyp:hlinkClr xmlns:ahyp="http://schemas.microsoft.com/office/drawing/2018/hyperlinkcolor" val="tx"/>
-                    </a:ext>
-                  </a:extLst>
-                </a:hlinkClick>
-              </a:rPr>
-              <a:t>Days</a:t>
-            </a:r>
-            <a:r>
-              <a:rPr lang="pt-BR" sz="2500" b="1" dirty="0">
-                <a:solidFill>
-                  <a:srgbClr val="FF0000"/>
-                </a:solidFill>
-                <a:hlinkClick r:id="rId4" action="ppaction://hlinksldjump">
-                  <a:extLst>
-                    <a:ext uri="{A12FA001-AC4F-418D-AE19-62706E023703}">
-                      <ahyp:hlinkClr xmlns:ahyp="http://schemas.microsoft.com/office/drawing/2018/hyperlinkcolor" val="tx"/>
-                    </a:ext>
-                  </a:extLst>
-                </a:hlinkClick>
-              </a:rPr>
-              <a:t> in TOP 10 </a:t>
-            </a:r>
-            <a:r>
-              <a:rPr lang="pt-BR" sz="2500" b="1" dirty="0" err="1">
-                <a:solidFill>
-                  <a:srgbClr val="FF0000"/>
-                </a:solidFill>
-                <a:hlinkClick r:id="rId4" action="ppaction://hlinksldjump">
-                  <a:extLst>
-                    <a:ext uri="{A12FA001-AC4F-418D-AE19-62706E023703}">
-                      <ahyp:hlinkClr xmlns:ahyp="http://schemas.microsoft.com/office/drawing/2018/hyperlinkcolor" val="tx"/>
-                    </a:ext>
-                  </a:extLst>
-                </a:hlinkClick>
-              </a:rPr>
-              <a:t>and</a:t>
-            </a:r>
-            <a:r>
-              <a:rPr lang="pt-BR" sz="2500" b="1" dirty="0">
-                <a:solidFill>
-                  <a:srgbClr val="FF0000"/>
-                </a:solidFill>
-                <a:hlinkClick r:id="rId4" action="ppaction://hlinksldjump">
-                  <a:extLst>
-                    <a:ext uri="{A12FA001-AC4F-418D-AE19-62706E023703}">
-                      <ahyp:hlinkClr xmlns:ahyp="http://schemas.microsoft.com/office/drawing/2018/hyperlinkcolor" val="tx"/>
-                    </a:ext>
-                  </a:extLst>
-                </a:hlinkClick>
-              </a:rPr>
-              <a:t> </a:t>
-            </a:r>
-            <a:r>
-              <a:rPr lang="pt-BR" sz="2500" b="1" dirty="0" err="1">
-                <a:solidFill>
-                  <a:srgbClr val="FF0000"/>
-                </a:solidFill>
-                <a:hlinkClick r:id="rId4" action="ppaction://hlinksldjump">
-                  <a:extLst>
-                    <a:ext uri="{A12FA001-AC4F-418D-AE19-62706E023703}">
-                      <ahyp:hlinkClr xmlns:ahyp="http://schemas.microsoft.com/office/drawing/2018/hyperlinkcolor" val="tx"/>
-                    </a:ext>
-                  </a:extLst>
-                </a:hlinkClick>
-              </a:rPr>
-              <a:t>Viewership</a:t>
-            </a:r>
-            <a:r>
-              <a:rPr lang="pt-BR" sz="2500" b="1" dirty="0">
-                <a:solidFill>
-                  <a:srgbClr val="FF0000"/>
-                </a:solidFill>
-                <a:hlinkClick r:id="rId4" action="ppaction://hlinksldjump">
-                  <a:extLst>
-                    <a:ext uri="{A12FA001-AC4F-418D-AE19-62706E023703}">
-                      <ahyp:hlinkClr xmlns:ahyp="http://schemas.microsoft.com/office/drawing/2018/hyperlinkcolor" val="tx"/>
-                    </a:ext>
-                  </a:extLst>
-                </a:hlinkClick>
-              </a:rPr>
-              <a:t> Score</a:t>
-            </a:r>
-            <a:endParaRPr lang="pt-BR" sz="2500" b="1" dirty="0">
-              <a:solidFill>
-                <a:srgbClr val="FF0000"/>
-              </a:solidFill>
-            </a:endParaRPr>
-          </a:p>
-          <a:p>
-            <a:pPr marL="342900" indent="-342900">
-              <a:buClr>
-                <a:schemeClr val="tx1"/>
-              </a:buClr>
-              <a:buFont typeface="Wingdings" panose="05000000000000000000" pitchFamily="2" charset="2"/>
-              <a:buChar char="Ø"/>
-            </a:pPr>
-            <a:r>
-              <a:rPr lang="pt-BR" sz="2500" b="1" dirty="0" err="1">
-                <a:solidFill>
-                  <a:srgbClr val="FF0000"/>
-                </a:solidFill>
-                <a:hlinkClick r:id="rId5" action="ppaction://hlinksldjump">
-                  <a:extLst>
-                    <a:ext uri="{A12FA001-AC4F-418D-AE19-62706E023703}">
-                      <ahyp:hlinkClr xmlns:ahyp="http://schemas.microsoft.com/office/drawing/2018/hyperlinkcolor" val="tx"/>
-                    </a:ext>
-                  </a:extLst>
-                </a:hlinkClick>
-              </a:rPr>
-              <a:t>Genres</a:t>
-            </a:r>
-            <a:endParaRPr lang="pt-BR" sz="2500" b="1" dirty="0">
-              <a:solidFill>
-                <a:srgbClr val="FF0000"/>
-              </a:solidFill>
-            </a:endParaRPr>
-          </a:p>
-          <a:p>
-            <a:pPr marL="342900" indent="-342900">
-              <a:buClr>
-                <a:schemeClr val="tx1"/>
-              </a:buClr>
-              <a:buFont typeface="Wingdings" panose="05000000000000000000" pitchFamily="2" charset="2"/>
-              <a:buChar char="Ø"/>
-            </a:pPr>
-            <a:r>
-              <a:rPr lang="pt-BR" sz="2500" b="1" dirty="0" err="1">
-                <a:solidFill>
-                  <a:srgbClr val="FF0000"/>
-                </a:solidFill>
-                <a:hlinkClick r:id="rId6" action="ppaction://hlinksldjump">
-                  <a:extLst>
-                    <a:ext uri="{A12FA001-AC4F-418D-AE19-62706E023703}">
-                      <ahyp:hlinkClr xmlns:ahyp="http://schemas.microsoft.com/office/drawing/2018/hyperlinkcolor" val="tx"/>
-                    </a:ext>
-                  </a:extLst>
-                </a:hlinkClick>
-              </a:rPr>
-              <a:t>Explaning</a:t>
-            </a:r>
-            <a:r>
-              <a:rPr lang="pt-BR" sz="2500" b="1" dirty="0">
-                <a:solidFill>
-                  <a:srgbClr val="FF0000"/>
-                </a:solidFill>
-                <a:hlinkClick r:id="rId6" action="ppaction://hlinksldjump">
-                  <a:extLst>
-                    <a:ext uri="{A12FA001-AC4F-418D-AE19-62706E023703}">
-                      <ahyp:hlinkClr xmlns:ahyp="http://schemas.microsoft.com/office/drawing/2018/hyperlinkcolor" val="tx"/>
-                    </a:ext>
-                  </a:extLst>
-                </a:hlinkClick>
-              </a:rPr>
-              <a:t> </a:t>
-            </a:r>
-            <a:r>
-              <a:rPr lang="pt-BR" sz="2500" b="1" dirty="0" err="1">
-                <a:solidFill>
-                  <a:srgbClr val="FF0000"/>
-                </a:solidFill>
-                <a:hlinkClick r:id="rId6" action="ppaction://hlinksldjump">
-                  <a:extLst>
-                    <a:ext uri="{A12FA001-AC4F-418D-AE19-62706E023703}">
-                      <ahyp:hlinkClr xmlns:ahyp="http://schemas.microsoft.com/office/drawing/2018/hyperlinkcolor" val="tx"/>
-                    </a:ext>
-                  </a:extLst>
-                </a:hlinkClick>
-              </a:rPr>
-              <a:t>the</a:t>
-            </a:r>
-            <a:r>
-              <a:rPr lang="pt-BR" sz="2500" b="1" dirty="0">
-                <a:solidFill>
-                  <a:srgbClr val="FF0000"/>
-                </a:solidFill>
-                <a:hlinkClick r:id="rId6" action="ppaction://hlinksldjump">
-                  <a:extLst>
-                    <a:ext uri="{A12FA001-AC4F-418D-AE19-62706E023703}">
-                      <ahyp:hlinkClr xmlns:ahyp="http://schemas.microsoft.com/office/drawing/2018/hyperlinkcolor" val="tx"/>
-                    </a:ext>
-                  </a:extLst>
-                </a:hlinkClick>
-              </a:rPr>
-              <a:t> </a:t>
-            </a:r>
-            <a:r>
-              <a:rPr lang="pt-BR" sz="2500" b="1" dirty="0" err="1">
-                <a:solidFill>
-                  <a:srgbClr val="FF0000"/>
-                </a:solidFill>
-                <a:hlinkClick r:id="rId6" action="ppaction://hlinksldjump">
-                  <a:extLst>
-                    <a:ext uri="{A12FA001-AC4F-418D-AE19-62706E023703}">
-                      <ahyp:hlinkClr xmlns:ahyp="http://schemas.microsoft.com/office/drawing/2018/hyperlinkcolor" val="tx"/>
-                    </a:ext>
-                  </a:extLst>
-                </a:hlinkClick>
-              </a:rPr>
-              <a:t>Viewership</a:t>
-            </a:r>
-            <a:r>
-              <a:rPr lang="pt-BR" sz="2500" b="1" dirty="0">
-                <a:solidFill>
-                  <a:srgbClr val="FF0000"/>
-                </a:solidFill>
-                <a:hlinkClick r:id="rId6" action="ppaction://hlinksldjump">
-                  <a:extLst>
-                    <a:ext uri="{A12FA001-AC4F-418D-AE19-62706E023703}">
-                      <ahyp:hlinkClr xmlns:ahyp="http://schemas.microsoft.com/office/drawing/2018/hyperlinkcolor" val="tx"/>
-                    </a:ext>
-                  </a:extLst>
-                </a:hlinkClick>
-              </a:rPr>
-              <a:t> Score</a:t>
-            </a:r>
-            <a:endParaRPr lang="pt-BR" sz="2500" b="1" dirty="0">
-              <a:solidFill>
-                <a:srgbClr val="FF0000"/>
-              </a:solidFill>
-            </a:endParaRPr>
-          </a:p>
-          <a:p>
-            <a:pPr marL="342900" indent="-342900">
-              <a:buClr>
-                <a:schemeClr val="tx1"/>
-              </a:buClr>
-              <a:buFont typeface="Wingdings" panose="05000000000000000000" pitchFamily="2" charset="2"/>
-              <a:buChar char="Ø"/>
-            </a:pPr>
-            <a:r>
-              <a:rPr lang="pt-BR" sz="2500" b="1" dirty="0" err="1">
-                <a:solidFill>
-                  <a:srgbClr val="FF0000"/>
-                </a:solidFill>
-                <a:hlinkClick r:id="rId7" action="ppaction://hlinksldjump">
-                  <a:extLst>
-                    <a:ext uri="{A12FA001-AC4F-418D-AE19-62706E023703}">
-                      <ahyp:hlinkClr xmlns:ahyp="http://schemas.microsoft.com/office/drawing/2018/hyperlinkcolor" val="tx"/>
-                    </a:ext>
-                  </a:extLst>
-                </a:hlinkClick>
-              </a:rPr>
-              <a:t>Conclusion</a:t>
-            </a:r>
-            <a:endParaRPr lang="pt-BR" sz="2500" b="1" dirty="0">
-              <a:solidFill>
-                <a:srgbClr val="FF0000"/>
-              </a:solidFill>
-            </a:endParaRPr>
-          </a:p>
-        </p:txBody>
-      </p:sp>
-      <p:sp>
-        <p:nvSpPr>
-          <p:cNvPr id="3" name="Retângulo 2">
-            <a:extLst>
-              <a:ext uri="{FF2B5EF4-FFF2-40B4-BE49-F238E27FC236}">
-                <a16:creationId xmlns:a16="http://schemas.microsoft.com/office/drawing/2014/main" id="{38BDC3BF-6086-4280-BE8A-C34A3C581C75}"/>
-              </a:ext>
-            </a:extLst>
-          </p:cNvPr>
-          <p:cNvSpPr/>
-          <p:nvPr/>
-        </p:nvSpPr>
-        <p:spPr>
-          <a:xfrm>
-            <a:off x="0" y="6288259"/>
-            <a:ext cx="12192000" cy="112542"/>
-          </a:xfrm>
-          <a:prstGeom prst="rect">
-            <a:avLst/>
-          </a:prstGeom>
-          <a:solidFill>
-            <a:schemeClr val="tx1">
-              <a:lumMod val="95000"/>
-              <a:lumOff val="5000"/>
-            </a:schemeClr>
-          </a:solidFill>
-          <a:ln>
-            <a:noFill/>
-          </a:ln>
-        </p:spPr>
-        <p:style>
-          <a:lnRef idx="2">
-            <a:schemeClr val="accent1">
-              <a:shade val="15000"/>
-            </a:schemeClr>
-          </a:lnRef>
-          <a:fillRef idx="1">
-            <a:schemeClr val="accent1"/>
-          </a:fillRef>
-          <a:effectRef idx="0">
-            <a:schemeClr val="accent1"/>
-          </a:effectRef>
-          <a:fontRef idx="minor">
-            <a:schemeClr val="lt1"/>
-          </a:fontRef>
-        </p:style>
-        <p:txBody>
-          <a:bodyPr rtlCol="0" anchor="ctr"/>
-          <a:lstStyle/>
-          <a:p>
-            <a:pPr algn="ctr"/>
-            <a:endParaRPr lang="pt-BR"/>
-          </a:p>
-        </p:txBody>
-      </p:sp>
-      <p:sp>
-        <p:nvSpPr>
-          <p:cNvPr id="6" name="Retângulo 5">
-            <a:extLst>
-              <a:ext uri="{FF2B5EF4-FFF2-40B4-BE49-F238E27FC236}">
-                <a16:creationId xmlns:a16="http://schemas.microsoft.com/office/drawing/2014/main" id="{5A10E92A-5132-E687-412A-781750A1AB86}"/>
+            <a:r>
+              <a:rPr lang="pt-BR" sz="3200" b="1" dirty="0">
+                <a:solidFill>
+                  <a:schemeClr val="bg1"/>
+                </a:solidFill>
+              </a:rPr>
+              <a:t>EN</a:t>
+            </a:r>
+          </a:p>
+        </p:txBody>
+      </p:sp>
+      <p:sp>
+        <p:nvSpPr>
+          <p:cNvPr id="5" name="Retângulo 4">
+            <a:extLst>
+              <a:ext uri="{FF2B5EF4-FFF2-40B4-BE49-F238E27FC236}">
+                <a16:creationId xmlns:a16="http://schemas.microsoft.com/office/drawing/2014/main" id="{17920BF4-9FF4-67B6-97DD-19F40D544DB0}"/>
               </a:ext>
             </a:extLst>
           </p:cNvPr>
@@ -5261,10 +4732,166 @@
           </a:p>
         </p:txBody>
       </p:sp>
+      <p:sp>
+        <p:nvSpPr>
+          <p:cNvPr id="6" name="Retângulo 5">
+            <a:extLst>
+              <a:ext uri="{FF2B5EF4-FFF2-40B4-BE49-F238E27FC236}">
+                <a16:creationId xmlns:a16="http://schemas.microsoft.com/office/drawing/2014/main" id="{6BB43D1E-AC19-D8A8-4DBE-1B6ACDF61448}"/>
+              </a:ext>
+            </a:extLst>
+          </p:cNvPr>
+          <p:cNvSpPr/>
+          <p:nvPr/>
+        </p:nvSpPr>
+        <p:spPr>
+          <a:xfrm>
+            <a:off x="0" y="6288259"/>
+            <a:ext cx="12192000" cy="112542"/>
+          </a:xfrm>
+          <a:prstGeom prst="rect">
+            <a:avLst/>
+          </a:prstGeom>
+          <a:solidFill>
+            <a:schemeClr val="tx1">
+              <a:lumMod val="95000"/>
+              <a:lumOff val="5000"/>
+            </a:schemeClr>
+          </a:solidFill>
+          <a:ln>
+            <a:noFill/>
+          </a:ln>
+        </p:spPr>
+        <p:style>
+          <a:lnRef idx="2">
+            <a:schemeClr val="accent1">
+              <a:shade val="15000"/>
+            </a:schemeClr>
+          </a:lnRef>
+          <a:fillRef idx="1">
+            <a:schemeClr val="accent1"/>
+          </a:fillRef>
+          <a:effectRef idx="0">
+            <a:schemeClr val="accent1"/>
+          </a:effectRef>
+          <a:fontRef idx="minor">
+            <a:schemeClr val="lt1"/>
+          </a:fontRef>
+        </p:style>
+        <p:txBody>
+          <a:bodyPr rtlCol="0" anchor="ctr"/>
+          <a:lstStyle/>
+          <a:p>
+            <a:pPr algn="ctr"/>
+            <a:endParaRPr lang="pt-BR"/>
+          </a:p>
+        </p:txBody>
+      </p:sp>
+      <p:sp>
+        <p:nvSpPr>
+          <p:cNvPr id="8" name="Rectangle 2">
+            <a:extLst>
+              <a:ext uri="{FF2B5EF4-FFF2-40B4-BE49-F238E27FC236}">
+                <a16:creationId xmlns:a16="http://schemas.microsoft.com/office/drawing/2014/main" id="{F7D73F80-0DEA-DD8E-0B9A-79749C770F86}"/>
+              </a:ext>
+            </a:extLst>
+          </p:cNvPr>
+          <p:cNvSpPr>
+            <a:spLocks noChangeArrowheads="1"/>
+          </p:cNvSpPr>
+          <p:nvPr/>
+        </p:nvSpPr>
+        <p:spPr bwMode="auto">
+          <a:xfrm>
+            <a:off x="34925" y="0"/>
+            <a:ext cx="12192000" cy="0"/>
+          </a:xfrm>
+          <a:prstGeom prst="rect">
+            <a:avLst/>
+          </a:prstGeom>
+          <a:solidFill>
+            <a:srgbClr val="F5F5F5"/>
+          </a:solidFill>
+          <a:ln>
+            <a:noFill/>
+          </a:ln>
+          <a:effectLst/>
+          <a:extLst>
+            <a:ext uri="{91240B29-F687-4F45-9708-019B960494DF}">
+              <a14:hiddenLine xmlns:a14="http://schemas.microsoft.com/office/drawing/2010/main" w="9525">
+                <a:solidFill>
+                  <a:schemeClr val="tx1"/>
+                </a:solidFill>
+                <a:miter lim="800000"/>
+                <a:headEnd/>
+                <a:tailEnd/>
+              </a14:hiddenLine>
+            </a:ext>
+            <a:ext uri="{AF507438-7753-43E0-B8FC-AC1667EBCBE1}">
+              <a14:hiddenEffects xmlns:a14="http://schemas.microsoft.com/office/drawing/2010/main">
+                <a:effectLst>
+                  <a:outerShdw dist="35921" dir="2700000" algn="ctr" rotWithShape="0">
+                    <a:schemeClr val="bg2"/>
+                  </a:outerShdw>
+                </a:effectLst>
+              </a14:hiddenEffects>
+            </a:ext>
+          </a:extLst>
+        </p:spPr>
+        <p:txBody>
+          <a:bodyPr vert="horz" wrap="none" lIns="91440" tIns="45720" rIns="91440" bIns="45720" numCol="1" anchor="ctr" anchorCtr="0" compatLnSpc="1">
+            <a:prstTxWarp prst="textNoShape">
+              <a:avLst/>
+            </a:prstTxWarp>
+            <a:spAutoFit/>
+          </a:bodyPr>
+          <a:lstStyle/>
+          <a:p>
+            <a:pPr marL="0" marR="0" lvl="0" indent="0" algn="l" defTabSz="914400" rtl="0" eaLnBrk="0" fontAlgn="base" latinLnBrk="0" hangingPunct="0">
+              <a:lnSpc>
+                <a:spcPct val="100000"/>
+              </a:lnSpc>
+              <a:spcBef>
+                <a:spcPct val="0"/>
+              </a:spcBef>
+              <a:spcAft>
+                <a:spcPct val="0"/>
+              </a:spcAft>
+              <a:buClrTx/>
+              <a:buSzTx/>
+              <a:buFontTx/>
+              <a:buNone/>
+              <a:tabLst/>
+            </a:pPr>
+            <a:br>
+              <a:rPr kumimoji="0" lang="pt-BR" altLang="pt-BR" sz="1000" b="0" i="0" u="none" strike="noStrike" cap="none" normalizeH="0" baseline="0">
+                <a:ln>
+                  <a:noFill/>
+                </a:ln>
+                <a:solidFill>
+                  <a:schemeClr val="tx1"/>
+                </a:solidFill>
+                <a:effectLst/>
+                <a:latin typeface="Google Sans"/>
+              </a:rPr>
+            </a:br>
+            <a:endParaRPr kumimoji="0" lang="pt-BR" altLang="pt-BR" sz="1800" b="0" i="0" u="none" strike="noStrike" cap="none" normalizeH="0" baseline="0">
+              <a:ln>
+                <a:noFill/>
+              </a:ln>
+              <a:solidFill>
+                <a:schemeClr val="tx1"/>
+              </a:solidFill>
+              <a:effectLst/>
+              <a:latin typeface="Arial" panose="020B0604020202020204" pitchFamily="34" charset="0"/>
+            </a:endParaRPr>
+          </a:p>
+        </p:txBody>
+      </p:sp>
     </p:spTree>
     <p:extLst>
       <p:ext uri="{BB962C8B-B14F-4D97-AF65-F5344CB8AC3E}">
-        <p14:creationId xmlns:p14="http://schemas.microsoft.com/office/powerpoint/2010/main" val="190116613"/>
+        <p14:creationId xmlns:p14="http://schemas.microsoft.com/office/powerpoint/2010/main" val="2054888185"/>
       </p:ext>
     </p:extLst>
   </p:cSld>
@@ -5296,7 +4923,7 @@
           <p:cNvPr id="2" name="CaixaDeTexto 1">
             <a:extLst>
               <a:ext uri="{FF2B5EF4-FFF2-40B4-BE49-F238E27FC236}">
-                <a16:creationId xmlns:a16="http://schemas.microsoft.com/office/drawing/2014/main" id="{2B3A65E7-4F59-5AD9-AE72-11328C37FB6F}"/>
+                <a16:creationId xmlns:a16="http://schemas.microsoft.com/office/drawing/2014/main" id="{75B2C0FD-522D-A4E9-33A0-12D6718EEB67}"/>
               </a:ext>
             </a:extLst>
           </p:cNvPr>
@@ -5305,8 +4932,8 @@
         </p:nvSpPr>
         <p:spPr>
           <a:xfrm>
-            <a:off x="154744" y="1153480"/>
-            <a:ext cx="2201592" cy="553998"/>
+            <a:off x="1273125" y="365759"/>
+            <a:ext cx="9917723" cy="553998"/>
           </a:xfrm>
           <a:prstGeom prst="rect">
             <a:avLst/>
@@ -5326,17 +4953,17 @@
                   <a:schemeClr val="bg1"/>
                 </a:solidFill>
               </a:rPr>
-              <a:t>OBJECTIVE</a:t>
-            </a:r>
-          </a:p>
-        </p:txBody>
-      </p:sp>
-      <p:sp>
-        <p:nvSpPr>
-          <p:cNvPr id="3" name="Retângulo: Cantos Arredondados 2">
-            <a:extLst>
-              <a:ext uri="{FF2B5EF4-FFF2-40B4-BE49-F238E27FC236}">
-                <a16:creationId xmlns:a16="http://schemas.microsoft.com/office/drawing/2014/main" id="{E8A06973-2F1C-8778-5CE9-DBFF87C340C9}"/>
+              <a:t>TABLE OF CONTENT</a:t>
+            </a:r>
+          </a:p>
+        </p:txBody>
+      </p:sp>
+      <p:sp>
+        <p:nvSpPr>
+          <p:cNvPr id="4" name="Retângulo: Cantos Arredondados 3">
+            <a:extLst>
+              <a:ext uri="{FF2B5EF4-FFF2-40B4-BE49-F238E27FC236}">
+                <a16:creationId xmlns:a16="http://schemas.microsoft.com/office/drawing/2014/main" id="{D493EAE3-AE03-FBAA-937B-39F715ABC509}"/>
               </a:ext>
             </a:extLst>
           </p:cNvPr>
@@ -5344,9 +4971,9 @@
           <p:nvPr/>
         </p:nvSpPr>
         <p:spPr>
-          <a:xfrm rot="5400000">
-            <a:off x="-2595491" y="3115996"/>
-            <a:ext cx="5345726" cy="154744"/>
+          <a:xfrm>
+            <a:off x="3390314" y="0"/>
+            <a:ext cx="5387926" cy="239151"/>
           </a:xfrm>
           <a:prstGeom prst="roundRect">
             <a:avLst/>
@@ -5388,10 +5015,10 @@
       </p:sp>
       <p:sp>
         <p:nvSpPr>
-          <p:cNvPr id="4" name="CaixaDeTexto 3">
-            <a:extLst>
-              <a:ext uri="{FF2B5EF4-FFF2-40B4-BE49-F238E27FC236}">
-                <a16:creationId xmlns:a16="http://schemas.microsoft.com/office/drawing/2014/main" id="{14EF5572-A5BC-CD61-6EB7-7E6B4571C4BA}"/>
+          <p:cNvPr id="5" name="CaixaDeTexto 4">
+            <a:extLst>
+              <a:ext uri="{FF2B5EF4-FFF2-40B4-BE49-F238E27FC236}">
+                <a16:creationId xmlns:a16="http://schemas.microsoft.com/office/drawing/2014/main" id="{DABADC3B-498C-5604-447C-F37902905468}"/>
               </a:ext>
             </a:extLst>
           </p:cNvPr>
@@ -5400,8 +5027,8 @@
         </p:nvSpPr>
         <p:spPr>
           <a:xfrm>
-            <a:off x="351691" y="2762481"/>
-            <a:ext cx="9326881" cy="861774"/>
+            <a:off x="1137138" y="2377441"/>
+            <a:ext cx="9917723" cy="3554819"/>
           </a:xfrm>
           <a:prstGeom prst="rect">
             <a:avLst/>
@@ -5415,46 +5042,484 @@
           <a:lstStyle/>
           <a:p>
             <a:r>
-              <a:rPr lang="en-US" sz="2500" b="1" i="0" dirty="0">
-                <a:solidFill>
-                  <a:schemeClr val="bg1"/>
-                </a:solidFill>
-                <a:effectLst/>
-              </a:rPr>
-              <a:t>Perform a Exploratory Data Analysis (EDA) on the 2020 </a:t>
-            </a:r>
-            <a:r>
-              <a:rPr lang="en-US" sz="2500" b="1" i="0" dirty="0">
+              <a:rPr lang="pt-BR" sz="3000" dirty="0" err="1">
+                <a:solidFill>
+                  <a:schemeClr val="bg1"/>
+                </a:solidFill>
+              </a:rPr>
+              <a:t>Exploratory</a:t>
+            </a:r>
+            <a:r>
+              <a:rPr lang="pt-BR" sz="3000" dirty="0">
+                <a:solidFill>
+                  <a:schemeClr val="bg1"/>
+                </a:solidFill>
+              </a:rPr>
+              <a:t> Data </a:t>
+            </a:r>
+            <a:r>
+              <a:rPr lang="pt-BR" sz="3000" dirty="0" err="1">
+                <a:solidFill>
+                  <a:schemeClr val="bg1"/>
+                </a:solidFill>
+              </a:rPr>
+              <a:t>Analysis</a:t>
+            </a:r>
+            <a:r>
+              <a:rPr lang="pt-BR" sz="3000" dirty="0">
+                <a:solidFill>
+                  <a:schemeClr val="bg1"/>
+                </a:solidFill>
+              </a:rPr>
+              <a:t> </a:t>
+            </a:r>
+            <a:r>
+              <a:rPr lang="pt-BR" sz="3000" dirty="0">
                 <a:solidFill>
                   <a:srgbClr val="FF0000"/>
                 </a:solidFill>
-                <a:effectLst/>
-              </a:rPr>
-              <a:t>Netflix</a:t>
-            </a:r>
-            <a:r>
-              <a:rPr lang="en-US" sz="2500" b="1" i="0" dirty="0">
-                <a:solidFill>
-                  <a:schemeClr val="bg1"/>
-                </a:solidFill>
-                <a:effectLst/>
-              </a:rPr>
-              <a:t> Catalog Dataset.</a:t>
-            </a:r>
-            <a:endParaRPr lang="pt-BR" sz="2500" b="1" dirty="0">
+              </a:rPr>
+              <a:t>NETFLIX 2020</a:t>
+            </a:r>
+          </a:p>
+          <a:p>
+            <a:endParaRPr lang="pt-BR" sz="2000" b="1" dirty="0">
               <a:solidFill>
                 <a:schemeClr val="bg1"/>
               </a:solidFill>
             </a:endParaRPr>
           </a:p>
-        </p:txBody>
-      </p:sp>
-      <p:sp>
-        <p:nvSpPr>
-          <p:cNvPr id="5" name="Retângulo 4">
-            <a:extLst>
-              <a:ext uri="{FF2B5EF4-FFF2-40B4-BE49-F238E27FC236}">
-                <a16:creationId xmlns:a16="http://schemas.microsoft.com/office/drawing/2014/main" id="{28B23991-9A56-5BF2-1F04-88309A057D95}"/>
+          <a:p>
+            <a:pPr marL="342900" indent="-342900">
+              <a:buClr>
+                <a:schemeClr val="tx1"/>
+              </a:buClr>
+              <a:buFont typeface="Wingdings" panose="05000000000000000000" pitchFamily="2" charset="2"/>
+              <a:buChar char="Ø"/>
+            </a:pPr>
+            <a:r>
+              <a:rPr lang="pt-BR" sz="2500" b="1" dirty="0" err="1">
+                <a:solidFill>
+                  <a:srgbClr val="FF0000"/>
+                </a:solidFill>
+                <a:hlinkClick r:id="rId2" action="ppaction://hlinksldjump">
+                  <a:extLst>
+                    <a:ext uri="{A12FA001-AC4F-418D-AE19-62706E023703}">
+                      <ahyp:hlinkClr xmlns:ahyp="http://schemas.microsoft.com/office/drawing/2018/hyperlinkcolor" val="tx"/>
+                    </a:ext>
+                  </a:extLst>
+                </a:hlinkClick>
+              </a:rPr>
+              <a:t>Objective</a:t>
+            </a:r>
+            <a:endParaRPr lang="pt-BR" sz="2500" b="1" dirty="0">
+              <a:solidFill>
+                <a:srgbClr val="FF0000"/>
+              </a:solidFill>
+            </a:endParaRPr>
+          </a:p>
+          <a:p>
+            <a:pPr marL="342900" indent="-342900">
+              <a:buClr>
+                <a:schemeClr val="tx1"/>
+              </a:buClr>
+              <a:buFont typeface="Wingdings" panose="05000000000000000000" pitchFamily="2" charset="2"/>
+              <a:buChar char="Ø"/>
+            </a:pPr>
+            <a:r>
+              <a:rPr lang="pt-BR" sz="2500" b="1" dirty="0">
+                <a:solidFill>
+                  <a:srgbClr val="FF0000"/>
+                </a:solidFill>
+                <a:hlinkClick r:id="rId3" action="ppaction://hlinksldjump">
+                  <a:extLst>
+                    <a:ext uri="{A12FA001-AC4F-418D-AE19-62706E023703}">
+                      <ahyp:hlinkClr xmlns:ahyp="http://schemas.microsoft.com/office/drawing/2018/hyperlinkcolor" val="tx"/>
+                    </a:ext>
+                  </a:extLst>
+                </a:hlinkClick>
+              </a:rPr>
+              <a:t>Netflix Exclusive</a:t>
+            </a:r>
+            <a:endParaRPr lang="pt-BR" sz="2500" b="1" dirty="0">
+              <a:solidFill>
+                <a:srgbClr val="FF0000"/>
+              </a:solidFill>
+            </a:endParaRPr>
+          </a:p>
+          <a:p>
+            <a:pPr marL="342900" indent="-342900">
+              <a:buClr>
+                <a:schemeClr val="tx1"/>
+              </a:buClr>
+              <a:buFont typeface="Wingdings" panose="05000000000000000000" pitchFamily="2" charset="2"/>
+              <a:buChar char="Ø"/>
+            </a:pPr>
+            <a:r>
+              <a:rPr lang="pt-BR" sz="2500" b="1" dirty="0">
+                <a:solidFill>
+                  <a:srgbClr val="FF0000"/>
+                </a:solidFill>
+                <a:hlinkClick r:id="rId4" action="ppaction://hlinksldjump">
+                  <a:extLst>
+                    <a:ext uri="{A12FA001-AC4F-418D-AE19-62706E023703}">
+                      <ahyp:hlinkClr xmlns:ahyp="http://schemas.microsoft.com/office/drawing/2018/hyperlinkcolor" val="tx"/>
+                    </a:ext>
+                  </a:extLst>
+                </a:hlinkClick>
+              </a:rPr>
+              <a:t>Rank, </a:t>
+            </a:r>
+            <a:r>
+              <a:rPr lang="pt-BR" sz="2500" b="1" dirty="0" err="1">
+                <a:solidFill>
+                  <a:srgbClr val="FF0000"/>
+                </a:solidFill>
+                <a:hlinkClick r:id="rId4" action="ppaction://hlinksldjump">
+                  <a:extLst>
+                    <a:ext uri="{A12FA001-AC4F-418D-AE19-62706E023703}">
+                      <ahyp:hlinkClr xmlns:ahyp="http://schemas.microsoft.com/office/drawing/2018/hyperlinkcolor" val="tx"/>
+                    </a:ext>
+                  </a:extLst>
+                </a:hlinkClick>
+              </a:rPr>
+              <a:t>Days</a:t>
+            </a:r>
+            <a:r>
+              <a:rPr lang="pt-BR" sz="2500" b="1" dirty="0">
+                <a:solidFill>
+                  <a:srgbClr val="FF0000"/>
+                </a:solidFill>
+                <a:hlinkClick r:id="rId4" action="ppaction://hlinksldjump">
+                  <a:extLst>
+                    <a:ext uri="{A12FA001-AC4F-418D-AE19-62706E023703}">
+                      <ahyp:hlinkClr xmlns:ahyp="http://schemas.microsoft.com/office/drawing/2018/hyperlinkcolor" val="tx"/>
+                    </a:ext>
+                  </a:extLst>
+                </a:hlinkClick>
+              </a:rPr>
+              <a:t> in TOP 10 </a:t>
+            </a:r>
+            <a:r>
+              <a:rPr lang="pt-BR" sz="2500" b="1" dirty="0" err="1">
+                <a:solidFill>
+                  <a:srgbClr val="FF0000"/>
+                </a:solidFill>
+                <a:hlinkClick r:id="rId4" action="ppaction://hlinksldjump">
+                  <a:extLst>
+                    <a:ext uri="{A12FA001-AC4F-418D-AE19-62706E023703}">
+                      <ahyp:hlinkClr xmlns:ahyp="http://schemas.microsoft.com/office/drawing/2018/hyperlinkcolor" val="tx"/>
+                    </a:ext>
+                  </a:extLst>
+                </a:hlinkClick>
+              </a:rPr>
+              <a:t>and</a:t>
+            </a:r>
+            <a:r>
+              <a:rPr lang="pt-BR" sz="2500" b="1" dirty="0">
+                <a:solidFill>
+                  <a:srgbClr val="FF0000"/>
+                </a:solidFill>
+                <a:hlinkClick r:id="rId4" action="ppaction://hlinksldjump">
+                  <a:extLst>
+                    <a:ext uri="{A12FA001-AC4F-418D-AE19-62706E023703}">
+                      <ahyp:hlinkClr xmlns:ahyp="http://schemas.microsoft.com/office/drawing/2018/hyperlinkcolor" val="tx"/>
+                    </a:ext>
+                  </a:extLst>
+                </a:hlinkClick>
+              </a:rPr>
+              <a:t> </a:t>
+            </a:r>
+            <a:r>
+              <a:rPr lang="pt-BR" sz="2500" b="1" dirty="0" err="1">
+                <a:solidFill>
+                  <a:srgbClr val="FF0000"/>
+                </a:solidFill>
+                <a:hlinkClick r:id="rId4" action="ppaction://hlinksldjump">
+                  <a:extLst>
+                    <a:ext uri="{A12FA001-AC4F-418D-AE19-62706E023703}">
+                      <ahyp:hlinkClr xmlns:ahyp="http://schemas.microsoft.com/office/drawing/2018/hyperlinkcolor" val="tx"/>
+                    </a:ext>
+                  </a:extLst>
+                </a:hlinkClick>
+              </a:rPr>
+              <a:t>Viewership</a:t>
+            </a:r>
+            <a:r>
+              <a:rPr lang="pt-BR" sz="2500" b="1" dirty="0">
+                <a:solidFill>
+                  <a:srgbClr val="FF0000"/>
+                </a:solidFill>
+                <a:hlinkClick r:id="rId4" action="ppaction://hlinksldjump">
+                  <a:extLst>
+                    <a:ext uri="{A12FA001-AC4F-418D-AE19-62706E023703}">
+                      <ahyp:hlinkClr xmlns:ahyp="http://schemas.microsoft.com/office/drawing/2018/hyperlinkcolor" val="tx"/>
+                    </a:ext>
+                  </a:extLst>
+                </a:hlinkClick>
+              </a:rPr>
+              <a:t> Score</a:t>
+            </a:r>
+            <a:endParaRPr lang="pt-BR" sz="2500" b="1" dirty="0">
+              <a:solidFill>
+                <a:srgbClr val="FF0000"/>
+              </a:solidFill>
+            </a:endParaRPr>
+          </a:p>
+          <a:p>
+            <a:pPr marL="342900" indent="-342900">
+              <a:buClr>
+                <a:schemeClr val="tx1"/>
+              </a:buClr>
+              <a:buFont typeface="Wingdings" panose="05000000000000000000" pitchFamily="2" charset="2"/>
+              <a:buChar char="Ø"/>
+            </a:pPr>
+            <a:r>
+              <a:rPr lang="pt-BR" sz="2500" b="1" dirty="0" err="1">
+                <a:solidFill>
+                  <a:srgbClr val="FF0000"/>
+                </a:solidFill>
+                <a:hlinkClick r:id="rId5" action="ppaction://hlinksldjump">
+                  <a:extLst>
+                    <a:ext uri="{A12FA001-AC4F-418D-AE19-62706E023703}">
+                      <ahyp:hlinkClr xmlns:ahyp="http://schemas.microsoft.com/office/drawing/2018/hyperlinkcolor" val="tx"/>
+                    </a:ext>
+                  </a:extLst>
+                </a:hlinkClick>
+              </a:rPr>
+              <a:t>Genres</a:t>
+            </a:r>
+            <a:endParaRPr lang="pt-BR" sz="2500" b="1" dirty="0">
+              <a:solidFill>
+                <a:srgbClr val="FF0000"/>
+              </a:solidFill>
+            </a:endParaRPr>
+          </a:p>
+          <a:p>
+            <a:pPr marL="342900" indent="-342900">
+              <a:buClr>
+                <a:schemeClr val="tx1"/>
+              </a:buClr>
+              <a:buFont typeface="Wingdings" panose="05000000000000000000" pitchFamily="2" charset="2"/>
+              <a:buChar char="Ø"/>
+            </a:pPr>
+            <a:r>
+              <a:rPr lang="pt-BR" sz="2500" b="1" dirty="0" err="1">
+                <a:solidFill>
+                  <a:srgbClr val="FF0000"/>
+                </a:solidFill>
+                <a:hlinkClick r:id="rId6" action="ppaction://hlinksldjump">
+                  <a:extLst>
+                    <a:ext uri="{A12FA001-AC4F-418D-AE19-62706E023703}">
+                      <ahyp:hlinkClr xmlns:ahyp="http://schemas.microsoft.com/office/drawing/2018/hyperlinkcolor" val="tx"/>
+                    </a:ext>
+                  </a:extLst>
+                </a:hlinkClick>
+              </a:rPr>
+              <a:t>Explaning</a:t>
+            </a:r>
+            <a:r>
+              <a:rPr lang="pt-BR" sz="2500" b="1" dirty="0">
+                <a:solidFill>
+                  <a:srgbClr val="FF0000"/>
+                </a:solidFill>
+                <a:hlinkClick r:id="rId6" action="ppaction://hlinksldjump">
+                  <a:extLst>
+                    <a:ext uri="{A12FA001-AC4F-418D-AE19-62706E023703}">
+                      <ahyp:hlinkClr xmlns:ahyp="http://schemas.microsoft.com/office/drawing/2018/hyperlinkcolor" val="tx"/>
+                    </a:ext>
+                  </a:extLst>
+                </a:hlinkClick>
+              </a:rPr>
+              <a:t> </a:t>
+            </a:r>
+            <a:r>
+              <a:rPr lang="pt-BR" sz="2500" b="1" dirty="0" err="1">
+                <a:solidFill>
+                  <a:srgbClr val="FF0000"/>
+                </a:solidFill>
+                <a:hlinkClick r:id="rId6" action="ppaction://hlinksldjump">
+                  <a:extLst>
+                    <a:ext uri="{A12FA001-AC4F-418D-AE19-62706E023703}">
+                      <ahyp:hlinkClr xmlns:ahyp="http://schemas.microsoft.com/office/drawing/2018/hyperlinkcolor" val="tx"/>
+                    </a:ext>
+                  </a:extLst>
+                </a:hlinkClick>
+              </a:rPr>
+              <a:t>the</a:t>
+            </a:r>
+            <a:r>
+              <a:rPr lang="pt-BR" sz="2500" b="1" dirty="0">
+                <a:solidFill>
+                  <a:srgbClr val="FF0000"/>
+                </a:solidFill>
+                <a:hlinkClick r:id="rId6" action="ppaction://hlinksldjump">
+                  <a:extLst>
+                    <a:ext uri="{A12FA001-AC4F-418D-AE19-62706E023703}">
+                      <ahyp:hlinkClr xmlns:ahyp="http://schemas.microsoft.com/office/drawing/2018/hyperlinkcolor" val="tx"/>
+                    </a:ext>
+                  </a:extLst>
+                </a:hlinkClick>
+              </a:rPr>
+              <a:t> </a:t>
+            </a:r>
+            <a:r>
+              <a:rPr lang="pt-BR" sz="2500" b="1" dirty="0" err="1">
+                <a:solidFill>
+                  <a:srgbClr val="FF0000"/>
+                </a:solidFill>
+                <a:hlinkClick r:id="rId6" action="ppaction://hlinksldjump">
+                  <a:extLst>
+                    <a:ext uri="{A12FA001-AC4F-418D-AE19-62706E023703}">
+                      <ahyp:hlinkClr xmlns:ahyp="http://schemas.microsoft.com/office/drawing/2018/hyperlinkcolor" val="tx"/>
+                    </a:ext>
+                  </a:extLst>
+                </a:hlinkClick>
+              </a:rPr>
+              <a:t>Viewership</a:t>
+            </a:r>
+            <a:r>
+              <a:rPr lang="pt-BR" sz="2500" b="1" dirty="0">
+                <a:solidFill>
+                  <a:srgbClr val="FF0000"/>
+                </a:solidFill>
+                <a:hlinkClick r:id="rId6" action="ppaction://hlinksldjump">
+                  <a:extLst>
+                    <a:ext uri="{A12FA001-AC4F-418D-AE19-62706E023703}">
+                      <ahyp:hlinkClr xmlns:ahyp="http://schemas.microsoft.com/office/drawing/2018/hyperlinkcolor" val="tx"/>
+                    </a:ext>
+                  </a:extLst>
+                </a:hlinkClick>
+              </a:rPr>
+              <a:t> Score</a:t>
+            </a:r>
+            <a:endParaRPr lang="pt-BR" sz="2500" b="1" dirty="0">
+              <a:solidFill>
+                <a:srgbClr val="FF0000"/>
+              </a:solidFill>
+            </a:endParaRPr>
+          </a:p>
+          <a:p>
+            <a:pPr marL="342900" indent="-342900">
+              <a:buClr>
+                <a:schemeClr val="tx1"/>
+              </a:buClr>
+              <a:buFont typeface="Wingdings" panose="05000000000000000000" pitchFamily="2" charset="2"/>
+              <a:buChar char="Ø"/>
+            </a:pPr>
+            <a:r>
+              <a:rPr lang="pt-BR" sz="2500" b="1" dirty="0" err="1">
+                <a:solidFill>
+                  <a:srgbClr val="FF0000"/>
+                </a:solidFill>
+                <a:hlinkClick r:id="rId7" action="ppaction://hlinksldjump">
+                  <a:extLst>
+                    <a:ext uri="{A12FA001-AC4F-418D-AE19-62706E023703}">
+                      <ahyp:hlinkClr xmlns:ahyp="http://schemas.microsoft.com/office/drawing/2018/hyperlinkcolor" val="tx"/>
+                    </a:ext>
+                  </a:extLst>
+                </a:hlinkClick>
+              </a:rPr>
+              <a:t>Conclusion</a:t>
+            </a:r>
+            <a:endParaRPr lang="pt-BR" sz="2500" b="1" dirty="0">
+              <a:solidFill>
+                <a:srgbClr val="FF0000"/>
+              </a:solidFill>
+            </a:endParaRPr>
+          </a:p>
+          <a:p>
+            <a:pPr marL="342900" indent="-342900">
+              <a:buClr>
+                <a:schemeClr val="tx1"/>
+              </a:buClr>
+              <a:buFont typeface="Wingdings" panose="05000000000000000000" pitchFamily="2" charset="2"/>
+              <a:buChar char="Ø"/>
+            </a:pPr>
+            <a:r>
+              <a:rPr lang="pt-BR" sz="2500" b="1" dirty="0" err="1">
+                <a:solidFill>
+                  <a:srgbClr val="FF0000"/>
+                </a:solidFill>
+                <a:hlinkClick r:id="rId8" action="ppaction://hlinksldjump">
+                  <a:extLst>
+                    <a:ext uri="{A12FA001-AC4F-418D-AE19-62706E023703}">
+                      <ahyp:hlinkClr xmlns:ahyp="http://schemas.microsoft.com/office/drawing/2018/hyperlinkcolor" val="tx"/>
+                    </a:ext>
+                  </a:extLst>
+                </a:hlinkClick>
+              </a:rPr>
+              <a:t>Observation</a:t>
+            </a:r>
+            <a:endParaRPr lang="pt-BR" sz="2500" b="1" dirty="0">
+              <a:solidFill>
+                <a:srgbClr val="FF0000"/>
+              </a:solidFill>
+            </a:endParaRPr>
+          </a:p>
+        </p:txBody>
+      </p:sp>
+      <p:sp>
+        <p:nvSpPr>
+          <p:cNvPr id="3" name="Retângulo 2">
+            <a:extLst>
+              <a:ext uri="{FF2B5EF4-FFF2-40B4-BE49-F238E27FC236}">
+                <a16:creationId xmlns:a16="http://schemas.microsoft.com/office/drawing/2014/main" id="{38BDC3BF-6086-4280-BE8A-C34A3C581C75}"/>
+              </a:ext>
+            </a:extLst>
+          </p:cNvPr>
+          <p:cNvSpPr/>
+          <p:nvPr/>
+        </p:nvSpPr>
+        <p:spPr>
+          <a:xfrm>
+            <a:off x="0" y="6288259"/>
+            <a:ext cx="12192000" cy="112542"/>
+          </a:xfrm>
+          <a:prstGeom prst="rect">
+            <a:avLst/>
+          </a:prstGeom>
+          <a:solidFill>
+            <a:schemeClr val="tx1">
+              <a:lumMod val="95000"/>
+              <a:lumOff val="5000"/>
+            </a:schemeClr>
+          </a:solidFill>
+          <a:ln>
+            <a:noFill/>
+          </a:ln>
+        </p:spPr>
+        <p:style>
+          <a:lnRef idx="2">
+            <a:schemeClr val="accent1">
+              <a:shade val="15000"/>
+            </a:schemeClr>
+          </a:lnRef>
+          <a:fillRef idx="1">
+            <a:schemeClr val="accent1"/>
+          </a:fillRef>
+          <a:effectRef idx="0">
+            <a:schemeClr val="accent1"/>
+          </a:effectRef>
+          <a:fontRef idx="minor">
+            <a:schemeClr val="lt1"/>
+          </a:fontRef>
+        </p:style>
+        <p:txBody>
+          <a:bodyPr rtlCol="0" anchor="ctr"/>
+          <a:lstStyle/>
+          <a:p>
+            <a:pPr algn="ctr"/>
+            <a:endParaRPr lang="pt-BR"/>
+          </a:p>
+        </p:txBody>
+      </p:sp>
+      <p:sp>
+        <p:nvSpPr>
+          <p:cNvPr id="6" name="Retângulo 5">
+            <a:extLst>
+              <a:ext uri="{FF2B5EF4-FFF2-40B4-BE49-F238E27FC236}">
+                <a16:creationId xmlns:a16="http://schemas.microsoft.com/office/drawing/2014/main" id="{5A10E92A-5132-E687-412A-781750A1AB86}"/>
               </a:ext>
             </a:extLst>
           </p:cNvPr>
@@ -5501,65 +5566,10 @@
           </a:p>
         </p:txBody>
       </p:sp>
-      <p:sp>
-        <p:nvSpPr>
-          <p:cNvPr id="6" name="Retângulo 5">
-            <a:extLst>
-              <a:ext uri="{FF2B5EF4-FFF2-40B4-BE49-F238E27FC236}">
-                <a16:creationId xmlns:a16="http://schemas.microsoft.com/office/drawing/2014/main" id="{EBA7AD29-84FF-2D63-C2B8-F8627FB2EC23}"/>
-              </a:ext>
-            </a:extLst>
-          </p:cNvPr>
-          <p:cNvSpPr/>
-          <p:nvPr/>
-        </p:nvSpPr>
-        <p:spPr>
-          <a:xfrm>
-            <a:off x="0" y="6288259"/>
-            <a:ext cx="12192000" cy="112542"/>
-          </a:xfrm>
-          <a:prstGeom prst="rect">
-            <a:avLst/>
-          </a:prstGeom>
-          <a:solidFill>
-            <a:schemeClr val="tx1">
-              <a:lumMod val="95000"/>
-              <a:lumOff val="5000"/>
-            </a:schemeClr>
-          </a:solidFill>
-          <a:ln>
-            <a:noFill/>
-          </a:ln>
-        </p:spPr>
-        <p:style>
-          <a:lnRef idx="2">
-            <a:schemeClr val="accent1">
-              <a:shade val="15000"/>
-            </a:schemeClr>
-          </a:lnRef>
-          <a:fillRef idx="1">
-            <a:schemeClr val="accent1"/>
-          </a:fillRef>
-          <a:effectRef idx="0">
-            <a:schemeClr val="accent1"/>
-          </a:effectRef>
-          <a:fontRef idx="minor">
-            <a:schemeClr val="lt1"/>
-          </a:fontRef>
-        </p:style>
-        <p:txBody>
-          <a:bodyPr rtlCol="0" anchor="ctr"/>
-          <a:lstStyle/>
-          <a:p>
-            <a:pPr algn="ctr"/>
-            <a:endParaRPr lang="pt-BR"/>
-          </a:p>
-        </p:txBody>
-      </p:sp>
     </p:spTree>
     <p:extLst>
       <p:ext uri="{BB962C8B-B14F-4D97-AF65-F5344CB8AC3E}">
-        <p14:creationId xmlns:p14="http://schemas.microsoft.com/office/powerpoint/2010/main" val="625366561"/>
+        <p14:creationId xmlns:p14="http://schemas.microsoft.com/office/powerpoint/2010/main" val="190116613"/>
       </p:ext>
     </p:extLst>
   </p:cSld>
@@ -5588,10 +5598,50 @@
       </p:grpSpPr>
       <p:sp>
         <p:nvSpPr>
-          <p:cNvPr id="4" name="Retângulo 3">
-            <a:extLst>
-              <a:ext uri="{FF2B5EF4-FFF2-40B4-BE49-F238E27FC236}">
-                <a16:creationId xmlns:a16="http://schemas.microsoft.com/office/drawing/2014/main" id="{13AC2AEA-3BE2-F2BB-5D01-B3CC656C3522}"/>
+          <p:cNvPr id="2" name="CaixaDeTexto 1">
+            <a:extLst>
+              <a:ext uri="{FF2B5EF4-FFF2-40B4-BE49-F238E27FC236}">
+                <a16:creationId xmlns:a16="http://schemas.microsoft.com/office/drawing/2014/main" id="{2B3A65E7-4F59-5AD9-AE72-11328C37FB6F}"/>
+              </a:ext>
+            </a:extLst>
+          </p:cNvPr>
+          <p:cNvSpPr txBox="1"/>
+          <p:nvPr/>
+        </p:nvSpPr>
+        <p:spPr>
+          <a:xfrm>
+            <a:off x="154744" y="1153480"/>
+            <a:ext cx="2201592" cy="553998"/>
+          </a:xfrm>
+          <a:prstGeom prst="rect">
+            <a:avLst/>
+          </a:prstGeom>
+          <a:noFill/>
+        </p:spPr>
+        <p:txBody>
+          <a:bodyPr wrap="square" rtlCol="0">
+            <a:spAutoFit/>
+          </a:bodyPr>
+          <a:lstStyle/>
+          <a:p>
+            <a:pPr algn="ctr"/>
+            <a:r>
+              <a:rPr lang="pt-BR" sz="3000" b="1" dirty="0">
+                <a:solidFill>
+                  <a:schemeClr val="bg1"/>
+                </a:solidFill>
+              </a:rPr>
+              <a:t>OBJECTIVE</a:t>
+            </a:r>
+          </a:p>
+        </p:txBody>
+      </p:sp>
+      <p:sp>
+        <p:nvSpPr>
+          <p:cNvPr id="3" name="Retângulo: Cantos Arredondados 2">
+            <a:extLst>
+              <a:ext uri="{FF2B5EF4-FFF2-40B4-BE49-F238E27FC236}">
+                <a16:creationId xmlns:a16="http://schemas.microsoft.com/office/drawing/2014/main" id="{E8A06973-2F1C-8778-5CE9-DBFF87C340C9}"/>
               </a:ext>
             </a:extLst>
           </p:cNvPr>
@@ -5599,17 +5649,17 @@
           <p:nvPr/>
         </p:nvSpPr>
         <p:spPr>
-          <a:xfrm>
-            <a:off x="6096000" y="0"/>
-            <a:ext cx="6096000" cy="6344529"/>
-          </a:xfrm>
-          <a:prstGeom prst="rect">
+          <a:xfrm rot="5400000">
+            <a:off x="-2595491" y="3115996"/>
+            <a:ext cx="5345726" cy="154744"/>
+          </a:xfrm>
+          <a:prstGeom prst="roundRect">
             <a:avLst/>
           </a:prstGeom>
           <a:solidFill>
-            <a:schemeClr val="tx1">
-              <a:lumMod val="95000"/>
-              <a:lumOff val="5000"/>
+            <a:schemeClr val="accent3">
+              <a:lumMod val="60000"/>
+              <a:lumOff val="40000"/>
             </a:schemeClr>
           </a:solidFill>
           <a:ln>
@@ -5643,10 +5693,10 @@
       </p:sp>
       <p:sp>
         <p:nvSpPr>
-          <p:cNvPr id="5" name="CaixaDeTexto 4">
-            <a:extLst>
-              <a:ext uri="{FF2B5EF4-FFF2-40B4-BE49-F238E27FC236}">
-                <a16:creationId xmlns:a16="http://schemas.microsoft.com/office/drawing/2014/main" id="{87151001-FDE3-82CE-4590-C3C27C18E2CC}"/>
+          <p:cNvPr id="4" name="CaixaDeTexto 3">
+            <a:extLst>
+              <a:ext uri="{FF2B5EF4-FFF2-40B4-BE49-F238E27FC236}">
+                <a16:creationId xmlns:a16="http://schemas.microsoft.com/office/drawing/2014/main" id="{14EF5572-A5BC-CD61-6EB7-7E6B4571C4BA}"/>
               </a:ext>
             </a:extLst>
           </p:cNvPr>
@@ -5655,8 +5705,8 @@
         </p:nvSpPr>
         <p:spPr>
           <a:xfrm>
-            <a:off x="1266092" y="922090"/>
-            <a:ext cx="3488788" cy="553998"/>
+            <a:off x="351691" y="2762481"/>
+            <a:ext cx="9326881" cy="861774"/>
           </a:xfrm>
           <a:prstGeom prst="rect">
             <a:avLst/>
@@ -5670,643 +5720,46 @@
           <a:lstStyle/>
           <a:p>
             <a:r>
-              <a:rPr lang="pt-BR" sz="3000" b="1" dirty="0">
-                <a:solidFill>
-                  <a:schemeClr val="bg1"/>
-                </a:solidFill>
-              </a:rPr>
-              <a:t>Netflix Exclusive</a:t>
-            </a:r>
-          </a:p>
-        </p:txBody>
-      </p:sp>
-      <p:sp>
-        <p:nvSpPr>
-          <p:cNvPr id="6" name="CaixaDeTexto 5">
-            <a:extLst>
-              <a:ext uri="{FF2B5EF4-FFF2-40B4-BE49-F238E27FC236}">
-                <a16:creationId xmlns:a16="http://schemas.microsoft.com/office/drawing/2014/main" id="{A1693578-E1ED-01BE-B16C-8C97C5FE8AA7}"/>
-              </a:ext>
-            </a:extLst>
-          </p:cNvPr>
-          <p:cNvSpPr txBox="1"/>
-          <p:nvPr/>
-        </p:nvSpPr>
-        <p:spPr>
-          <a:xfrm>
-            <a:off x="473612" y="2274838"/>
-            <a:ext cx="5148776" cy="2031325"/>
-          </a:xfrm>
-          <a:prstGeom prst="rect">
-            <a:avLst/>
-          </a:prstGeom>
-          <a:noFill/>
-        </p:spPr>
-        <p:txBody>
-          <a:bodyPr wrap="square" rtlCol="0">
-            <a:spAutoFit/>
-          </a:bodyPr>
-          <a:lstStyle/>
-          <a:p>
-            <a:pPr marL="285750" indent="-285750">
-              <a:buClr>
-                <a:schemeClr val="tx1"/>
-              </a:buClr>
-              <a:buFont typeface="Wingdings" panose="05000000000000000000" pitchFamily="2" charset="2"/>
-              <a:buChar char="§"/>
-            </a:pPr>
-            <a:r>
-              <a:rPr lang="pt-BR" b="1" dirty="0" err="1">
-                <a:solidFill>
-                  <a:schemeClr val="bg1"/>
-                </a:solidFill>
-              </a:rPr>
-              <a:t>We</a:t>
-            </a:r>
-            <a:r>
-              <a:rPr lang="pt-BR" b="1" dirty="0">
-                <a:solidFill>
-                  <a:schemeClr val="bg1"/>
-                </a:solidFill>
-              </a:rPr>
-              <a:t> </a:t>
-            </a:r>
-            <a:r>
-              <a:rPr lang="pt-BR" b="1" dirty="0" err="1">
-                <a:solidFill>
-                  <a:schemeClr val="bg1"/>
-                </a:solidFill>
-              </a:rPr>
-              <a:t>can</a:t>
-            </a:r>
-            <a:r>
-              <a:rPr lang="pt-BR" b="1" dirty="0">
-                <a:solidFill>
-                  <a:schemeClr val="bg1"/>
-                </a:solidFill>
-              </a:rPr>
-              <a:t> </a:t>
-            </a:r>
-            <a:r>
-              <a:rPr lang="pt-BR" b="1" dirty="0" err="1">
-                <a:solidFill>
-                  <a:schemeClr val="bg1"/>
-                </a:solidFill>
-              </a:rPr>
-              <a:t>see</a:t>
-            </a:r>
-            <a:r>
-              <a:rPr lang="pt-BR" b="1" dirty="0">
-                <a:solidFill>
-                  <a:schemeClr val="bg1"/>
-                </a:solidFill>
-              </a:rPr>
-              <a:t> </a:t>
-            </a:r>
-            <a:r>
-              <a:rPr lang="pt-BR" b="1" dirty="0" err="1">
-                <a:solidFill>
-                  <a:schemeClr val="bg1"/>
-                </a:solidFill>
-              </a:rPr>
-              <a:t>by</a:t>
-            </a:r>
-            <a:r>
-              <a:rPr lang="pt-BR" b="1" dirty="0">
-                <a:solidFill>
-                  <a:schemeClr val="bg1"/>
-                </a:solidFill>
-              </a:rPr>
-              <a:t> </a:t>
-            </a:r>
-            <a:r>
-              <a:rPr lang="pt-BR" b="1" dirty="0" err="1">
-                <a:solidFill>
-                  <a:schemeClr val="bg1"/>
-                </a:solidFill>
-              </a:rPr>
-              <a:t>analyzing</a:t>
-            </a:r>
-            <a:r>
-              <a:rPr lang="pt-BR" b="1" dirty="0">
-                <a:solidFill>
-                  <a:schemeClr val="bg1"/>
-                </a:solidFill>
-              </a:rPr>
-              <a:t> </a:t>
-            </a:r>
-            <a:r>
-              <a:rPr lang="pt-BR" b="1" dirty="0" err="1">
-                <a:solidFill>
-                  <a:schemeClr val="bg1"/>
-                </a:solidFill>
-              </a:rPr>
-              <a:t>this</a:t>
-            </a:r>
-            <a:r>
-              <a:rPr lang="pt-BR" b="1" dirty="0">
-                <a:solidFill>
-                  <a:schemeClr val="bg1"/>
-                </a:solidFill>
-              </a:rPr>
-              <a:t> Bar Chart </a:t>
-            </a:r>
-            <a:r>
-              <a:rPr lang="pt-BR" b="1" dirty="0" err="1">
-                <a:solidFill>
-                  <a:schemeClr val="bg1"/>
-                </a:solidFill>
-              </a:rPr>
-              <a:t>that</a:t>
-            </a:r>
-            <a:r>
-              <a:rPr lang="pt-BR" b="1" dirty="0">
-                <a:solidFill>
-                  <a:schemeClr val="bg1"/>
-                </a:solidFill>
-              </a:rPr>
-              <a:t> </a:t>
-            </a:r>
-            <a:r>
-              <a:rPr lang="pt-BR" b="1" dirty="0" err="1">
-                <a:solidFill>
-                  <a:schemeClr val="bg1"/>
-                </a:solidFill>
-              </a:rPr>
-              <a:t>most</a:t>
-            </a:r>
-            <a:r>
-              <a:rPr lang="pt-BR" b="1" dirty="0">
-                <a:solidFill>
-                  <a:schemeClr val="bg1"/>
-                </a:solidFill>
-              </a:rPr>
-              <a:t> </a:t>
-            </a:r>
-            <a:r>
-              <a:rPr lang="pt-BR" b="1" dirty="0" err="1">
-                <a:solidFill>
-                  <a:schemeClr val="bg1"/>
-                </a:solidFill>
-              </a:rPr>
-              <a:t>of</a:t>
-            </a:r>
-            <a:r>
-              <a:rPr lang="pt-BR" b="1" dirty="0">
-                <a:solidFill>
-                  <a:schemeClr val="bg1"/>
-                </a:solidFill>
-              </a:rPr>
-              <a:t> </a:t>
-            </a:r>
-            <a:r>
-              <a:rPr lang="pt-BR" b="1" dirty="0" err="1">
-                <a:solidFill>
-                  <a:schemeClr val="bg1"/>
-                </a:solidFill>
-              </a:rPr>
-              <a:t>the</a:t>
-            </a:r>
-            <a:r>
-              <a:rPr lang="pt-BR" b="1" dirty="0">
-                <a:solidFill>
-                  <a:schemeClr val="bg1"/>
-                </a:solidFill>
-              </a:rPr>
-              <a:t> </a:t>
-            </a:r>
-            <a:r>
-              <a:rPr lang="pt-BR" b="1" dirty="0" err="1">
-                <a:solidFill>
-                  <a:schemeClr val="bg1"/>
-                </a:solidFill>
-              </a:rPr>
-              <a:t>titles</a:t>
-            </a:r>
-            <a:r>
-              <a:rPr lang="pt-BR" b="1" dirty="0">
-                <a:solidFill>
-                  <a:schemeClr val="bg1"/>
-                </a:solidFill>
-              </a:rPr>
-              <a:t> in </a:t>
-            </a:r>
-            <a:r>
-              <a:rPr lang="pt-BR" b="1" dirty="0" err="1">
-                <a:solidFill>
-                  <a:schemeClr val="bg1"/>
-                </a:solidFill>
-              </a:rPr>
-              <a:t>the</a:t>
-            </a:r>
-            <a:r>
-              <a:rPr lang="pt-BR" b="1" dirty="0">
-                <a:solidFill>
-                  <a:schemeClr val="bg1"/>
-                </a:solidFill>
-              </a:rPr>
-              <a:t> Data Set are Netflix </a:t>
-            </a:r>
-            <a:r>
-              <a:rPr lang="pt-BR" b="1" dirty="0" err="1">
-                <a:solidFill>
-                  <a:schemeClr val="bg1"/>
-                </a:solidFill>
-              </a:rPr>
-              <a:t>Exclusives</a:t>
-            </a:r>
-            <a:endParaRPr lang="pt-BR" b="1" dirty="0">
+              <a:rPr lang="en-US" sz="2500" b="1" i="0" dirty="0">
+                <a:solidFill>
+                  <a:schemeClr val="bg1"/>
+                </a:solidFill>
+                <a:effectLst/>
+              </a:rPr>
+              <a:t>Perform a Exploratory Data Analysis (EDA) on the 2020 </a:t>
+            </a:r>
+            <a:r>
+              <a:rPr lang="en-US" sz="2500" b="1" i="0" dirty="0">
+                <a:solidFill>
+                  <a:srgbClr val="FF0000"/>
+                </a:solidFill>
+                <a:effectLst/>
+              </a:rPr>
+              <a:t>Netflix</a:t>
+            </a:r>
+            <a:r>
+              <a:rPr lang="en-US" sz="2500" b="1" i="0" dirty="0">
+                <a:solidFill>
+                  <a:schemeClr val="bg1"/>
+                </a:solidFill>
+                <a:effectLst/>
+              </a:rPr>
+              <a:t> Catalog Dataset.</a:t>
+            </a:r>
+            <a:endParaRPr lang="pt-BR" sz="2500" b="1" dirty="0">
               <a:solidFill>
                 <a:schemeClr val="bg1"/>
               </a:solidFill>
             </a:endParaRPr>
           </a:p>
-          <a:p>
-            <a:pPr marL="285750" indent="-285750">
-              <a:buClr>
-                <a:schemeClr val="tx1"/>
-              </a:buClr>
-              <a:buFont typeface="Wingdings" panose="05000000000000000000" pitchFamily="2" charset="2"/>
-              <a:buChar char="§"/>
-            </a:pPr>
-            <a:endParaRPr lang="pt-BR" b="1" dirty="0">
-              <a:solidFill>
-                <a:schemeClr val="bg1"/>
-              </a:solidFill>
-            </a:endParaRPr>
-          </a:p>
-          <a:p>
-            <a:pPr marL="285750" indent="-285750">
-              <a:buClr>
-                <a:schemeClr val="tx1"/>
-              </a:buClr>
-              <a:buFont typeface="Wingdings" panose="05000000000000000000" pitchFamily="2" charset="2"/>
-              <a:buChar char="§"/>
-            </a:pPr>
-            <a:r>
-              <a:rPr lang="pt-BR" b="1" dirty="0" err="1">
-                <a:solidFill>
-                  <a:schemeClr val="bg1"/>
-                </a:solidFill>
-              </a:rPr>
-              <a:t>One</a:t>
-            </a:r>
-            <a:r>
-              <a:rPr lang="pt-BR" b="1" dirty="0">
-                <a:solidFill>
-                  <a:schemeClr val="bg1"/>
-                </a:solidFill>
-              </a:rPr>
-              <a:t> </a:t>
-            </a:r>
-            <a:r>
-              <a:rPr lang="pt-BR" b="1" dirty="0" err="1">
-                <a:solidFill>
-                  <a:schemeClr val="bg1"/>
-                </a:solidFill>
-              </a:rPr>
-              <a:t>of</a:t>
-            </a:r>
-            <a:r>
-              <a:rPr lang="pt-BR" b="1" dirty="0">
-                <a:solidFill>
-                  <a:schemeClr val="bg1"/>
-                </a:solidFill>
-              </a:rPr>
-              <a:t> </a:t>
-            </a:r>
-            <a:r>
-              <a:rPr lang="pt-BR" b="1" dirty="0" err="1">
-                <a:solidFill>
-                  <a:schemeClr val="bg1"/>
-                </a:solidFill>
-              </a:rPr>
-              <a:t>the</a:t>
-            </a:r>
-            <a:r>
-              <a:rPr lang="pt-BR" b="1" dirty="0">
-                <a:solidFill>
-                  <a:schemeClr val="bg1"/>
-                </a:solidFill>
-              </a:rPr>
-              <a:t> </a:t>
-            </a:r>
-            <a:r>
-              <a:rPr lang="pt-BR" b="1" dirty="0" err="1">
-                <a:solidFill>
-                  <a:schemeClr val="bg1"/>
-                </a:solidFill>
-              </a:rPr>
-              <a:t>strategies</a:t>
-            </a:r>
-            <a:r>
-              <a:rPr lang="pt-BR" b="1" dirty="0">
-                <a:solidFill>
-                  <a:schemeClr val="bg1"/>
-                </a:solidFill>
-              </a:rPr>
-              <a:t> </a:t>
-            </a:r>
-            <a:r>
-              <a:rPr lang="pt-BR" b="1" dirty="0" err="1">
-                <a:solidFill>
-                  <a:schemeClr val="bg1"/>
-                </a:solidFill>
-              </a:rPr>
-              <a:t>most</a:t>
-            </a:r>
-            <a:r>
-              <a:rPr lang="pt-BR" b="1" dirty="0">
-                <a:solidFill>
-                  <a:schemeClr val="bg1"/>
-                </a:solidFill>
-              </a:rPr>
-              <a:t> </a:t>
-            </a:r>
-            <a:r>
-              <a:rPr lang="pt-BR" b="1" dirty="0" err="1">
-                <a:solidFill>
-                  <a:schemeClr val="bg1"/>
-                </a:solidFill>
-              </a:rPr>
-              <a:t>used</a:t>
-            </a:r>
-            <a:r>
-              <a:rPr lang="pt-BR" b="1" dirty="0">
-                <a:solidFill>
-                  <a:schemeClr val="bg1"/>
-                </a:solidFill>
-              </a:rPr>
-              <a:t> </a:t>
-            </a:r>
-            <a:r>
-              <a:rPr lang="pt-BR" b="1" dirty="0" err="1">
-                <a:solidFill>
-                  <a:schemeClr val="bg1"/>
-                </a:solidFill>
-              </a:rPr>
-              <a:t>by</a:t>
-            </a:r>
-            <a:r>
-              <a:rPr lang="pt-BR" b="1" dirty="0">
-                <a:solidFill>
-                  <a:schemeClr val="bg1"/>
-                </a:solidFill>
-              </a:rPr>
-              <a:t> Netflix </a:t>
-            </a:r>
-            <a:r>
-              <a:rPr lang="pt-BR" b="1" dirty="0" err="1">
-                <a:solidFill>
-                  <a:schemeClr val="bg1"/>
-                </a:solidFill>
-              </a:rPr>
-              <a:t>is</a:t>
-            </a:r>
-            <a:r>
-              <a:rPr lang="pt-BR" b="1" dirty="0">
-                <a:solidFill>
-                  <a:schemeClr val="bg1"/>
-                </a:solidFill>
-              </a:rPr>
-              <a:t> </a:t>
-            </a:r>
-            <a:r>
-              <a:rPr lang="pt-BR" b="1" dirty="0" err="1">
-                <a:solidFill>
-                  <a:schemeClr val="bg1"/>
-                </a:solidFill>
-              </a:rPr>
-              <a:t>to</a:t>
-            </a:r>
-            <a:r>
-              <a:rPr lang="pt-BR" b="1" dirty="0">
-                <a:solidFill>
-                  <a:schemeClr val="bg1"/>
-                </a:solidFill>
-              </a:rPr>
-              <a:t> </a:t>
-            </a:r>
-            <a:r>
-              <a:rPr lang="pt-BR" b="1" dirty="0" err="1">
-                <a:solidFill>
-                  <a:schemeClr val="bg1"/>
-                </a:solidFill>
-              </a:rPr>
-              <a:t>have</a:t>
-            </a:r>
-            <a:r>
-              <a:rPr lang="pt-BR" b="1" dirty="0">
-                <a:solidFill>
-                  <a:schemeClr val="bg1"/>
-                </a:solidFill>
-              </a:rPr>
-              <a:t> a </a:t>
-            </a:r>
-            <a:r>
-              <a:rPr lang="pt-BR" b="1" dirty="0" err="1">
-                <a:solidFill>
-                  <a:schemeClr val="bg1"/>
-                </a:solidFill>
-              </a:rPr>
-              <a:t>catalog</a:t>
-            </a:r>
-            <a:r>
-              <a:rPr lang="pt-BR" b="1" dirty="0">
-                <a:solidFill>
-                  <a:schemeClr val="bg1"/>
-                </a:solidFill>
-              </a:rPr>
-              <a:t> full </a:t>
-            </a:r>
-            <a:r>
-              <a:rPr lang="pt-BR" b="1" dirty="0" err="1">
-                <a:solidFill>
-                  <a:schemeClr val="bg1"/>
-                </a:solidFill>
-              </a:rPr>
-              <a:t>of</a:t>
-            </a:r>
-            <a:r>
-              <a:rPr lang="pt-BR" b="1" dirty="0">
-                <a:solidFill>
-                  <a:schemeClr val="bg1"/>
-                </a:solidFill>
-              </a:rPr>
-              <a:t> </a:t>
-            </a:r>
-            <a:r>
-              <a:rPr lang="pt-BR" b="1" dirty="0" err="1">
-                <a:solidFill>
-                  <a:schemeClr val="bg1"/>
-                </a:solidFill>
-              </a:rPr>
-              <a:t>productions</a:t>
-            </a:r>
-            <a:r>
-              <a:rPr lang="pt-BR" b="1" dirty="0">
-                <a:solidFill>
-                  <a:schemeClr val="bg1"/>
-                </a:solidFill>
-              </a:rPr>
-              <a:t> </a:t>
-            </a:r>
-            <a:r>
-              <a:rPr lang="pt-BR" b="1" dirty="0" err="1">
-                <a:solidFill>
-                  <a:schemeClr val="bg1"/>
-                </a:solidFill>
-              </a:rPr>
-              <a:t>made</a:t>
-            </a:r>
-            <a:r>
-              <a:rPr lang="pt-BR" b="1" dirty="0">
-                <a:solidFill>
-                  <a:schemeClr val="bg1"/>
-                </a:solidFill>
-              </a:rPr>
-              <a:t> </a:t>
-            </a:r>
-            <a:r>
-              <a:rPr lang="pt-BR" b="1" dirty="0" err="1">
-                <a:solidFill>
-                  <a:schemeClr val="bg1"/>
-                </a:solidFill>
-              </a:rPr>
-              <a:t>by</a:t>
-            </a:r>
-            <a:r>
-              <a:rPr lang="pt-BR" b="1" dirty="0">
-                <a:solidFill>
-                  <a:schemeClr val="bg1"/>
-                </a:solidFill>
-              </a:rPr>
-              <a:t> </a:t>
-            </a:r>
-            <a:r>
-              <a:rPr lang="pt-BR" b="1" dirty="0" err="1">
-                <a:solidFill>
-                  <a:schemeClr val="bg1"/>
-                </a:solidFill>
-              </a:rPr>
-              <a:t>the</a:t>
-            </a:r>
-            <a:r>
-              <a:rPr lang="pt-BR" b="1" dirty="0">
-                <a:solidFill>
-                  <a:schemeClr val="bg1"/>
-                </a:solidFill>
-              </a:rPr>
-              <a:t> </a:t>
-            </a:r>
-            <a:r>
-              <a:rPr lang="pt-BR" b="1" dirty="0" err="1">
-                <a:solidFill>
-                  <a:schemeClr val="bg1"/>
-                </a:solidFill>
-              </a:rPr>
-              <a:t>company</a:t>
-            </a:r>
-            <a:r>
-              <a:rPr lang="pt-BR" b="1" dirty="0">
-                <a:solidFill>
-                  <a:schemeClr val="bg1"/>
-                </a:solidFill>
-              </a:rPr>
-              <a:t> </a:t>
-            </a:r>
-            <a:r>
-              <a:rPr lang="pt-BR" b="1" dirty="0" err="1">
-                <a:solidFill>
-                  <a:schemeClr val="bg1"/>
-                </a:solidFill>
-              </a:rPr>
-              <a:t>itself</a:t>
-            </a:r>
-            <a:r>
-              <a:rPr lang="pt-BR" b="1" dirty="0">
-                <a:solidFill>
-                  <a:schemeClr val="bg1"/>
-                </a:solidFill>
-              </a:rPr>
-              <a:t>.</a:t>
-            </a:r>
-          </a:p>
-          <a:p>
-            <a:pPr>
-              <a:buClr>
-                <a:schemeClr val="tx1"/>
-              </a:buClr>
-            </a:pPr>
-            <a:endParaRPr lang="pt-BR" b="1" dirty="0">
-              <a:solidFill>
-                <a:schemeClr val="bg1"/>
-              </a:solidFill>
-            </a:endParaRPr>
-          </a:p>
-        </p:txBody>
-      </p:sp>
-      <p:sp>
-        <p:nvSpPr>
-          <p:cNvPr id="7" name="Retângulo: Cantos Arredondados 6">
-            <a:extLst>
-              <a:ext uri="{FF2B5EF4-FFF2-40B4-BE49-F238E27FC236}">
-                <a16:creationId xmlns:a16="http://schemas.microsoft.com/office/drawing/2014/main" id="{15F630BE-76DB-EF6D-62AF-F5F0978DB77F}"/>
-              </a:ext>
-            </a:extLst>
-          </p:cNvPr>
-          <p:cNvSpPr/>
-          <p:nvPr/>
-        </p:nvSpPr>
-        <p:spPr>
-          <a:xfrm rot="5400000">
-            <a:off x="-2595491" y="3115996"/>
-            <a:ext cx="5345726" cy="154744"/>
-          </a:xfrm>
-          <a:prstGeom prst="roundRect">
-            <a:avLst/>
-          </a:prstGeom>
-          <a:solidFill>
-            <a:schemeClr val="accent3">
-              <a:lumMod val="60000"/>
-              <a:lumOff val="40000"/>
-            </a:schemeClr>
-          </a:solidFill>
-          <a:ln>
-            <a:noFill/>
-          </a:ln>
-        </p:spPr>
-        <p:style>
-          <a:lnRef idx="2">
-            <a:schemeClr val="accent1">
-              <a:shade val="15000"/>
-            </a:schemeClr>
-          </a:lnRef>
-          <a:fillRef idx="1">
-            <a:schemeClr val="accent1"/>
-          </a:fillRef>
-          <a:effectRef idx="0">
-            <a:schemeClr val="accent1"/>
-          </a:effectRef>
-          <a:fontRef idx="minor">
-            <a:schemeClr val="lt1"/>
-          </a:fontRef>
-        </p:style>
-        <p:txBody>
-          <a:bodyPr rtlCol="0" anchor="ctr"/>
-          <a:lstStyle/>
-          <a:p>
-            <a:pPr algn="ctr"/>
-            <a:endParaRPr lang="pt-BR"/>
-          </a:p>
-        </p:txBody>
-      </p:sp>
-      <p:sp>
-        <p:nvSpPr>
-          <p:cNvPr id="2" name="Retângulo 1">
-            <a:extLst>
-              <a:ext uri="{FF2B5EF4-FFF2-40B4-BE49-F238E27FC236}">
-                <a16:creationId xmlns:a16="http://schemas.microsoft.com/office/drawing/2014/main" id="{EAB0E7E0-DF17-89C7-A6A3-73783A0A4ECE}"/>
+        </p:txBody>
+      </p:sp>
+      <p:sp>
+        <p:nvSpPr>
+          <p:cNvPr id="5" name="Retângulo 4">
+            <a:extLst>
+              <a:ext uri="{FF2B5EF4-FFF2-40B4-BE49-F238E27FC236}">
+                <a16:creationId xmlns:a16="http://schemas.microsoft.com/office/drawing/2014/main" id="{28B23991-9A56-5BF2-1F04-88309A057D95}"/>
               </a:ext>
             </a:extLst>
           </p:cNvPr>
@@ -6355,10 +5808,10 @@
       </p:sp>
       <p:sp>
         <p:nvSpPr>
-          <p:cNvPr id="8" name="Retângulo 7">
-            <a:extLst>
-              <a:ext uri="{FF2B5EF4-FFF2-40B4-BE49-F238E27FC236}">
-                <a16:creationId xmlns:a16="http://schemas.microsoft.com/office/drawing/2014/main" id="{7BE82A8F-57F8-644E-2343-02FDD16D286B}"/>
+          <p:cNvPr id="6" name="Retângulo 5">
+            <a:extLst>
+              <a:ext uri="{FF2B5EF4-FFF2-40B4-BE49-F238E27FC236}">
+                <a16:creationId xmlns:a16="http://schemas.microsoft.com/office/drawing/2014/main" id="{EBA7AD29-84FF-2D63-C2B8-F8627FB2EC23}"/>
               </a:ext>
             </a:extLst>
           </p:cNvPr>
@@ -6408,46 +5861,10 @@
           </a:p>
         </p:txBody>
       </p:sp>
-      <p:pic>
-        <p:nvPicPr>
-          <p:cNvPr id="10" name="Imagem 9">
-            <a:extLst>
-              <a:ext uri="{FF2B5EF4-FFF2-40B4-BE49-F238E27FC236}">
-                <a16:creationId xmlns:a16="http://schemas.microsoft.com/office/drawing/2014/main" id="{F4C7E61D-48F1-CB23-C181-F736915736AE}"/>
-              </a:ext>
-            </a:extLst>
-          </p:cNvPr>
-          <p:cNvPicPr>
-            <a:picLocks noChangeAspect="1"/>
-          </p:cNvPicPr>
-          <p:nvPr/>
-        </p:nvPicPr>
-        <p:blipFill>
-          <a:blip r:embed="rId2">
-            <a:extLst>
-              <a:ext uri="{28A0092B-C50C-407E-A947-70E740481C1C}">
-                <a14:useLocalDpi xmlns:a14="http://schemas.microsoft.com/office/drawing/2010/main" val="0"/>
-              </a:ext>
-            </a:extLst>
-          </a:blip>
-          <a:stretch>
-            <a:fillRect/>
-          </a:stretch>
-        </p:blipFill>
-        <p:spPr>
-          <a:xfrm>
-            <a:off x="6492234" y="1183088"/>
-            <a:ext cx="5549711" cy="4133578"/>
-          </a:xfrm>
-          <a:prstGeom prst="rect">
-            <a:avLst/>
-          </a:prstGeom>
-        </p:spPr>
-      </p:pic>
     </p:spTree>
     <p:extLst>
       <p:ext uri="{BB962C8B-B14F-4D97-AF65-F5344CB8AC3E}">
-        <p14:creationId xmlns:p14="http://schemas.microsoft.com/office/powerpoint/2010/main" val="1681686225"/>
+        <p14:creationId xmlns:p14="http://schemas.microsoft.com/office/powerpoint/2010/main" val="625366561"/>
       </p:ext>
     </p:extLst>
   </p:cSld>
@@ -6543,8 +5960,8 @@
         </p:nvSpPr>
         <p:spPr>
           <a:xfrm>
-            <a:off x="722140" y="118156"/>
-            <a:ext cx="4806463" cy="1015663"/>
+            <a:off x="1266092" y="922090"/>
+            <a:ext cx="3488788" cy="553998"/>
           </a:xfrm>
           <a:prstGeom prst="rect">
             <a:avLst/>
@@ -6563,55 +5980,7 @@
                   <a:schemeClr val="bg1"/>
                 </a:solidFill>
               </a:rPr>
-              <a:t>Rank, </a:t>
-            </a:r>
-            <a:r>
-              <a:rPr lang="pt-BR" sz="3000" b="1" dirty="0" err="1">
-                <a:solidFill>
-                  <a:schemeClr val="bg1"/>
-                </a:solidFill>
-              </a:rPr>
-              <a:t>Days</a:t>
-            </a:r>
-            <a:r>
-              <a:rPr lang="pt-BR" sz="3000" b="1" dirty="0">
-                <a:solidFill>
-                  <a:schemeClr val="bg1"/>
-                </a:solidFill>
-              </a:rPr>
-              <a:t> in TOP 10 </a:t>
-            </a:r>
-            <a:r>
-              <a:rPr lang="pt-BR" sz="3000" b="1" dirty="0" err="1">
-                <a:solidFill>
-                  <a:schemeClr val="bg1"/>
-                </a:solidFill>
-              </a:rPr>
-              <a:t>amd</a:t>
-            </a:r>
-            <a:r>
-              <a:rPr lang="pt-BR" sz="3000" b="1" dirty="0">
-                <a:solidFill>
-                  <a:schemeClr val="bg1"/>
-                </a:solidFill>
-              </a:rPr>
-              <a:t> </a:t>
-            </a:r>
-            <a:r>
-              <a:rPr lang="pt-BR" sz="3000" b="1" dirty="0" err="1">
-                <a:solidFill>
-                  <a:schemeClr val="bg1"/>
-                </a:solidFill>
-              </a:rPr>
-              <a:t>Viewership</a:t>
-            </a:r>
-            <a:r>
-              <a:rPr lang="pt-BR" sz="3000" b="1" dirty="0">
-                <a:solidFill>
-                  <a:schemeClr val="bg1"/>
-                </a:solidFill>
-              </a:rPr>
-              <a:t> Score</a:t>
+              <a:t>Netflix Exclusive</a:t>
             </a:r>
           </a:p>
         </p:txBody>
@@ -6630,18 +5999,13 @@
         </p:nvSpPr>
         <p:spPr>
           <a:xfrm>
-            <a:off x="278512" y="1274088"/>
-            <a:ext cx="5308456" cy="4801314"/>
+            <a:off x="473612" y="2274838"/>
+            <a:ext cx="5148776" cy="2031325"/>
           </a:xfrm>
           <a:prstGeom prst="rect">
             <a:avLst/>
           </a:prstGeom>
-          <a:solidFill>
-            <a:schemeClr val="tx1">
-              <a:lumMod val="85000"/>
-              <a:lumOff val="15000"/>
-            </a:schemeClr>
-          </a:solidFill>
+          <a:noFill/>
         </p:spPr>
         <p:txBody>
           <a:bodyPr wrap="square" rtlCol="0">
@@ -6657,14 +6021,210 @@
               <a:buChar char="§"/>
             </a:pPr>
             <a:r>
-              <a:rPr lang="en-US" b="1" i="0" dirty="0">
-                <a:solidFill>
-                  <a:schemeClr val="bg1"/>
-                </a:solidFill>
-                <a:effectLst/>
-              </a:rPr>
-              <a:t>The Boxplot shows the Minimum Value, the First Quartile (25%), Second Quartile (50% - Median), Third Quartile (75%), Maximum Value and Outliers.</a:t>
-            </a:r>
+              <a:rPr lang="pt-BR" b="1" dirty="0" err="1">
+                <a:solidFill>
+                  <a:schemeClr val="bg1"/>
+                </a:solidFill>
+              </a:rPr>
+              <a:t>We</a:t>
+            </a:r>
+            <a:r>
+              <a:rPr lang="pt-BR" b="1" dirty="0">
+                <a:solidFill>
+                  <a:schemeClr val="bg1"/>
+                </a:solidFill>
+              </a:rPr>
+              <a:t> </a:t>
+            </a:r>
+            <a:r>
+              <a:rPr lang="pt-BR" b="1" dirty="0" err="1">
+                <a:solidFill>
+                  <a:schemeClr val="bg1"/>
+                </a:solidFill>
+              </a:rPr>
+              <a:t>can</a:t>
+            </a:r>
+            <a:r>
+              <a:rPr lang="pt-BR" b="1" dirty="0">
+                <a:solidFill>
+                  <a:schemeClr val="bg1"/>
+                </a:solidFill>
+              </a:rPr>
+              <a:t> </a:t>
+            </a:r>
+            <a:r>
+              <a:rPr lang="pt-BR" b="1" dirty="0" err="1">
+                <a:solidFill>
+                  <a:schemeClr val="bg1"/>
+                </a:solidFill>
+              </a:rPr>
+              <a:t>see</a:t>
+            </a:r>
+            <a:r>
+              <a:rPr lang="pt-BR" b="1" dirty="0">
+                <a:solidFill>
+                  <a:schemeClr val="bg1"/>
+                </a:solidFill>
+              </a:rPr>
+              <a:t> </a:t>
+            </a:r>
+            <a:r>
+              <a:rPr lang="pt-BR" b="1" dirty="0" err="1">
+                <a:solidFill>
+                  <a:schemeClr val="bg1"/>
+                </a:solidFill>
+              </a:rPr>
+              <a:t>by</a:t>
+            </a:r>
+            <a:r>
+              <a:rPr lang="pt-BR" b="1" dirty="0">
+                <a:solidFill>
+                  <a:schemeClr val="bg1"/>
+                </a:solidFill>
+              </a:rPr>
+              <a:t> </a:t>
+            </a:r>
+            <a:r>
+              <a:rPr lang="pt-BR" b="1" dirty="0" err="1">
+                <a:solidFill>
+                  <a:schemeClr val="bg1"/>
+                </a:solidFill>
+              </a:rPr>
+              <a:t>analyzing</a:t>
+            </a:r>
+            <a:r>
+              <a:rPr lang="pt-BR" b="1" dirty="0">
+                <a:solidFill>
+                  <a:schemeClr val="bg1"/>
+                </a:solidFill>
+              </a:rPr>
+              <a:t> </a:t>
+            </a:r>
+            <a:r>
+              <a:rPr lang="pt-BR" b="1" dirty="0" err="1">
+                <a:solidFill>
+                  <a:schemeClr val="bg1"/>
+                </a:solidFill>
+              </a:rPr>
+              <a:t>this</a:t>
+            </a:r>
+            <a:r>
+              <a:rPr lang="pt-BR" b="1" dirty="0">
+                <a:solidFill>
+                  <a:schemeClr val="bg1"/>
+                </a:solidFill>
+              </a:rPr>
+              <a:t> Bar Chart </a:t>
+            </a:r>
+            <a:r>
+              <a:rPr lang="pt-BR" b="1" dirty="0" err="1">
+                <a:solidFill>
+                  <a:schemeClr val="bg1"/>
+                </a:solidFill>
+              </a:rPr>
+              <a:t>that</a:t>
+            </a:r>
+            <a:r>
+              <a:rPr lang="pt-BR" b="1" dirty="0">
+                <a:solidFill>
+                  <a:schemeClr val="bg1"/>
+                </a:solidFill>
+              </a:rPr>
+              <a:t> </a:t>
+            </a:r>
+            <a:r>
+              <a:rPr lang="pt-BR" b="1" dirty="0" err="1">
+                <a:solidFill>
+                  <a:schemeClr val="bg1"/>
+                </a:solidFill>
+              </a:rPr>
+              <a:t>most</a:t>
+            </a:r>
+            <a:r>
+              <a:rPr lang="pt-BR" b="1" dirty="0">
+                <a:solidFill>
+                  <a:schemeClr val="bg1"/>
+                </a:solidFill>
+              </a:rPr>
+              <a:t> </a:t>
+            </a:r>
+            <a:r>
+              <a:rPr lang="pt-BR" b="1" dirty="0" err="1">
+                <a:solidFill>
+                  <a:schemeClr val="bg1"/>
+                </a:solidFill>
+              </a:rPr>
+              <a:t>of</a:t>
+            </a:r>
+            <a:r>
+              <a:rPr lang="pt-BR" b="1" dirty="0">
+                <a:solidFill>
+                  <a:schemeClr val="bg1"/>
+                </a:solidFill>
+              </a:rPr>
+              <a:t> </a:t>
+            </a:r>
+            <a:r>
+              <a:rPr lang="pt-BR" b="1" dirty="0" err="1">
+                <a:solidFill>
+                  <a:schemeClr val="bg1"/>
+                </a:solidFill>
+              </a:rPr>
+              <a:t>the</a:t>
+            </a:r>
+            <a:r>
+              <a:rPr lang="pt-BR" b="1" dirty="0">
+                <a:solidFill>
+                  <a:schemeClr val="bg1"/>
+                </a:solidFill>
+              </a:rPr>
+              <a:t> </a:t>
+            </a:r>
+            <a:r>
+              <a:rPr lang="pt-BR" b="1" dirty="0" err="1">
+                <a:solidFill>
+                  <a:schemeClr val="bg1"/>
+                </a:solidFill>
+              </a:rPr>
+              <a:t>titles</a:t>
+            </a:r>
+            <a:r>
+              <a:rPr lang="pt-BR" b="1" dirty="0">
+                <a:solidFill>
+                  <a:schemeClr val="bg1"/>
+                </a:solidFill>
+              </a:rPr>
+              <a:t> in </a:t>
+            </a:r>
+            <a:r>
+              <a:rPr lang="pt-BR" b="1" dirty="0" err="1">
+                <a:solidFill>
+                  <a:schemeClr val="bg1"/>
+                </a:solidFill>
+              </a:rPr>
+              <a:t>the</a:t>
+            </a:r>
+            <a:r>
+              <a:rPr lang="pt-BR" b="1" dirty="0">
+                <a:solidFill>
+                  <a:schemeClr val="bg1"/>
+                </a:solidFill>
+              </a:rPr>
+              <a:t> Data Set are Netflix </a:t>
+            </a:r>
+            <a:r>
+              <a:rPr lang="pt-BR" b="1" dirty="0" err="1">
+                <a:solidFill>
+                  <a:schemeClr val="bg1"/>
+                </a:solidFill>
+              </a:rPr>
+              <a:t>Exclusives</a:t>
+            </a:r>
+            <a:endParaRPr lang="pt-BR" b="1" dirty="0">
+              <a:solidFill>
+                <a:schemeClr val="bg1"/>
+              </a:solidFill>
+            </a:endParaRPr>
           </a:p>
           <a:p>
             <a:pPr marL="285750" indent="-285750">
@@ -6689,22 +6249,299 @@
               <a:buChar char="§"/>
             </a:pPr>
             <a:r>
-              <a:rPr lang="en-US" b="1" i="0" dirty="0">
-                <a:solidFill>
-                  <a:schemeClr val="bg1"/>
-                </a:solidFill>
-                <a:effectLst/>
-              </a:rPr>
-              <a:t>The Rank Boxplot shows that the majority of titles have a score above 5.</a:t>
-            </a:r>
-          </a:p>
-          <a:p>
-            <a:pPr marL="285750" indent="-285750">
+              <a:rPr lang="pt-BR" b="1" dirty="0" err="1">
+                <a:solidFill>
+                  <a:schemeClr val="bg1"/>
+                </a:solidFill>
+              </a:rPr>
+              <a:t>One</a:t>
+            </a:r>
+            <a:r>
+              <a:rPr lang="pt-BR" b="1" dirty="0">
+                <a:solidFill>
+                  <a:schemeClr val="bg1"/>
+                </a:solidFill>
+              </a:rPr>
+              <a:t> </a:t>
+            </a:r>
+            <a:r>
+              <a:rPr lang="pt-BR" b="1" dirty="0" err="1">
+                <a:solidFill>
+                  <a:schemeClr val="bg1"/>
+                </a:solidFill>
+              </a:rPr>
+              <a:t>of</a:t>
+            </a:r>
+            <a:r>
+              <a:rPr lang="pt-BR" b="1" dirty="0">
+                <a:solidFill>
+                  <a:schemeClr val="bg1"/>
+                </a:solidFill>
+              </a:rPr>
+              <a:t> </a:t>
+            </a:r>
+            <a:r>
+              <a:rPr lang="pt-BR" b="1" dirty="0" err="1">
+                <a:solidFill>
+                  <a:schemeClr val="bg1"/>
+                </a:solidFill>
+              </a:rPr>
+              <a:t>the</a:t>
+            </a:r>
+            <a:r>
+              <a:rPr lang="pt-BR" b="1" dirty="0">
+                <a:solidFill>
+                  <a:schemeClr val="bg1"/>
+                </a:solidFill>
+              </a:rPr>
+              <a:t> </a:t>
+            </a:r>
+            <a:r>
+              <a:rPr lang="pt-BR" b="1" dirty="0" err="1">
+                <a:solidFill>
+                  <a:schemeClr val="bg1"/>
+                </a:solidFill>
+              </a:rPr>
+              <a:t>strategies</a:t>
+            </a:r>
+            <a:r>
+              <a:rPr lang="pt-BR" b="1" dirty="0">
+                <a:solidFill>
+                  <a:schemeClr val="bg1"/>
+                </a:solidFill>
+              </a:rPr>
+              <a:t> </a:t>
+            </a:r>
+            <a:r>
+              <a:rPr lang="pt-BR" b="1" dirty="0" err="1">
+                <a:solidFill>
+                  <a:schemeClr val="bg1"/>
+                </a:solidFill>
+              </a:rPr>
+              <a:t>most</a:t>
+            </a:r>
+            <a:r>
+              <a:rPr lang="pt-BR" b="1" dirty="0">
+                <a:solidFill>
+                  <a:schemeClr val="bg1"/>
+                </a:solidFill>
+              </a:rPr>
+              <a:t> </a:t>
+            </a:r>
+            <a:r>
+              <a:rPr lang="pt-BR" b="1" dirty="0" err="1">
+                <a:solidFill>
+                  <a:schemeClr val="bg1"/>
+                </a:solidFill>
+              </a:rPr>
+              <a:t>used</a:t>
+            </a:r>
+            <a:r>
+              <a:rPr lang="pt-BR" b="1" dirty="0">
+                <a:solidFill>
+                  <a:schemeClr val="bg1"/>
+                </a:solidFill>
+              </a:rPr>
+              <a:t> </a:t>
+            </a:r>
+            <a:r>
+              <a:rPr lang="pt-BR" b="1" dirty="0" err="1">
+                <a:solidFill>
+                  <a:schemeClr val="bg1"/>
+                </a:solidFill>
+              </a:rPr>
+              <a:t>by</a:t>
+            </a:r>
+            <a:r>
+              <a:rPr lang="pt-BR" b="1" dirty="0">
+                <a:solidFill>
+                  <a:schemeClr val="bg1"/>
+                </a:solidFill>
+              </a:rPr>
+              <a:t> Netflix </a:t>
+            </a:r>
+            <a:r>
+              <a:rPr lang="pt-BR" b="1" dirty="0" err="1">
+                <a:solidFill>
+                  <a:schemeClr val="bg1"/>
+                </a:solidFill>
+              </a:rPr>
+              <a:t>is</a:t>
+            </a:r>
+            <a:r>
+              <a:rPr lang="pt-BR" b="1" dirty="0">
+                <a:solidFill>
+                  <a:schemeClr val="bg1"/>
+                </a:solidFill>
+              </a:rPr>
+              <a:t> </a:t>
+            </a:r>
+            <a:r>
+              <a:rPr lang="pt-BR" b="1" dirty="0" err="1">
+                <a:solidFill>
+                  <a:schemeClr val="bg1"/>
+                </a:solidFill>
+              </a:rPr>
+              <a:t>to</a:t>
+            </a:r>
+            <a:r>
+              <a:rPr lang="pt-BR" b="1" dirty="0">
+                <a:solidFill>
+                  <a:schemeClr val="bg1"/>
+                </a:solidFill>
+              </a:rPr>
+              <a:t> </a:t>
+            </a:r>
+            <a:r>
+              <a:rPr lang="pt-BR" b="1" dirty="0" err="1">
+                <a:solidFill>
+                  <a:schemeClr val="bg1"/>
+                </a:solidFill>
+              </a:rPr>
+              <a:t>have</a:t>
+            </a:r>
+            <a:r>
+              <a:rPr lang="pt-BR" b="1" dirty="0">
+                <a:solidFill>
+                  <a:schemeClr val="bg1"/>
+                </a:solidFill>
+              </a:rPr>
+              <a:t> a </a:t>
+            </a:r>
+            <a:r>
+              <a:rPr lang="pt-BR" b="1" dirty="0" err="1">
+                <a:solidFill>
+                  <a:schemeClr val="bg1"/>
+                </a:solidFill>
+              </a:rPr>
+              <a:t>catalog</a:t>
+            </a:r>
+            <a:r>
+              <a:rPr lang="pt-BR" b="1" dirty="0">
+                <a:solidFill>
+                  <a:schemeClr val="bg1"/>
+                </a:solidFill>
+              </a:rPr>
+              <a:t> full </a:t>
+            </a:r>
+            <a:r>
+              <a:rPr lang="pt-BR" b="1" dirty="0" err="1">
+                <a:solidFill>
+                  <a:schemeClr val="bg1"/>
+                </a:solidFill>
+              </a:rPr>
+              <a:t>of</a:t>
+            </a:r>
+            <a:r>
+              <a:rPr lang="pt-BR" b="1" dirty="0">
+                <a:solidFill>
+                  <a:schemeClr val="bg1"/>
+                </a:solidFill>
+              </a:rPr>
+              <a:t> </a:t>
+            </a:r>
+            <a:r>
+              <a:rPr lang="pt-BR" b="1" dirty="0" err="1">
+                <a:solidFill>
+                  <a:schemeClr val="bg1"/>
+                </a:solidFill>
+              </a:rPr>
+              <a:t>productions</a:t>
+            </a:r>
+            <a:r>
+              <a:rPr lang="pt-BR" b="1" dirty="0">
+                <a:solidFill>
+                  <a:schemeClr val="bg1"/>
+                </a:solidFill>
+              </a:rPr>
+              <a:t> </a:t>
+            </a:r>
+            <a:r>
+              <a:rPr lang="pt-BR" b="1" dirty="0" err="1">
+                <a:solidFill>
+                  <a:schemeClr val="bg1"/>
+                </a:solidFill>
+              </a:rPr>
+              <a:t>made</a:t>
+            </a:r>
+            <a:r>
+              <a:rPr lang="pt-BR" b="1" dirty="0">
+                <a:solidFill>
+                  <a:schemeClr val="bg1"/>
+                </a:solidFill>
+              </a:rPr>
+              <a:t> </a:t>
+            </a:r>
+            <a:r>
+              <a:rPr lang="pt-BR" b="1" dirty="0" err="1">
+                <a:solidFill>
+                  <a:schemeClr val="bg1"/>
+                </a:solidFill>
+              </a:rPr>
+              <a:t>by</a:t>
+            </a:r>
+            <a:r>
+              <a:rPr lang="pt-BR" b="1" dirty="0">
+                <a:solidFill>
+                  <a:schemeClr val="bg1"/>
+                </a:solidFill>
+              </a:rPr>
+              <a:t> </a:t>
+            </a:r>
+            <a:r>
+              <a:rPr lang="pt-BR" b="1" dirty="0" err="1">
+                <a:solidFill>
+                  <a:schemeClr val="bg1"/>
+                </a:solidFill>
+              </a:rPr>
+              <a:t>the</a:t>
+            </a:r>
+            <a:r>
+              <a:rPr lang="pt-BR" b="1" dirty="0">
+                <a:solidFill>
+                  <a:schemeClr val="bg1"/>
+                </a:solidFill>
+              </a:rPr>
+              <a:t> </a:t>
+            </a:r>
+            <a:r>
+              <a:rPr lang="pt-BR" b="1" dirty="0" err="1">
+                <a:solidFill>
+                  <a:schemeClr val="bg1"/>
+                </a:solidFill>
+              </a:rPr>
+              <a:t>company</a:t>
+            </a:r>
+            <a:r>
+              <a:rPr lang="pt-BR" b="1" dirty="0">
+                <a:solidFill>
+                  <a:schemeClr val="bg1"/>
+                </a:solidFill>
+              </a:rPr>
+              <a:t> </a:t>
+            </a:r>
+            <a:r>
+              <a:rPr lang="pt-BR" b="1" dirty="0" err="1">
+                <a:solidFill>
+                  <a:schemeClr val="bg1"/>
+                </a:solidFill>
+              </a:rPr>
+              <a:t>itself</a:t>
+            </a:r>
+            <a:r>
+              <a:rPr lang="pt-BR" b="1" dirty="0">
+                <a:solidFill>
+                  <a:schemeClr val="bg1"/>
+                </a:solidFill>
+              </a:rPr>
+              <a:t>.</a:t>
+            </a:r>
+          </a:p>
+          <a:p>
+            <a:pPr>
               <a:buClr>
                 <a:schemeClr val="tx1"/>
               </a:buClr>
-              <a:buFont typeface="Wingdings" panose="05000000000000000000" pitchFamily="2" charset="2"/>
-              <a:buChar char="§"/>
             </a:pPr>
             <a:endParaRPr lang="pt-BR" b="1" dirty="0">
               <a:solidFill>
@@ -6712,79 +6549,6 @@
               </a:solidFill>
             </a:endParaRPr>
           </a:p>
-          <a:p>
-            <a:pPr marL="285750" indent="-285750">
-              <a:buClr>
-                <a:schemeClr val="tx1"/>
-              </a:buClr>
-              <a:buFont typeface="Wingdings" panose="05000000000000000000" pitchFamily="2" charset="2"/>
-              <a:buChar char="§"/>
-            </a:pPr>
-            <a:r>
-              <a:rPr lang="en-US" b="1" i="0" dirty="0">
-                <a:solidFill>
-                  <a:schemeClr val="bg1"/>
-                </a:solidFill>
-                <a:effectLst/>
-              </a:rPr>
-              <a:t>The Boxplot of Days in the TOP 10 shows that the vast majority of titles remain in the TOP 10 for a short time, but we can see a very large number of Outliers. The same situation can be seen in the Viewer Score Boxplot.</a:t>
-            </a:r>
-          </a:p>
-          <a:p>
-            <a:pPr marL="285750" indent="-285750">
-              <a:buClr>
-                <a:schemeClr val="tx1"/>
-              </a:buClr>
-              <a:buFont typeface="Wingdings" panose="05000000000000000000" pitchFamily="2" charset="2"/>
-              <a:buChar char="§"/>
-            </a:pPr>
-            <a:endParaRPr lang="pt-BR" b="1" dirty="0">
-              <a:solidFill>
-                <a:schemeClr val="bg1"/>
-              </a:solidFill>
-            </a:endParaRPr>
-          </a:p>
-          <a:p>
-            <a:pPr marL="285750" indent="-285750">
-              <a:buClr>
-                <a:schemeClr val="tx1"/>
-              </a:buClr>
-              <a:buFont typeface="Wingdings" panose="05000000000000000000" pitchFamily="2" charset="2"/>
-              <a:buChar char="§"/>
-            </a:pPr>
-            <a:r>
-              <a:rPr lang="en-US" b="1" i="0" dirty="0">
-                <a:solidFill>
-                  <a:schemeClr val="bg1"/>
-                </a:solidFill>
-                <a:effectLst/>
-              </a:rPr>
-              <a:t>Analyzing the Boxplots more deeply, we can see that the large number of Outliers is due to the title </a:t>
-            </a:r>
-            <a:r>
-              <a:rPr lang="en-US" b="1" i="0" dirty="0" err="1">
-                <a:solidFill>
-                  <a:schemeClr val="bg1"/>
-                </a:solidFill>
-                <a:effectLst/>
-              </a:rPr>
-              <a:t>Cocomelon</a:t>
-            </a:r>
-            <a:r>
-              <a:rPr lang="en-US" b="1" i="0" dirty="0">
-                <a:solidFill>
-                  <a:schemeClr val="bg1"/>
-                </a:solidFill>
-                <a:effectLst/>
-              </a:rPr>
-              <a:t>, which was a great success.</a:t>
-            </a:r>
-            <a:endParaRPr lang="pt-BR" b="1" dirty="0">
-              <a:solidFill>
-                <a:schemeClr val="bg1"/>
-              </a:solidFill>
-            </a:endParaRPr>
-          </a:p>
         </p:txBody>
       </p:sp>
       <p:sp>
@@ -6847,7 +6611,7 @@
           <p:cNvPr id="2" name="Retângulo 1">
             <a:extLst>
               <a:ext uri="{FF2B5EF4-FFF2-40B4-BE49-F238E27FC236}">
-                <a16:creationId xmlns:a16="http://schemas.microsoft.com/office/drawing/2014/main" id="{74590DA4-7A1A-5E45-0609-934E364B7128}"/>
+                <a16:creationId xmlns:a16="http://schemas.microsoft.com/office/drawing/2014/main" id="{EAB0E7E0-DF17-89C7-A6A3-73783A0A4ECE}"/>
               </a:ext>
             </a:extLst>
           </p:cNvPr>
@@ -6896,10 +6660,10 @@
       </p:sp>
       <p:sp>
         <p:nvSpPr>
-          <p:cNvPr id="3" name="Retângulo 2">
-            <a:extLst>
-              <a:ext uri="{FF2B5EF4-FFF2-40B4-BE49-F238E27FC236}">
-                <a16:creationId xmlns:a16="http://schemas.microsoft.com/office/drawing/2014/main" id="{5A990D9F-352E-D05F-6DD8-7F3E60B19A16}"/>
+          <p:cNvPr id="8" name="Retângulo 7">
+            <a:extLst>
+              <a:ext uri="{FF2B5EF4-FFF2-40B4-BE49-F238E27FC236}">
+                <a16:creationId xmlns:a16="http://schemas.microsoft.com/office/drawing/2014/main" id="{7BE82A8F-57F8-644E-2343-02FDD16D286B}"/>
               </a:ext>
             </a:extLst>
           </p:cNvPr>
@@ -6954,7 +6718,7 @@
           <p:cNvPr id="10" name="Imagem 9">
             <a:extLst>
               <a:ext uri="{FF2B5EF4-FFF2-40B4-BE49-F238E27FC236}">
-                <a16:creationId xmlns:a16="http://schemas.microsoft.com/office/drawing/2014/main" id="{51BE7ACD-69C3-A9B4-E23F-5825ADEA9777}"/>
+                <a16:creationId xmlns:a16="http://schemas.microsoft.com/office/drawing/2014/main" id="{F4C7E61D-48F1-CB23-C181-F736915736AE}"/>
               </a:ext>
             </a:extLst>
           </p:cNvPr>
@@ -6977,190 +6741,18 @@
         </p:blipFill>
         <p:spPr>
           <a:xfrm>
-            <a:off x="6320583" y="118156"/>
-            <a:ext cx="2567853" cy="3419859"/>
+            <a:off x="6492234" y="1183088"/>
+            <a:ext cx="5549711" cy="4133578"/>
           </a:xfrm>
           <a:prstGeom prst="rect">
             <a:avLst/>
           </a:prstGeom>
         </p:spPr>
       </p:pic>
-      <p:pic>
-        <p:nvPicPr>
-          <p:cNvPr id="12" name="Imagem 11">
-            <a:extLst>
-              <a:ext uri="{FF2B5EF4-FFF2-40B4-BE49-F238E27FC236}">
-                <a16:creationId xmlns:a16="http://schemas.microsoft.com/office/drawing/2014/main" id="{CA98725A-E400-D8C6-E467-4068F3B814B4}"/>
-              </a:ext>
-            </a:extLst>
-          </p:cNvPr>
-          <p:cNvPicPr>
-            <a:picLocks noChangeAspect="1"/>
-          </p:cNvPicPr>
-          <p:nvPr/>
-        </p:nvPicPr>
-        <p:blipFill>
-          <a:blip r:embed="rId3">
-            <a:extLst>
-              <a:ext uri="{28A0092B-C50C-407E-A947-70E740481C1C}">
-                <a14:useLocalDpi xmlns:a14="http://schemas.microsoft.com/office/drawing/2010/main" val="0"/>
-              </a:ext>
-            </a:extLst>
-          </a:blip>
-          <a:stretch>
-            <a:fillRect/>
-          </a:stretch>
-        </p:blipFill>
-        <p:spPr>
-          <a:xfrm>
-            <a:off x="9345635" y="78619"/>
-            <a:ext cx="2567853" cy="3459396"/>
-          </a:xfrm>
-          <a:prstGeom prst="rect">
-            <a:avLst/>
-          </a:prstGeom>
-        </p:spPr>
-      </p:pic>
-      <p:pic>
-        <p:nvPicPr>
-          <p:cNvPr id="14" name="Imagem 13">
-            <a:extLst>
-              <a:ext uri="{FF2B5EF4-FFF2-40B4-BE49-F238E27FC236}">
-                <a16:creationId xmlns:a16="http://schemas.microsoft.com/office/drawing/2014/main" id="{24290233-6B25-520D-4CBA-C7FCB44E47A1}"/>
-              </a:ext>
-            </a:extLst>
-          </p:cNvPr>
-          <p:cNvPicPr>
-            <a:picLocks noChangeAspect="1"/>
-          </p:cNvPicPr>
-          <p:nvPr/>
-        </p:nvPicPr>
-        <p:blipFill>
-          <a:blip r:embed="rId4">
-            <a:extLst>
-              <a:ext uri="{28A0092B-C50C-407E-A947-70E740481C1C}">
-                <a14:useLocalDpi xmlns:a14="http://schemas.microsoft.com/office/drawing/2010/main" val="0"/>
-              </a:ext>
-            </a:extLst>
-          </a:blip>
-          <a:stretch>
-            <a:fillRect/>
-          </a:stretch>
-        </p:blipFill>
-        <p:spPr>
-          <a:xfrm>
-            <a:off x="7944479" y="3656171"/>
-            <a:ext cx="2099853" cy="2564548"/>
-          </a:xfrm>
-          <a:prstGeom prst="rect">
-            <a:avLst/>
-          </a:prstGeom>
-        </p:spPr>
-      </p:pic>
-      <p:sp>
-        <p:nvSpPr>
-          <p:cNvPr id="15" name="Retângulo 14">
-            <a:extLst>
-              <a:ext uri="{FF2B5EF4-FFF2-40B4-BE49-F238E27FC236}">
-                <a16:creationId xmlns:a16="http://schemas.microsoft.com/office/drawing/2014/main" id="{99F3E1E0-50E6-87F1-30C1-D9F8B3A0220C}"/>
-              </a:ext>
-            </a:extLst>
-          </p:cNvPr>
-          <p:cNvSpPr/>
-          <p:nvPr/>
-        </p:nvSpPr>
-        <p:spPr>
-          <a:xfrm>
-            <a:off x="5486400" y="1451762"/>
-            <a:ext cx="609600" cy="517715"/>
-          </a:xfrm>
-          <a:prstGeom prst="rect">
-            <a:avLst/>
-          </a:prstGeom>
-          <a:solidFill>
-            <a:schemeClr val="tx1">
-              <a:lumMod val="85000"/>
-              <a:lumOff val="15000"/>
-            </a:schemeClr>
-          </a:solidFill>
-          <a:ln>
-            <a:noFill/>
-          </a:ln>
-        </p:spPr>
-        <p:style>
-          <a:lnRef idx="2">
-            <a:schemeClr val="accent1">
-              <a:shade val="15000"/>
-            </a:schemeClr>
-          </a:lnRef>
-          <a:fillRef idx="1">
-            <a:schemeClr val="accent1"/>
-          </a:fillRef>
-          <a:effectRef idx="0">
-            <a:schemeClr val="accent1"/>
-          </a:effectRef>
-          <a:fontRef idx="minor">
-            <a:schemeClr val="lt1"/>
-          </a:fontRef>
-        </p:style>
-        <p:txBody>
-          <a:bodyPr rtlCol="0" anchor="ctr"/>
-          <a:lstStyle/>
-          <a:p>
-            <a:pPr algn="ctr"/>
-            <a:endParaRPr lang="pt-BR"/>
-          </a:p>
-        </p:txBody>
-      </p:sp>
-      <p:cxnSp>
-        <p:nvCxnSpPr>
-          <p:cNvPr id="17" name="Conector reto 16">
-            <a:extLst>
-              <a:ext uri="{FF2B5EF4-FFF2-40B4-BE49-F238E27FC236}">
-                <a16:creationId xmlns:a16="http://schemas.microsoft.com/office/drawing/2014/main" id="{A90A959B-C890-D369-9CA2-97292AAC92A8}"/>
-              </a:ext>
-            </a:extLst>
-          </p:cNvPr>
-          <p:cNvCxnSpPr>
-            <a:cxnSpLocks/>
-          </p:cNvCxnSpPr>
-          <p:nvPr/>
-        </p:nvCxnSpPr>
-        <p:spPr>
-          <a:xfrm>
-            <a:off x="1589649" y="1133819"/>
-            <a:ext cx="4506351" cy="0"/>
-          </a:xfrm>
-          <a:prstGeom prst="line">
-            <a:avLst/>
-          </a:prstGeom>
-          <a:ln>
-            <a:solidFill>
-              <a:schemeClr val="bg1">
-                <a:lumMod val="75000"/>
-              </a:schemeClr>
-            </a:solidFill>
-          </a:ln>
-        </p:spPr>
-        <p:style>
-          <a:lnRef idx="1">
-            <a:schemeClr val="accent1"/>
-          </a:lnRef>
-          <a:fillRef idx="0">
-            <a:schemeClr val="accent1"/>
-          </a:fillRef>
-          <a:effectRef idx="0">
-            <a:schemeClr val="accent1"/>
-          </a:effectRef>
-          <a:fontRef idx="minor">
-            <a:schemeClr val="tx1"/>
-          </a:fontRef>
-        </p:style>
-      </p:cxnSp>
     </p:spTree>
     <p:extLst>
       <p:ext uri="{BB962C8B-B14F-4D97-AF65-F5344CB8AC3E}">
-        <p14:creationId xmlns:p14="http://schemas.microsoft.com/office/powerpoint/2010/main" val="2891058837"/>
+        <p14:creationId xmlns:p14="http://schemas.microsoft.com/office/powerpoint/2010/main" val="1681686225"/>
       </p:ext>
     </p:extLst>
   </p:cSld>
@@ -7256,8 +6848,8 @@
         </p:nvSpPr>
         <p:spPr>
           <a:xfrm>
-            <a:off x="832338" y="976693"/>
-            <a:ext cx="4356296" cy="553998"/>
+            <a:off x="722140" y="118156"/>
+            <a:ext cx="4806463" cy="1015663"/>
           </a:xfrm>
           <a:prstGeom prst="rect">
             <a:avLst/>
@@ -7271,18 +6863,61 @@
           <a:lstStyle/>
           <a:p>
             <a:r>
+              <a:rPr lang="pt-BR" sz="3000" b="1" dirty="0">
+                <a:solidFill>
+                  <a:schemeClr val="bg1"/>
+                </a:solidFill>
+              </a:rPr>
+              <a:t>Rank, </a:t>
+            </a:r>
+            <a:r>
               <a:rPr lang="pt-BR" sz="3000" b="1" dirty="0" err="1">
                 <a:solidFill>
                   <a:schemeClr val="bg1"/>
                 </a:solidFill>
               </a:rPr>
-              <a:t>Genres</a:t>
-            </a:r>
-            <a:endParaRPr lang="pt-BR" sz="3000" b="1" dirty="0">
-              <a:solidFill>
-                <a:schemeClr val="bg1"/>
-              </a:solidFill>
-            </a:endParaRPr>
+              <a:t>Days</a:t>
+            </a:r>
+            <a:r>
+              <a:rPr lang="pt-BR" sz="3000" b="1" dirty="0">
+                <a:solidFill>
+                  <a:schemeClr val="bg1"/>
+                </a:solidFill>
+              </a:rPr>
+              <a:t> in TOP 10 </a:t>
+            </a:r>
+            <a:r>
+              <a:rPr lang="pt-BR" sz="3000" b="1" dirty="0" err="1">
+                <a:solidFill>
+                  <a:schemeClr val="bg1"/>
+                </a:solidFill>
+              </a:rPr>
+              <a:t>amd</a:t>
+            </a:r>
+            <a:r>
+              <a:rPr lang="pt-BR" sz="3000" b="1" dirty="0">
+                <a:solidFill>
+                  <a:schemeClr val="bg1"/>
+                </a:solidFill>
+              </a:rPr>
+              <a:t> </a:t>
+            </a:r>
+            <a:r>
+              <a:rPr lang="pt-BR" sz="3000" b="1" dirty="0" err="1">
+                <a:solidFill>
+                  <a:schemeClr val="bg1"/>
+                </a:solidFill>
+              </a:rPr>
+              <a:t>Viewership</a:t>
+            </a:r>
+            <a:r>
+              <a:rPr lang="pt-BR" sz="3000" b="1" dirty="0">
+                <a:solidFill>
+                  <a:schemeClr val="bg1"/>
+                </a:solidFill>
+              </a:rPr>
+              <a:t> Score</a:t>
+            </a:r>
           </a:p>
         </p:txBody>
       </p:sp>
@@ -7300,13 +6935,18 @@
         </p:nvSpPr>
         <p:spPr>
           <a:xfrm>
-            <a:off x="436098" y="1828086"/>
-            <a:ext cx="5148776" cy="2585323"/>
+            <a:off x="278512" y="1274088"/>
+            <a:ext cx="5308456" cy="4801314"/>
           </a:xfrm>
           <a:prstGeom prst="rect">
             <a:avLst/>
           </a:prstGeom>
-          <a:noFill/>
+          <a:solidFill>
+            <a:schemeClr val="tx1">
+              <a:lumMod val="85000"/>
+              <a:lumOff val="15000"/>
+            </a:schemeClr>
+          </a:solidFill>
         </p:spPr>
         <p:txBody>
           <a:bodyPr wrap="square" rtlCol="0">
@@ -7328,7 +6968,7 @@
                 </a:solidFill>
                 <a:effectLst/>
               </a:rPr>
-              <a:t>The Bar Chart shows the number of productions and their corresponding genres.</a:t>
+              <a:t>The Boxplot shows the Minimum Value, the First Quartile (25%), Second Quartile (50% - Median), Third Quartile (75%), Maximum Value and Outliers.</a:t>
             </a:r>
           </a:p>
           <a:p>
@@ -7360,7 +7000,7 @@
                 </a:solidFill>
                 <a:effectLst/>
               </a:rPr>
-              <a:t>This type of Analysis can help the company understand which genres to invest more in.</a:t>
+              <a:t>The Rank Boxplot shows that the majority of titles have a score above 5.</a:t>
             </a:r>
           </a:p>
           <a:p>
@@ -7392,13 +7032,8 @@
                 </a:solidFill>
                 <a:effectLst/>
               </a:rPr>
-              <a:t>It can be noted that the vast majority of productions are TV Shows followed by Movies.</a:t>
-            </a:r>
-            <a:endParaRPr lang="pt-BR" b="1" dirty="0">
-              <a:solidFill>
-                <a:schemeClr val="bg1"/>
-              </a:solidFill>
-            </a:endParaRPr>
+              <a:t>The Boxplot of Days in the TOP 10 shows that the vast majority of titles remain in the TOP 10 for a short time, but we can see a very large number of Outliers. The same situation can be seen in the Viewer Score Boxplot.</a:t>
+            </a:r>
           </a:p>
           <a:p>
             <a:pPr marL="285750" indent="-285750">
@@ -7410,10 +7045,48 @@
             </a:pPr>
             <a:endParaRPr lang="pt-BR" b="1" dirty="0">
               <a:solidFill>
-                <a:schemeClr val="tx1">
-                  <a:lumMod val="75000"/>
-                  <a:lumOff val="25000"/>
-                </a:schemeClr>
+                <a:schemeClr val="bg1"/>
+              </a:solidFill>
+            </a:endParaRPr>
+          </a:p>
+          <a:p>
+            <a:pPr marL="285750" indent="-285750">
+              <a:buClr>
+                <a:schemeClr val="tx1"/>
+              </a:buClr>
+              <a:buFont typeface="Wingdings" panose="05000000000000000000" pitchFamily="2" charset="2"/>
+              <a:buChar char="§"/>
+            </a:pPr>
+            <a:r>
+              <a:rPr lang="en-US" b="1" i="0" dirty="0">
+                <a:solidFill>
+                  <a:schemeClr val="bg1"/>
+                </a:solidFill>
+                <a:effectLst/>
+              </a:rPr>
+              <a:t>Analyzing the Boxplots more deeply, we can see that the large number of Outliers is due to the title </a:t>
+            </a:r>
+            <a:r>
+              <a:rPr lang="en-US" b="1" i="0" dirty="0" err="1">
+                <a:solidFill>
+                  <a:schemeClr val="bg1"/>
+                </a:solidFill>
+                <a:effectLst/>
+              </a:rPr>
+              <a:t>Cocomelon</a:t>
+            </a:r>
+            <a:r>
+              <a:rPr lang="en-US" b="1" i="0" dirty="0">
+                <a:solidFill>
+                  <a:schemeClr val="bg1"/>
+                </a:solidFill>
+                <a:effectLst/>
+              </a:rPr>
+              <a:t>, which was a great success.</a:t>
+            </a:r>
+            <a:endParaRPr lang="pt-BR" b="1" dirty="0">
+              <a:solidFill>
+                <a:schemeClr val="bg1"/>
               </a:solidFill>
             </a:endParaRPr>
           </a:p>
@@ -7586,7 +7259,7 @@
           <p:cNvPr id="10" name="Imagem 9">
             <a:extLst>
               <a:ext uri="{FF2B5EF4-FFF2-40B4-BE49-F238E27FC236}">
-                <a16:creationId xmlns:a16="http://schemas.microsoft.com/office/drawing/2014/main" id="{0FDAD310-979E-A264-3723-2CA6B41677B8}"/>
+                <a16:creationId xmlns:a16="http://schemas.microsoft.com/office/drawing/2014/main" id="{51BE7ACD-69C3-A9B4-E23F-5825ADEA9777}"/>
               </a:ext>
             </a:extLst>
           </p:cNvPr>
@@ -7609,18 +7282,190 @@
         </p:blipFill>
         <p:spPr>
           <a:xfrm>
-            <a:off x="6368790" y="748397"/>
-            <a:ext cx="5550419" cy="4791466"/>
+            <a:off x="6320583" y="118156"/>
+            <a:ext cx="2567853" cy="3419859"/>
           </a:xfrm>
           <a:prstGeom prst="rect">
             <a:avLst/>
           </a:prstGeom>
         </p:spPr>
       </p:pic>
+      <p:pic>
+        <p:nvPicPr>
+          <p:cNvPr id="12" name="Imagem 11">
+            <a:extLst>
+              <a:ext uri="{FF2B5EF4-FFF2-40B4-BE49-F238E27FC236}">
+                <a16:creationId xmlns:a16="http://schemas.microsoft.com/office/drawing/2014/main" id="{CA98725A-E400-D8C6-E467-4068F3B814B4}"/>
+              </a:ext>
+            </a:extLst>
+          </p:cNvPr>
+          <p:cNvPicPr>
+            <a:picLocks noChangeAspect="1"/>
+          </p:cNvPicPr>
+          <p:nvPr/>
+        </p:nvPicPr>
+        <p:blipFill>
+          <a:blip r:embed="rId3">
+            <a:extLst>
+              <a:ext uri="{28A0092B-C50C-407E-A947-70E740481C1C}">
+                <a14:useLocalDpi xmlns:a14="http://schemas.microsoft.com/office/drawing/2010/main" val="0"/>
+              </a:ext>
+            </a:extLst>
+          </a:blip>
+          <a:stretch>
+            <a:fillRect/>
+          </a:stretch>
+        </p:blipFill>
+        <p:spPr>
+          <a:xfrm>
+            <a:off x="9345635" y="78619"/>
+            <a:ext cx="2567853" cy="3459396"/>
+          </a:xfrm>
+          <a:prstGeom prst="rect">
+            <a:avLst/>
+          </a:prstGeom>
+        </p:spPr>
+      </p:pic>
+      <p:pic>
+        <p:nvPicPr>
+          <p:cNvPr id="14" name="Imagem 13">
+            <a:extLst>
+              <a:ext uri="{FF2B5EF4-FFF2-40B4-BE49-F238E27FC236}">
+                <a16:creationId xmlns:a16="http://schemas.microsoft.com/office/drawing/2014/main" id="{24290233-6B25-520D-4CBA-C7FCB44E47A1}"/>
+              </a:ext>
+            </a:extLst>
+          </p:cNvPr>
+          <p:cNvPicPr>
+            <a:picLocks noChangeAspect="1"/>
+          </p:cNvPicPr>
+          <p:nvPr/>
+        </p:nvPicPr>
+        <p:blipFill>
+          <a:blip r:embed="rId4">
+            <a:extLst>
+              <a:ext uri="{28A0092B-C50C-407E-A947-70E740481C1C}">
+                <a14:useLocalDpi xmlns:a14="http://schemas.microsoft.com/office/drawing/2010/main" val="0"/>
+              </a:ext>
+            </a:extLst>
+          </a:blip>
+          <a:stretch>
+            <a:fillRect/>
+          </a:stretch>
+        </p:blipFill>
+        <p:spPr>
+          <a:xfrm>
+            <a:off x="7944479" y="3656171"/>
+            <a:ext cx="2099853" cy="2564548"/>
+          </a:xfrm>
+          <a:prstGeom prst="rect">
+            <a:avLst/>
+          </a:prstGeom>
+        </p:spPr>
+      </p:pic>
+      <p:sp>
+        <p:nvSpPr>
+          <p:cNvPr id="15" name="Retângulo 14">
+            <a:extLst>
+              <a:ext uri="{FF2B5EF4-FFF2-40B4-BE49-F238E27FC236}">
+                <a16:creationId xmlns:a16="http://schemas.microsoft.com/office/drawing/2014/main" id="{99F3E1E0-50E6-87F1-30C1-D9F8B3A0220C}"/>
+              </a:ext>
+            </a:extLst>
+          </p:cNvPr>
+          <p:cNvSpPr/>
+          <p:nvPr/>
+        </p:nvSpPr>
+        <p:spPr>
+          <a:xfrm>
+            <a:off x="5486400" y="1451762"/>
+            <a:ext cx="609600" cy="517715"/>
+          </a:xfrm>
+          <a:prstGeom prst="rect">
+            <a:avLst/>
+          </a:prstGeom>
+          <a:solidFill>
+            <a:schemeClr val="tx1">
+              <a:lumMod val="85000"/>
+              <a:lumOff val="15000"/>
+            </a:schemeClr>
+          </a:solidFill>
+          <a:ln>
+            <a:noFill/>
+          </a:ln>
+        </p:spPr>
+        <p:style>
+          <a:lnRef idx="2">
+            <a:schemeClr val="accent1">
+              <a:shade val="15000"/>
+            </a:schemeClr>
+          </a:lnRef>
+          <a:fillRef idx="1">
+            <a:schemeClr val="accent1"/>
+          </a:fillRef>
+          <a:effectRef idx="0">
+            <a:schemeClr val="accent1"/>
+          </a:effectRef>
+          <a:fontRef idx="minor">
+            <a:schemeClr val="lt1"/>
+          </a:fontRef>
+        </p:style>
+        <p:txBody>
+          <a:bodyPr rtlCol="0" anchor="ctr"/>
+          <a:lstStyle/>
+          <a:p>
+            <a:pPr algn="ctr"/>
+            <a:endParaRPr lang="pt-BR"/>
+          </a:p>
+        </p:txBody>
+      </p:sp>
+      <p:cxnSp>
+        <p:nvCxnSpPr>
+          <p:cNvPr id="17" name="Conector reto 16">
+            <a:extLst>
+              <a:ext uri="{FF2B5EF4-FFF2-40B4-BE49-F238E27FC236}">
+                <a16:creationId xmlns:a16="http://schemas.microsoft.com/office/drawing/2014/main" id="{A90A959B-C890-D369-9CA2-97292AAC92A8}"/>
+              </a:ext>
+            </a:extLst>
+          </p:cNvPr>
+          <p:cNvCxnSpPr>
+            <a:cxnSpLocks/>
+          </p:cNvCxnSpPr>
+          <p:nvPr/>
+        </p:nvCxnSpPr>
+        <p:spPr>
+          <a:xfrm>
+            <a:off x="1589649" y="1133819"/>
+            <a:ext cx="4506351" cy="0"/>
+          </a:xfrm>
+          <a:prstGeom prst="line">
+            <a:avLst/>
+          </a:prstGeom>
+          <a:ln>
+            <a:solidFill>
+              <a:schemeClr val="bg1">
+                <a:lumMod val="75000"/>
+              </a:schemeClr>
+            </a:solidFill>
+          </a:ln>
+        </p:spPr>
+        <p:style>
+          <a:lnRef idx="1">
+            <a:schemeClr val="accent1"/>
+          </a:lnRef>
+          <a:fillRef idx="0">
+            <a:schemeClr val="accent1"/>
+          </a:fillRef>
+          <a:effectRef idx="0">
+            <a:schemeClr val="accent1"/>
+          </a:effectRef>
+          <a:fontRef idx="minor">
+            <a:schemeClr val="tx1"/>
+          </a:fontRef>
+        </p:style>
+      </p:cxnSp>
     </p:spTree>
     <p:extLst>
       <p:ext uri="{BB962C8B-B14F-4D97-AF65-F5344CB8AC3E}">
-        <p14:creationId xmlns:p14="http://schemas.microsoft.com/office/powerpoint/2010/main" val="2197775310"/>
+        <p14:creationId xmlns:p14="http://schemas.microsoft.com/office/powerpoint/2010/main" val="2891058837"/>
       </p:ext>
     </p:extLst>
   </p:cSld>
@@ -7668,7 +7513,10 @@
             <a:avLst/>
           </a:prstGeom>
           <a:solidFill>
-            <a:schemeClr val="tx1"/>
+            <a:schemeClr val="tx1">
+              <a:lumMod val="95000"/>
+              <a:lumOff val="5000"/>
+            </a:schemeClr>
           </a:solidFill>
           <a:ln>
             <a:noFill/>
@@ -7713,8 +7561,8 @@
         </p:nvSpPr>
         <p:spPr>
           <a:xfrm>
-            <a:off x="832338" y="292758"/>
-            <a:ext cx="4356296" cy="1015663"/>
+            <a:off x="832338" y="976693"/>
+            <a:ext cx="4356296" cy="553998"/>
           </a:xfrm>
           <a:prstGeom prst="rect">
             <a:avLst/>
@@ -7733,48 +7581,13 @@
                   <a:schemeClr val="bg1"/>
                 </a:solidFill>
               </a:rPr>
-              <a:t>Explaning</a:t>
-            </a:r>
-            <a:r>
-              <a:rPr lang="pt-BR" sz="3000" b="1" dirty="0">
-                <a:solidFill>
-                  <a:schemeClr val="bg1"/>
-                </a:solidFill>
-              </a:rPr>
-              <a:t> </a:t>
-            </a:r>
-            <a:r>
-              <a:rPr lang="pt-BR" sz="3000" b="1" dirty="0" err="1">
-                <a:solidFill>
-                  <a:schemeClr val="bg1"/>
-                </a:solidFill>
-              </a:rPr>
-              <a:t>the</a:t>
-            </a:r>
-            <a:r>
-              <a:rPr lang="pt-BR" sz="3000" b="1" dirty="0">
-                <a:solidFill>
-                  <a:schemeClr val="bg1"/>
-                </a:solidFill>
-              </a:rPr>
-              <a:t> </a:t>
-            </a:r>
-            <a:r>
-              <a:rPr lang="pt-BR" sz="3000" b="1" dirty="0" err="1">
-                <a:solidFill>
-                  <a:schemeClr val="bg1"/>
-                </a:solidFill>
-              </a:rPr>
-              <a:t>Viewership</a:t>
-            </a:r>
-            <a:r>
-              <a:rPr lang="pt-BR" sz="3000" b="1" dirty="0">
-                <a:solidFill>
-                  <a:schemeClr val="bg1"/>
-                </a:solidFill>
-              </a:rPr>
-              <a:t> Score</a:t>
-            </a:r>
+              <a:t>Genres</a:t>
+            </a:r>
+            <a:endParaRPr lang="pt-BR" sz="3000" b="1" dirty="0">
+              <a:solidFill>
+                <a:schemeClr val="bg1"/>
+              </a:solidFill>
+            </a:endParaRPr>
           </a:p>
         </p:txBody>
       </p:sp>
@@ -7792,18 +7605,13 @@
         </p:nvSpPr>
         <p:spPr>
           <a:xfrm>
-            <a:off x="436098" y="1371725"/>
-            <a:ext cx="5148776" cy="3970318"/>
+            <a:off x="436098" y="1828086"/>
+            <a:ext cx="5148776" cy="2585323"/>
           </a:xfrm>
           <a:prstGeom prst="rect">
             <a:avLst/>
           </a:prstGeom>
-          <a:solidFill>
-            <a:schemeClr val="tx1">
-              <a:lumMod val="85000"/>
-              <a:lumOff val="15000"/>
-            </a:schemeClr>
-          </a:solidFill>
+          <a:noFill/>
         </p:spPr>
         <p:txBody>
           <a:bodyPr wrap="square" rtlCol="0">
@@ -7811,7 +7619,7 @@
           </a:bodyPr>
           <a:lstStyle/>
           <a:p>
-            <a:pPr marL="285750" indent="-285750" algn="l">
+            <a:pPr marL="285750" indent="-285750">
               <a:buClr>
                 <a:schemeClr val="tx1"/>
               </a:buClr>
@@ -7825,36 +7633,11 @@
                 </a:solidFill>
                 <a:effectLst/>
               </a:rPr>
-              <a:t>Accessing the website: </a:t>
-            </a:r>
-            <a:r>
-              <a:rPr lang="en-US" b="1" i="0" dirty="0">
-                <a:solidFill>
-                  <a:srgbClr val="FF0000"/>
-                </a:solidFill>
-                <a:effectLst/>
-                <a:hlinkClick r:id="rId2">
-                  <a:extLst>
-                    <a:ext uri="{A12FA001-AC4F-418D-AE19-62706E023703}">
-                      <ahyp:hlinkClr xmlns:ahyp="http://schemas.microsoft.com/office/drawing/2018/hyperlinkcolor" val="tx"/>
-                    </a:ext>
-                  </a:extLst>
-                </a:hlinkClick>
-              </a:rPr>
-              <a:t>www.the-numbers.com/netflix-top-10 </a:t>
-            </a:r>
-            <a:r>
-              <a:rPr lang="en-US" b="1" i="0" dirty="0">
-                <a:solidFill>
-                  <a:schemeClr val="bg1"/>
-                </a:solidFill>
-                <a:effectLst/>
-              </a:rPr>
-              <a:t>(where the dataset was taken from). We can see this explanation about the audience score: "The audience score is a score assigned to each program based on its daily rating, assigning 10 points for each day in TOP 1, 9 points for each day in TOP 2, etc. “</a:t>
-            </a:r>
-          </a:p>
-          <a:p>
-            <a:pPr marL="285750" indent="-285750" algn="l">
+              <a:t>The Bar Chart shows the number of productions and their corresponding genres.</a:t>
+            </a:r>
+          </a:p>
+          <a:p>
+            <a:pPr marL="285750" indent="-285750">
               <a:buClr>
                 <a:schemeClr val="tx1"/>
               </a:buClr>
@@ -7868,7 +7651,7 @@
             </a:endParaRPr>
           </a:p>
           <a:p>
-            <a:pPr marL="285750" indent="-285750" algn="l">
+            <a:pPr marL="285750" indent="-285750">
               <a:buClr>
                 <a:schemeClr val="tx1"/>
               </a:buClr>
@@ -7882,7 +7665,39 @@
                 </a:solidFill>
                 <a:effectLst/>
               </a:rPr>
-              <a:t>Analyzing the Histogram we can see that most titles do not remain in the TOP 10 for many days adding points and few titles have scores above 200 points and only a few Outliers achieve scores above 800 points.</a:t>
+              <a:t>This type of Analysis can help the company understand which genres to invest more in.</a:t>
+            </a:r>
+          </a:p>
+          <a:p>
+            <a:pPr marL="285750" indent="-285750">
+              <a:buClr>
+                <a:schemeClr val="tx1"/>
+              </a:buClr>
+              <a:buFont typeface="Wingdings" panose="05000000000000000000" pitchFamily="2" charset="2"/>
+              <a:buChar char="§"/>
+            </a:pPr>
+            <a:endParaRPr lang="pt-BR" b="1" dirty="0">
+              <a:solidFill>
+                <a:schemeClr val="bg1"/>
+              </a:solidFill>
+            </a:endParaRPr>
+          </a:p>
+          <a:p>
+            <a:pPr marL="285750" indent="-285750">
+              <a:buClr>
+                <a:schemeClr val="tx1"/>
+              </a:buClr>
+              <a:buFont typeface="Wingdings" panose="05000000000000000000" pitchFamily="2" charset="2"/>
+              <a:buChar char="§"/>
+            </a:pPr>
+            <a:r>
+              <a:rPr lang="en-US" b="1" i="0" dirty="0">
+                <a:solidFill>
+                  <a:schemeClr val="bg1"/>
+                </a:solidFill>
+                <a:effectLst/>
+              </a:rPr>
+              <a:t>It can be noted that the vast majority of productions are TV Shows followed by Movies.</a:t>
             </a:r>
             <a:endParaRPr lang="pt-BR" b="1" dirty="0">
               <a:solidFill>
@@ -8076,7 +7891,7 @@
           <p:cNvPr id="10" name="Imagem 9">
             <a:extLst>
               <a:ext uri="{FF2B5EF4-FFF2-40B4-BE49-F238E27FC236}">
-                <a16:creationId xmlns:a16="http://schemas.microsoft.com/office/drawing/2014/main" id="{9E642E16-2C4A-A230-9567-9E9308A561CB}"/>
+                <a16:creationId xmlns:a16="http://schemas.microsoft.com/office/drawing/2014/main" id="{0FDAD310-979E-A264-3723-2CA6B41677B8}"/>
               </a:ext>
             </a:extLst>
           </p:cNvPr>
@@ -8086,7 +7901,7 @@
           <p:nvPr/>
         </p:nvPicPr>
         <p:blipFill>
-          <a:blip r:embed="rId3">
+          <a:blip r:embed="rId2">
             <a:extLst>
               <a:ext uri="{28A0092B-C50C-407E-A947-70E740481C1C}">
                 <a14:useLocalDpi xmlns:a14="http://schemas.microsoft.com/office/drawing/2010/main" val="0"/>
@@ -8099,118 +7914,18 @@
         </p:blipFill>
         <p:spPr>
           <a:xfrm>
-            <a:off x="6262468" y="976693"/>
-            <a:ext cx="5550419" cy="4096520"/>
+            <a:off x="6368790" y="748397"/>
+            <a:ext cx="5550419" cy="4791466"/>
           </a:xfrm>
           <a:prstGeom prst="rect">
             <a:avLst/>
           </a:prstGeom>
         </p:spPr>
       </p:pic>
-      <p:sp>
-        <p:nvSpPr>
-          <p:cNvPr id="8" name="Retângulo 7">
-            <a:extLst>
-              <a:ext uri="{FF2B5EF4-FFF2-40B4-BE49-F238E27FC236}">
-                <a16:creationId xmlns:a16="http://schemas.microsoft.com/office/drawing/2014/main" id="{24192A96-A904-30BE-E316-6718D4AEDCA7}"/>
-              </a:ext>
-            </a:extLst>
-          </p:cNvPr>
-          <p:cNvSpPr/>
-          <p:nvPr/>
-        </p:nvSpPr>
-        <p:spPr>
-          <a:xfrm>
-            <a:off x="5584874" y="1561514"/>
-            <a:ext cx="511126" cy="422031"/>
-          </a:xfrm>
-          <a:prstGeom prst="rect">
-            <a:avLst/>
-          </a:prstGeom>
-          <a:solidFill>
-            <a:schemeClr val="tx1">
-              <a:lumMod val="85000"/>
-              <a:lumOff val="15000"/>
-            </a:schemeClr>
-          </a:solidFill>
-          <a:ln>
-            <a:noFill/>
-          </a:ln>
-        </p:spPr>
-        <p:style>
-          <a:lnRef idx="2">
-            <a:schemeClr val="accent1">
-              <a:shade val="15000"/>
-            </a:schemeClr>
-          </a:lnRef>
-          <a:fillRef idx="1">
-            <a:schemeClr val="accent1"/>
-          </a:fillRef>
-          <a:effectRef idx="0">
-            <a:schemeClr val="accent1"/>
-          </a:effectRef>
-          <a:fontRef idx="minor">
-            <a:schemeClr val="lt1"/>
-          </a:fontRef>
-        </p:style>
-        <p:txBody>
-          <a:bodyPr rtlCol="0" anchor="ctr"/>
-          <a:lstStyle/>
-          <a:p>
-            <a:pPr algn="ctr"/>
-            <a:endParaRPr lang="pt-BR"/>
-          </a:p>
-        </p:txBody>
-      </p:sp>
-      <p:cxnSp>
-        <p:nvCxnSpPr>
-          <p:cNvPr id="9" name="Conector reto 8">
-            <a:extLst>
-              <a:ext uri="{FF2B5EF4-FFF2-40B4-BE49-F238E27FC236}">
-                <a16:creationId xmlns:a16="http://schemas.microsoft.com/office/drawing/2014/main" id="{2FEA45F3-34ED-F39C-EAC7-D0D141777D91}"/>
-              </a:ext>
-            </a:extLst>
-          </p:cNvPr>
-          <p:cNvCxnSpPr>
-            <a:cxnSpLocks/>
-          </p:cNvCxnSpPr>
-          <p:nvPr/>
-        </p:nvCxnSpPr>
-        <p:spPr>
-          <a:xfrm>
-            <a:off x="1659988" y="1322488"/>
-            <a:ext cx="4436012" cy="0"/>
-          </a:xfrm>
-          <a:prstGeom prst="line">
-            <a:avLst/>
-          </a:prstGeom>
-          <a:ln>
-            <a:solidFill>
-              <a:schemeClr val="bg1">
-                <a:lumMod val="75000"/>
-              </a:schemeClr>
-            </a:solidFill>
-          </a:ln>
-        </p:spPr>
-        <p:style>
-          <a:lnRef idx="1">
-            <a:schemeClr val="accent1"/>
-          </a:lnRef>
-          <a:fillRef idx="0">
-            <a:schemeClr val="accent1"/>
-          </a:fillRef>
-          <a:effectRef idx="0">
-            <a:schemeClr val="accent1"/>
-          </a:effectRef>
-          <a:fontRef idx="minor">
-            <a:schemeClr val="tx1"/>
-          </a:fontRef>
-        </p:style>
-      </p:cxnSp>
     </p:spTree>
     <p:extLst>
       <p:ext uri="{BB962C8B-B14F-4D97-AF65-F5344CB8AC3E}">
-        <p14:creationId xmlns:p14="http://schemas.microsoft.com/office/powerpoint/2010/main" val="879179016"/>
+        <p14:creationId xmlns:p14="http://schemas.microsoft.com/office/powerpoint/2010/main" val="2197775310"/>
       </p:ext>
     </p:extLst>
   </p:cSld>
@@ -8239,6 +7954,596 @@
       </p:grpSpPr>
       <p:sp>
         <p:nvSpPr>
+          <p:cNvPr id="4" name="Retângulo 3">
+            <a:extLst>
+              <a:ext uri="{FF2B5EF4-FFF2-40B4-BE49-F238E27FC236}">
+                <a16:creationId xmlns:a16="http://schemas.microsoft.com/office/drawing/2014/main" id="{13AC2AEA-3BE2-F2BB-5D01-B3CC656C3522}"/>
+              </a:ext>
+            </a:extLst>
+          </p:cNvPr>
+          <p:cNvSpPr/>
+          <p:nvPr/>
+        </p:nvSpPr>
+        <p:spPr>
+          <a:xfrm>
+            <a:off x="6096000" y="0"/>
+            <a:ext cx="6096000" cy="6344529"/>
+          </a:xfrm>
+          <a:prstGeom prst="rect">
+            <a:avLst/>
+          </a:prstGeom>
+          <a:solidFill>
+            <a:schemeClr val="tx1"/>
+          </a:solidFill>
+          <a:ln>
+            <a:noFill/>
+          </a:ln>
+        </p:spPr>
+        <p:style>
+          <a:lnRef idx="2">
+            <a:schemeClr val="accent1">
+              <a:shade val="15000"/>
+            </a:schemeClr>
+          </a:lnRef>
+          <a:fillRef idx="1">
+            <a:schemeClr val="accent1"/>
+          </a:fillRef>
+          <a:effectRef idx="0">
+            <a:schemeClr val="accent1"/>
+          </a:effectRef>
+          <a:fontRef idx="minor">
+            <a:schemeClr val="lt1"/>
+          </a:fontRef>
+        </p:style>
+        <p:txBody>
+          <a:bodyPr rtlCol="0" anchor="ctr"/>
+          <a:lstStyle/>
+          <a:p>
+            <a:pPr algn="ctr"/>
+            <a:endParaRPr lang="pt-BR"/>
+          </a:p>
+        </p:txBody>
+      </p:sp>
+      <p:sp>
+        <p:nvSpPr>
+          <p:cNvPr id="5" name="CaixaDeTexto 4">
+            <a:extLst>
+              <a:ext uri="{FF2B5EF4-FFF2-40B4-BE49-F238E27FC236}">
+                <a16:creationId xmlns:a16="http://schemas.microsoft.com/office/drawing/2014/main" id="{87151001-FDE3-82CE-4590-C3C27C18E2CC}"/>
+              </a:ext>
+            </a:extLst>
+          </p:cNvPr>
+          <p:cNvSpPr txBox="1"/>
+          <p:nvPr/>
+        </p:nvSpPr>
+        <p:spPr>
+          <a:xfrm>
+            <a:off x="832338" y="292758"/>
+            <a:ext cx="4356296" cy="1015663"/>
+          </a:xfrm>
+          <a:prstGeom prst="rect">
+            <a:avLst/>
+          </a:prstGeom>
+          <a:noFill/>
+        </p:spPr>
+        <p:txBody>
+          <a:bodyPr wrap="square" rtlCol="0">
+            <a:spAutoFit/>
+          </a:bodyPr>
+          <a:lstStyle/>
+          <a:p>
+            <a:r>
+              <a:rPr lang="pt-BR" sz="3000" b="1" dirty="0" err="1">
+                <a:solidFill>
+                  <a:schemeClr val="bg1"/>
+                </a:solidFill>
+              </a:rPr>
+              <a:t>Explaning</a:t>
+            </a:r>
+            <a:r>
+              <a:rPr lang="pt-BR" sz="3000" b="1" dirty="0">
+                <a:solidFill>
+                  <a:schemeClr val="bg1"/>
+                </a:solidFill>
+              </a:rPr>
+              <a:t> </a:t>
+            </a:r>
+            <a:r>
+              <a:rPr lang="pt-BR" sz="3000" b="1" dirty="0" err="1">
+                <a:solidFill>
+                  <a:schemeClr val="bg1"/>
+                </a:solidFill>
+              </a:rPr>
+              <a:t>the</a:t>
+            </a:r>
+            <a:r>
+              <a:rPr lang="pt-BR" sz="3000" b="1" dirty="0">
+                <a:solidFill>
+                  <a:schemeClr val="bg1"/>
+                </a:solidFill>
+              </a:rPr>
+              <a:t> </a:t>
+            </a:r>
+            <a:r>
+              <a:rPr lang="pt-BR" sz="3000" b="1" dirty="0" err="1">
+                <a:solidFill>
+                  <a:schemeClr val="bg1"/>
+                </a:solidFill>
+              </a:rPr>
+              <a:t>Viewership</a:t>
+            </a:r>
+            <a:r>
+              <a:rPr lang="pt-BR" sz="3000" b="1" dirty="0">
+                <a:solidFill>
+                  <a:schemeClr val="bg1"/>
+                </a:solidFill>
+              </a:rPr>
+              <a:t> Score</a:t>
+            </a:r>
+          </a:p>
+        </p:txBody>
+      </p:sp>
+      <p:sp>
+        <p:nvSpPr>
+          <p:cNvPr id="6" name="CaixaDeTexto 5">
+            <a:extLst>
+              <a:ext uri="{FF2B5EF4-FFF2-40B4-BE49-F238E27FC236}">
+                <a16:creationId xmlns:a16="http://schemas.microsoft.com/office/drawing/2014/main" id="{A1693578-E1ED-01BE-B16C-8C97C5FE8AA7}"/>
+              </a:ext>
+            </a:extLst>
+          </p:cNvPr>
+          <p:cNvSpPr txBox="1"/>
+          <p:nvPr/>
+        </p:nvSpPr>
+        <p:spPr>
+          <a:xfrm>
+            <a:off x="436098" y="1371725"/>
+            <a:ext cx="5148776" cy="3970318"/>
+          </a:xfrm>
+          <a:prstGeom prst="rect">
+            <a:avLst/>
+          </a:prstGeom>
+          <a:solidFill>
+            <a:schemeClr val="tx1">
+              <a:lumMod val="85000"/>
+              <a:lumOff val="15000"/>
+            </a:schemeClr>
+          </a:solidFill>
+        </p:spPr>
+        <p:txBody>
+          <a:bodyPr wrap="square" rtlCol="0">
+            <a:spAutoFit/>
+          </a:bodyPr>
+          <a:lstStyle/>
+          <a:p>
+            <a:pPr marL="285750" indent="-285750" algn="l">
+              <a:buClr>
+                <a:schemeClr val="tx1"/>
+              </a:buClr>
+              <a:buFont typeface="Wingdings" panose="05000000000000000000" pitchFamily="2" charset="2"/>
+              <a:buChar char="§"/>
+            </a:pPr>
+            <a:r>
+              <a:rPr lang="en-US" b="1" i="0" dirty="0">
+                <a:solidFill>
+                  <a:schemeClr val="bg1"/>
+                </a:solidFill>
+                <a:effectLst/>
+              </a:rPr>
+              <a:t>Accessing the website: </a:t>
+            </a:r>
+            <a:r>
+              <a:rPr lang="en-US" b="1" i="0" dirty="0">
+                <a:solidFill>
+                  <a:srgbClr val="FF0000"/>
+                </a:solidFill>
+                <a:effectLst/>
+                <a:hlinkClick r:id="rId2">
+                  <a:extLst>
+                    <a:ext uri="{A12FA001-AC4F-418D-AE19-62706E023703}">
+                      <ahyp:hlinkClr xmlns:ahyp="http://schemas.microsoft.com/office/drawing/2018/hyperlinkcolor" val="tx"/>
+                    </a:ext>
+                  </a:extLst>
+                </a:hlinkClick>
+              </a:rPr>
+              <a:t>www.the-numbers.com/netflix-top-10 </a:t>
+            </a:r>
+            <a:r>
+              <a:rPr lang="en-US" b="1" i="0" dirty="0">
+                <a:solidFill>
+                  <a:schemeClr val="bg1"/>
+                </a:solidFill>
+                <a:effectLst/>
+              </a:rPr>
+              <a:t>(where the dataset was taken from). We can see this explanation about the audience score: "The audience score is a score assigned to each program based on its daily rating, assigning 10 points for each day in TOP 1, 9 points for each day in TOP 2, etc. “</a:t>
+            </a:r>
+          </a:p>
+          <a:p>
+            <a:pPr marL="285750" indent="-285750" algn="l">
+              <a:buClr>
+                <a:schemeClr val="tx1"/>
+              </a:buClr>
+              <a:buFont typeface="Wingdings" panose="05000000000000000000" pitchFamily="2" charset="2"/>
+              <a:buChar char="§"/>
+            </a:pPr>
+            <a:endParaRPr lang="pt-BR" b="1" dirty="0">
+              <a:solidFill>
+                <a:schemeClr val="bg1"/>
+              </a:solidFill>
+            </a:endParaRPr>
+          </a:p>
+          <a:p>
+            <a:pPr marL="285750" indent="-285750" algn="l">
+              <a:buClr>
+                <a:schemeClr val="tx1"/>
+              </a:buClr>
+              <a:buFont typeface="Wingdings" panose="05000000000000000000" pitchFamily="2" charset="2"/>
+              <a:buChar char="§"/>
+            </a:pPr>
+            <a:r>
+              <a:rPr lang="en-US" b="1" i="0" dirty="0">
+                <a:solidFill>
+                  <a:schemeClr val="bg1"/>
+                </a:solidFill>
+                <a:effectLst/>
+              </a:rPr>
+              <a:t>Analyzing the Histogram we can see that most titles do not remain in the TOP 10 for many days adding points and few titles have scores above 200 points and only a few Outliers achieve scores above 800 points.</a:t>
+            </a:r>
+            <a:endParaRPr lang="pt-BR" b="1" dirty="0">
+              <a:solidFill>
+                <a:schemeClr val="bg1"/>
+              </a:solidFill>
+            </a:endParaRPr>
+          </a:p>
+          <a:p>
+            <a:pPr marL="285750" indent="-285750">
+              <a:buClr>
+                <a:schemeClr val="tx1"/>
+              </a:buClr>
+              <a:buFont typeface="Wingdings" panose="05000000000000000000" pitchFamily="2" charset="2"/>
+              <a:buChar char="§"/>
+            </a:pPr>
+            <a:endParaRPr lang="pt-BR" b="1" dirty="0">
+              <a:solidFill>
+                <a:schemeClr val="tx1">
+                  <a:lumMod val="75000"/>
+                  <a:lumOff val="25000"/>
+                </a:schemeClr>
+              </a:solidFill>
+            </a:endParaRPr>
+          </a:p>
+        </p:txBody>
+      </p:sp>
+      <p:sp>
+        <p:nvSpPr>
+          <p:cNvPr id="7" name="Retângulo: Cantos Arredondados 6">
+            <a:extLst>
+              <a:ext uri="{FF2B5EF4-FFF2-40B4-BE49-F238E27FC236}">
+                <a16:creationId xmlns:a16="http://schemas.microsoft.com/office/drawing/2014/main" id="{15F630BE-76DB-EF6D-62AF-F5F0978DB77F}"/>
+              </a:ext>
+            </a:extLst>
+          </p:cNvPr>
+          <p:cNvSpPr/>
+          <p:nvPr/>
+        </p:nvSpPr>
+        <p:spPr>
+          <a:xfrm rot="5400000">
+            <a:off x="-2595491" y="3115996"/>
+            <a:ext cx="5345726" cy="154744"/>
+          </a:xfrm>
+          <a:prstGeom prst="roundRect">
+            <a:avLst/>
+          </a:prstGeom>
+          <a:solidFill>
+            <a:schemeClr val="accent3">
+              <a:lumMod val="60000"/>
+              <a:lumOff val="40000"/>
+            </a:schemeClr>
+          </a:solidFill>
+          <a:ln>
+            <a:noFill/>
+          </a:ln>
+        </p:spPr>
+        <p:style>
+          <a:lnRef idx="2">
+            <a:schemeClr val="accent1">
+              <a:shade val="15000"/>
+            </a:schemeClr>
+          </a:lnRef>
+          <a:fillRef idx="1">
+            <a:schemeClr val="accent1"/>
+          </a:fillRef>
+          <a:effectRef idx="0">
+            <a:schemeClr val="accent1"/>
+          </a:effectRef>
+          <a:fontRef idx="minor">
+            <a:schemeClr val="lt1"/>
+          </a:fontRef>
+        </p:style>
+        <p:txBody>
+          <a:bodyPr rtlCol="0" anchor="ctr"/>
+          <a:lstStyle/>
+          <a:p>
+            <a:pPr algn="ctr"/>
+            <a:endParaRPr lang="pt-BR"/>
+          </a:p>
+        </p:txBody>
+      </p:sp>
+      <p:sp>
+        <p:nvSpPr>
+          <p:cNvPr id="2" name="Retângulo 1">
+            <a:extLst>
+              <a:ext uri="{FF2B5EF4-FFF2-40B4-BE49-F238E27FC236}">
+                <a16:creationId xmlns:a16="http://schemas.microsoft.com/office/drawing/2014/main" id="{74590DA4-7A1A-5E45-0609-934E364B7128}"/>
+              </a:ext>
+            </a:extLst>
+          </p:cNvPr>
+          <p:cNvSpPr/>
+          <p:nvPr/>
+        </p:nvSpPr>
+        <p:spPr>
+          <a:xfrm>
+            <a:off x="0" y="6400800"/>
+            <a:ext cx="12192000" cy="457200"/>
+          </a:xfrm>
+          <a:prstGeom prst="rect">
+            <a:avLst/>
+          </a:prstGeom>
+          <a:solidFill>
+            <a:srgbClr val="C00000"/>
+          </a:solidFill>
+          <a:ln>
+            <a:noFill/>
+          </a:ln>
+        </p:spPr>
+        <p:style>
+          <a:lnRef idx="2">
+            <a:schemeClr val="accent1">
+              <a:shade val="15000"/>
+            </a:schemeClr>
+          </a:lnRef>
+          <a:fillRef idx="1">
+            <a:schemeClr val="accent1"/>
+          </a:fillRef>
+          <a:effectRef idx="0">
+            <a:schemeClr val="accent1"/>
+          </a:effectRef>
+          <a:fontRef idx="minor">
+            <a:schemeClr val="lt1"/>
+          </a:fontRef>
+        </p:style>
+        <p:txBody>
+          <a:bodyPr rtlCol="0" anchor="ctr"/>
+          <a:lstStyle/>
+          <a:p>
+            <a:pPr algn="ctr"/>
+            <a:endParaRPr lang="pt-BR"/>
+          </a:p>
+        </p:txBody>
+      </p:sp>
+      <p:sp>
+        <p:nvSpPr>
+          <p:cNvPr id="3" name="Retângulo 2">
+            <a:extLst>
+              <a:ext uri="{FF2B5EF4-FFF2-40B4-BE49-F238E27FC236}">
+                <a16:creationId xmlns:a16="http://schemas.microsoft.com/office/drawing/2014/main" id="{5A990D9F-352E-D05F-6DD8-7F3E60B19A16}"/>
+              </a:ext>
+            </a:extLst>
+          </p:cNvPr>
+          <p:cNvSpPr/>
+          <p:nvPr/>
+        </p:nvSpPr>
+        <p:spPr>
+          <a:xfrm>
+            <a:off x="0" y="6288259"/>
+            <a:ext cx="12192000" cy="112542"/>
+          </a:xfrm>
+          <a:prstGeom prst="rect">
+            <a:avLst/>
+          </a:prstGeom>
+          <a:solidFill>
+            <a:schemeClr val="tx1">
+              <a:lumMod val="95000"/>
+              <a:lumOff val="5000"/>
+            </a:schemeClr>
+          </a:solidFill>
+          <a:ln>
+            <a:noFill/>
+          </a:ln>
+        </p:spPr>
+        <p:style>
+          <a:lnRef idx="2">
+            <a:schemeClr val="accent1">
+              <a:shade val="15000"/>
+            </a:schemeClr>
+          </a:lnRef>
+          <a:fillRef idx="1">
+            <a:schemeClr val="accent1"/>
+          </a:fillRef>
+          <a:effectRef idx="0">
+            <a:schemeClr val="accent1"/>
+          </a:effectRef>
+          <a:fontRef idx="minor">
+            <a:schemeClr val="lt1"/>
+          </a:fontRef>
+        </p:style>
+        <p:txBody>
+          <a:bodyPr rtlCol="0" anchor="ctr"/>
+          <a:lstStyle/>
+          <a:p>
+            <a:pPr algn="ctr"/>
+            <a:endParaRPr lang="pt-BR"/>
+          </a:p>
+        </p:txBody>
+      </p:sp>
+      <p:pic>
+        <p:nvPicPr>
+          <p:cNvPr id="10" name="Imagem 9">
+            <a:extLst>
+              <a:ext uri="{FF2B5EF4-FFF2-40B4-BE49-F238E27FC236}">
+                <a16:creationId xmlns:a16="http://schemas.microsoft.com/office/drawing/2014/main" id="{9E642E16-2C4A-A230-9567-9E9308A561CB}"/>
+              </a:ext>
+            </a:extLst>
+          </p:cNvPr>
+          <p:cNvPicPr>
+            <a:picLocks noChangeAspect="1"/>
+          </p:cNvPicPr>
+          <p:nvPr/>
+        </p:nvPicPr>
+        <p:blipFill>
+          <a:blip r:embed="rId3">
+            <a:extLst>
+              <a:ext uri="{28A0092B-C50C-407E-A947-70E740481C1C}">
+                <a14:useLocalDpi xmlns:a14="http://schemas.microsoft.com/office/drawing/2010/main" val="0"/>
+              </a:ext>
+            </a:extLst>
+          </a:blip>
+          <a:stretch>
+            <a:fillRect/>
+          </a:stretch>
+        </p:blipFill>
+        <p:spPr>
+          <a:xfrm>
+            <a:off x="6262468" y="976693"/>
+            <a:ext cx="5550419" cy="4096520"/>
+          </a:xfrm>
+          <a:prstGeom prst="rect">
+            <a:avLst/>
+          </a:prstGeom>
+        </p:spPr>
+      </p:pic>
+      <p:sp>
+        <p:nvSpPr>
+          <p:cNvPr id="8" name="Retângulo 7">
+            <a:extLst>
+              <a:ext uri="{FF2B5EF4-FFF2-40B4-BE49-F238E27FC236}">
+                <a16:creationId xmlns:a16="http://schemas.microsoft.com/office/drawing/2014/main" id="{24192A96-A904-30BE-E316-6718D4AEDCA7}"/>
+              </a:ext>
+            </a:extLst>
+          </p:cNvPr>
+          <p:cNvSpPr/>
+          <p:nvPr/>
+        </p:nvSpPr>
+        <p:spPr>
+          <a:xfrm>
+            <a:off x="5584874" y="1561514"/>
+            <a:ext cx="511126" cy="422031"/>
+          </a:xfrm>
+          <a:prstGeom prst="rect">
+            <a:avLst/>
+          </a:prstGeom>
+          <a:solidFill>
+            <a:schemeClr val="tx1">
+              <a:lumMod val="85000"/>
+              <a:lumOff val="15000"/>
+            </a:schemeClr>
+          </a:solidFill>
+          <a:ln>
+            <a:noFill/>
+          </a:ln>
+        </p:spPr>
+        <p:style>
+          <a:lnRef idx="2">
+            <a:schemeClr val="accent1">
+              <a:shade val="15000"/>
+            </a:schemeClr>
+          </a:lnRef>
+          <a:fillRef idx="1">
+            <a:schemeClr val="accent1"/>
+          </a:fillRef>
+          <a:effectRef idx="0">
+            <a:schemeClr val="accent1"/>
+          </a:effectRef>
+          <a:fontRef idx="minor">
+            <a:schemeClr val="lt1"/>
+          </a:fontRef>
+        </p:style>
+        <p:txBody>
+          <a:bodyPr rtlCol="0" anchor="ctr"/>
+          <a:lstStyle/>
+          <a:p>
+            <a:pPr algn="ctr"/>
+            <a:endParaRPr lang="pt-BR"/>
+          </a:p>
+        </p:txBody>
+      </p:sp>
+      <p:cxnSp>
+        <p:nvCxnSpPr>
+          <p:cNvPr id="9" name="Conector reto 8">
+            <a:extLst>
+              <a:ext uri="{FF2B5EF4-FFF2-40B4-BE49-F238E27FC236}">
+                <a16:creationId xmlns:a16="http://schemas.microsoft.com/office/drawing/2014/main" id="{2FEA45F3-34ED-F39C-EAC7-D0D141777D91}"/>
+              </a:ext>
+            </a:extLst>
+          </p:cNvPr>
+          <p:cNvCxnSpPr>
+            <a:cxnSpLocks/>
+          </p:cNvCxnSpPr>
+          <p:nvPr/>
+        </p:nvCxnSpPr>
+        <p:spPr>
+          <a:xfrm>
+            <a:off x="1659988" y="1322488"/>
+            <a:ext cx="4436012" cy="0"/>
+          </a:xfrm>
+          <a:prstGeom prst="line">
+            <a:avLst/>
+          </a:prstGeom>
+          <a:ln>
+            <a:solidFill>
+              <a:schemeClr val="bg1">
+                <a:lumMod val="75000"/>
+              </a:schemeClr>
+            </a:solidFill>
+          </a:ln>
+        </p:spPr>
+        <p:style>
+          <a:lnRef idx="1">
+            <a:schemeClr val="accent1"/>
+          </a:lnRef>
+          <a:fillRef idx="0">
+            <a:schemeClr val="accent1"/>
+          </a:fillRef>
+          <a:effectRef idx="0">
+            <a:schemeClr val="accent1"/>
+          </a:effectRef>
+          <a:fontRef idx="minor">
+            <a:schemeClr val="tx1"/>
+          </a:fontRef>
+        </p:style>
+      </p:cxnSp>
+    </p:spTree>
+    <p:extLst>
+      <p:ext uri="{BB962C8B-B14F-4D97-AF65-F5344CB8AC3E}">
+        <p14:creationId xmlns:p14="http://schemas.microsoft.com/office/powerpoint/2010/main" val="879179016"/>
+      </p:ext>
+    </p:extLst>
+  </p:cSld>
+  <p:clrMapOvr>
+    <a:masterClrMapping/>
+  </p:clrMapOvr>
+</p:sld>
+</file>
+
+<file path=ppt/slides/slide18.xml><?xml version="1.0" encoding="utf-8"?>
+<p:sld xmlns:a="http://schemas.openxmlformats.org/drawingml/2006/main" xmlns:r="http://schemas.openxmlformats.org/officeDocument/2006/relationships" xmlns:p="http://schemas.openxmlformats.org/presentationml/2006/main">
+  <p:cSld>
+    <p:spTree>
+      <p:nvGrpSpPr>
+        <p:cNvPr id="1" name=""/>
+        <p:cNvGrpSpPr/>
+        <p:nvPr/>
+      </p:nvGrpSpPr>
+      <p:grpSpPr>
+        <a:xfrm>
+          <a:off x="0" y="0"/>
+          <a:ext cx="0" cy="0"/>
+          <a:chOff x="0" y="0"/>
+          <a:chExt cx="0" cy="0"/>
+        </a:xfrm>
+      </p:grpSpPr>
+      <p:sp>
+        <p:nvSpPr>
           <p:cNvPr id="2" name="Retângulo: Cantos Arredondados 1">
             <a:extLst>
               <a:ext uri="{FF2B5EF4-FFF2-40B4-BE49-F238E27FC236}">
@@ -8559,7 +8864,7 @@
 </p:sld>
 </file>
 
-<file path=ppt/slides/slide18.xml><?xml version="1.0" encoding="utf-8"?>
+<file path=ppt/slides/slide19.xml><?xml version="1.0" encoding="utf-8"?>
 <p:sld xmlns:a="http://schemas.openxmlformats.org/drawingml/2006/main" xmlns:r="http://schemas.openxmlformats.org/officeDocument/2006/relationships" xmlns:p="http://schemas.openxmlformats.org/presentationml/2006/main">
   <p:cSld>
     <p:spTree>
@@ -9267,7 +9572,7 @@
         <p:spPr>
           <a:xfrm>
             <a:off x="1137138" y="2377441"/>
-            <a:ext cx="9917723" cy="3170099"/>
+            <a:ext cx="9917723" cy="3554819"/>
           </a:xfrm>
           <a:prstGeom prst="rect">
             <a:avLst/>
@@ -9478,6 +9783,35 @@
               </a:solidFill>
             </a:endParaRPr>
           </a:p>
+          <a:p>
+            <a:pPr marL="342900" indent="-342900">
+              <a:buClr>
+                <a:schemeClr val="tx1"/>
+              </a:buClr>
+              <a:buFont typeface="Wingdings" panose="05000000000000000000" pitchFamily="2" charset="2"/>
+              <a:buChar char="Ø"/>
+            </a:pPr>
+            <a:r>
+              <a:rPr lang="pt-BR" sz="2500" b="1" dirty="0">
+                <a:solidFill>
+                  <a:srgbClr val="FF0000"/>
+                </a:solidFill>
+                <a:hlinkClick r:id="rId8" action="ppaction://hlinksldjump">
+                  <a:extLst>
+                    <a:ext uri="{A12FA001-AC4F-418D-AE19-62706E023703}">
+                      <ahyp:hlinkClr xmlns:ahyp="http://schemas.microsoft.com/office/drawing/2018/hyperlinkcolor" val="tx"/>
+                    </a:ext>
+                  </a:extLst>
+                </a:hlinkClick>
+              </a:rPr>
+              <a:t>Observação</a:t>
+            </a:r>
+            <a:endParaRPr lang="pt-BR" sz="2500" b="1" dirty="0">
+              <a:solidFill>
+                <a:srgbClr val="FF0000"/>
+              </a:solidFill>
+            </a:endParaRPr>
+          </a:p>
         </p:txBody>
       </p:sp>
       <p:sp>
@@ -9591,6 +9925,290 @@
     <p:extLst>
       <p:ext uri="{BB962C8B-B14F-4D97-AF65-F5344CB8AC3E}">
         <p14:creationId xmlns:p14="http://schemas.microsoft.com/office/powerpoint/2010/main" val="3492386355"/>
+      </p:ext>
+    </p:extLst>
+  </p:cSld>
+  <p:clrMapOvr>
+    <a:masterClrMapping/>
+  </p:clrMapOvr>
+</p:sld>
+</file>
+
+<file path=ppt/slides/slide20.xml><?xml version="1.0" encoding="utf-8"?>
+<p:sld xmlns:a="http://schemas.openxmlformats.org/drawingml/2006/main" xmlns:r="http://schemas.openxmlformats.org/officeDocument/2006/relationships" xmlns:p="http://schemas.openxmlformats.org/presentationml/2006/main">
+  <p:cSld>
+    <p:spTree>
+      <p:nvGrpSpPr>
+        <p:cNvPr id="1" name=""/>
+        <p:cNvGrpSpPr/>
+        <p:nvPr/>
+      </p:nvGrpSpPr>
+      <p:grpSpPr>
+        <a:xfrm>
+          <a:off x="0" y="0"/>
+          <a:ext cx="0" cy="0"/>
+          <a:chOff x="0" y="0"/>
+          <a:chExt cx="0" cy="0"/>
+        </a:xfrm>
+      </p:grpSpPr>
+      <p:sp>
+        <p:nvSpPr>
+          <p:cNvPr id="2" name="CaixaDeTexto 1">
+            <a:extLst>
+              <a:ext uri="{FF2B5EF4-FFF2-40B4-BE49-F238E27FC236}">
+                <a16:creationId xmlns:a16="http://schemas.microsoft.com/office/drawing/2014/main" id="{2B3A65E7-4F59-5AD9-AE72-11328C37FB6F}"/>
+              </a:ext>
+            </a:extLst>
+          </p:cNvPr>
+          <p:cNvSpPr txBox="1"/>
+          <p:nvPr/>
+        </p:nvSpPr>
+        <p:spPr>
+          <a:xfrm>
+            <a:off x="351691" y="590840"/>
+            <a:ext cx="2518118" cy="553998"/>
+          </a:xfrm>
+          <a:prstGeom prst="rect">
+            <a:avLst/>
+          </a:prstGeom>
+          <a:noFill/>
+        </p:spPr>
+        <p:txBody>
+          <a:bodyPr wrap="square" rtlCol="0">
+            <a:spAutoFit/>
+          </a:bodyPr>
+          <a:lstStyle/>
+          <a:p>
+            <a:pPr algn="ctr"/>
+            <a:r>
+              <a:rPr lang="pt-BR" sz="3000" b="1" dirty="0">
+                <a:solidFill>
+                  <a:schemeClr val="bg1"/>
+                </a:solidFill>
+              </a:rPr>
+              <a:t>OBSERVATION</a:t>
+            </a:r>
+          </a:p>
+        </p:txBody>
+      </p:sp>
+      <p:sp>
+        <p:nvSpPr>
+          <p:cNvPr id="3" name="Retângulo: Cantos Arredondados 2">
+            <a:extLst>
+              <a:ext uri="{FF2B5EF4-FFF2-40B4-BE49-F238E27FC236}">
+                <a16:creationId xmlns:a16="http://schemas.microsoft.com/office/drawing/2014/main" id="{E8A06973-2F1C-8778-5CE9-DBFF87C340C9}"/>
+              </a:ext>
+            </a:extLst>
+          </p:cNvPr>
+          <p:cNvSpPr/>
+          <p:nvPr/>
+        </p:nvSpPr>
+        <p:spPr>
+          <a:xfrm rot="5400000">
+            <a:off x="-2595491" y="3115996"/>
+            <a:ext cx="5345726" cy="154744"/>
+          </a:xfrm>
+          <a:prstGeom prst="roundRect">
+            <a:avLst/>
+          </a:prstGeom>
+          <a:solidFill>
+            <a:schemeClr val="accent3">
+              <a:lumMod val="60000"/>
+              <a:lumOff val="40000"/>
+            </a:schemeClr>
+          </a:solidFill>
+          <a:ln>
+            <a:noFill/>
+          </a:ln>
+        </p:spPr>
+        <p:style>
+          <a:lnRef idx="2">
+            <a:schemeClr val="accent1">
+              <a:shade val="15000"/>
+            </a:schemeClr>
+          </a:lnRef>
+          <a:fillRef idx="1">
+            <a:schemeClr val="accent1"/>
+          </a:fillRef>
+          <a:effectRef idx="0">
+            <a:schemeClr val="accent1"/>
+          </a:effectRef>
+          <a:fontRef idx="minor">
+            <a:schemeClr val="lt1"/>
+          </a:fontRef>
+        </p:style>
+        <p:txBody>
+          <a:bodyPr rtlCol="0" anchor="ctr"/>
+          <a:lstStyle/>
+          <a:p>
+            <a:pPr algn="ctr"/>
+            <a:endParaRPr lang="pt-BR"/>
+          </a:p>
+        </p:txBody>
+      </p:sp>
+      <p:sp>
+        <p:nvSpPr>
+          <p:cNvPr id="4" name="Retângulo 3">
+            <a:extLst>
+              <a:ext uri="{FF2B5EF4-FFF2-40B4-BE49-F238E27FC236}">
+                <a16:creationId xmlns:a16="http://schemas.microsoft.com/office/drawing/2014/main" id="{24BF1FB8-3AD9-A093-3295-CBA166C4ACD5}"/>
+              </a:ext>
+            </a:extLst>
+          </p:cNvPr>
+          <p:cNvSpPr/>
+          <p:nvPr/>
+        </p:nvSpPr>
+        <p:spPr>
+          <a:xfrm>
+            <a:off x="0" y="6400800"/>
+            <a:ext cx="12192000" cy="457200"/>
+          </a:xfrm>
+          <a:prstGeom prst="rect">
+            <a:avLst/>
+          </a:prstGeom>
+          <a:solidFill>
+            <a:srgbClr val="C00000"/>
+          </a:solidFill>
+          <a:ln>
+            <a:noFill/>
+          </a:ln>
+        </p:spPr>
+        <p:style>
+          <a:lnRef idx="2">
+            <a:schemeClr val="accent1">
+              <a:shade val="15000"/>
+            </a:schemeClr>
+          </a:lnRef>
+          <a:fillRef idx="1">
+            <a:schemeClr val="accent1"/>
+          </a:fillRef>
+          <a:effectRef idx="0">
+            <a:schemeClr val="accent1"/>
+          </a:effectRef>
+          <a:fontRef idx="minor">
+            <a:schemeClr val="lt1"/>
+          </a:fontRef>
+        </p:style>
+        <p:txBody>
+          <a:bodyPr rtlCol="0" anchor="ctr"/>
+          <a:lstStyle/>
+          <a:p>
+            <a:pPr algn="ctr"/>
+            <a:endParaRPr lang="pt-BR"/>
+          </a:p>
+        </p:txBody>
+      </p:sp>
+      <p:sp>
+        <p:nvSpPr>
+          <p:cNvPr id="6" name="Retângulo 5">
+            <a:extLst>
+              <a:ext uri="{FF2B5EF4-FFF2-40B4-BE49-F238E27FC236}">
+                <a16:creationId xmlns:a16="http://schemas.microsoft.com/office/drawing/2014/main" id="{3D5C17AE-A98C-80D9-93F2-897DA76AC50A}"/>
+              </a:ext>
+            </a:extLst>
+          </p:cNvPr>
+          <p:cNvSpPr/>
+          <p:nvPr/>
+        </p:nvSpPr>
+        <p:spPr>
+          <a:xfrm>
+            <a:off x="0" y="6288259"/>
+            <a:ext cx="12192000" cy="112542"/>
+          </a:xfrm>
+          <a:prstGeom prst="rect">
+            <a:avLst/>
+          </a:prstGeom>
+          <a:solidFill>
+            <a:schemeClr val="tx1">
+              <a:lumMod val="95000"/>
+              <a:lumOff val="5000"/>
+            </a:schemeClr>
+          </a:solidFill>
+          <a:ln>
+            <a:noFill/>
+          </a:ln>
+        </p:spPr>
+        <p:style>
+          <a:lnRef idx="2">
+            <a:schemeClr val="accent1">
+              <a:shade val="15000"/>
+            </a:schemeClr>
+          </a:lnRef>
+          <a:fillRef idx="1">
+            <a:schemeClr val="accent1"/>
+          </a:fillRef>
+          <a:effectRef idx="0">
+            <a:schemeClr val="accent1"/>
+          </a:effectRef>
+          <a:fontRef idx="minor">
+            <a:schemeClr val="lt1"/>
+          </a:fontRef>
+        </p:style>
+        <p:txBody>
+          <a:bodyPr rtlCol="0" anchor="ctr"/>
+          <a:lstStyle/>
+          <a:p>
+            <a:pPr algn="ctr"/>
+            <a:endParaRPr lang="pt-BR"/>
+          </a:p>
+        </p:txBody>
+      </p:sp>
+      <p:sp>
+        <p:nvSpPr>
+          <p:cNvPr id="12" name="CaixaDeTexto 11">
+            <a:extLst>
+              <a:ext uri="{FF2B5EF4-FFF2-40B4-BE49-F238E27FC236}">
+                <a16:creationId xmlns:a16="http://schemas.microsoft.com/office/drawing/2014/main" id="{A0918037-592C-C5E3-61F8-76BF82A2B922}"/>
+              </a:ext>
+            </a:extLst>
+          </p:cNvPr>
+          <p:cNvSpPr txBox="1"/>
+          <p:nvPr/>
+        </p:nvSpPr>
+        <p:spPr>
+          <a:xfrm>
+            <a:off x="787791" y="2475914"/>
+            <a:ext cx="10616418" cy="2677656"/>
+          </a:xfrm>
+          <a:prstGeom prst="rect">
+            <a:avLst/>
+          </a:prstGeom>
+          <a:noFill/>
+        </p:spPr>
+        <p:txBody>
+          <a:bodyPr wrap="square" rtlCol="0">
+            <a:spAutoFit/>
+          </a:bodyPr>
+          <a:lstStyle/>
+          <a:p>
+            <a:pPr>
+              <a:buClr>
+                <a:schemeClr val="tx1"/>
+              </a:buClr>
+            </a:pPr>
+            <a:r>
+              <a:rPr lang="en-US" sz="2500" b="1" dirty="0">
+                <a:solidFill>
+                  <a:schemeClr val="bg1"/>
+                </a:solidFill>
+              </a:rPr>
+              <a:t>The Presentation was focused on explaining more about the Project to potential Recruiters and colleagues in the IT area, which is why it has a larger amount of text and some technical words. The same presentation would be designed differently to be presented to stakeholders within the business environment, using the text only as support and small explanations and focusing more on the oral explanation.</a:t>
+            </a:r>
+            <a:endParaRPr lang="pt-BR" sz="2800" dirty="0">
+              <a:solidFill>
+                <a:schemeClr val="bg1"/>
+              </a:solidFill>
+            </a:endParaRPr>
+          </a:p>
+          <a:p>
+            <a:endParaRPr lang="pt-BR" dirty="0"/>
+          </a:p>
+        </p:txBody>
+      </p:sp>
+    </p:spTree>
+    <p:extLst>
+      <p:ext uri="{BB962C8B-B14F-4D97-AF65-F5344CB8AC3E}">
+        <p14:creationId xmlns:p14="http://schemas.microsoft.com/office/powerpoint/2010/main" val="3325981478"/>
       </p:ext>
     </p:extLst>
   </p:cSld>

--- a/Apresentacao-Presentation.pptx
+++ b/Apresentacao-Presentation.pptx
@@ -357,7 +357,7 @@
           <a:p>
             <a:fld id="{05777D47-E1FD-4B20-845A-7930E08D57BF}" type="datetimeFigureOut">
               <a:rPr lang="pt-BR" smtClean="0"/>
-              <a:t>24/10/2023</a:t>
+              <a:t>27/10/2023</a:t>
             </a:fld>
             <a:endParaRPr lang="pt-BR"/>
           </a:p>
@@ -565,7 +565,7 @@
           <a:p>
             <a:fld id="{05777D47-E1FD-4B20-845A-7930E08D57BF}" type="datetimeFigureOut">
               <a:rPr lang="pt-BR" smtClean="0"/>
-              <a:t>24/10/2023</a:t>
+              <a:t>27/10/2023</a:t>
             </a:fld>
             <a:endParaRPr lang="pt-BR"/>
           </a:p>
@@ -821,7 +821,7 @@
           <a:p>
             <a:fld id="{05777D47-E1FD-4B20-845A-7930E08D57BF}" type="datetimeFigureOut">
               <a:rPr lang="pt-BR" smtClean="0"/>
-              <a:t>24/10/2023</a:t>
+              <a:t>27/10/2023</a:t>
             </a:fld>
             <a:endParaRPr lang="pt-BR"/>
           </a:p>
@@ -991,7 +991,7 @@
           <a:p>
             <a:fld id="{05777D47-E1FD-4B20-845A-7930E08D57BF}" type="datetimeFigureOut">
               <a:rPr lang="pt-BR" smtClean="0"/>
-              <a:t>24/10/2023</a:t>
+              <a:t>27/10/2023</a:t>
             </a:fld>
             <a:endParaRPr lang="pt-BR"/>
           </a:p>
@@ -1326,7 +1326,7 @@
           <a:p>
             <a:fld id="{05777D47-E1FD-4B20-845A-7930E08D57BF}" type="datetimeFigureOut">
               <a:rPr lang="pt-BR" smtClean="0"/>
-              <a:t>24/10/2023</a:t>
+              <a:t>27/10/2023</a:t>
             </a:fld>
             <a:endParaRPr lang="pt-BR"/>
           </a:p>
@@ -1601,7 +1601,7 @@
           <a:p>
             <a:fld id="{05777D47-E1FD-4B20-845A-7930E08D57BF}" type="datetimeFigureOut">
               <a:rPr lang="pt-BR" smtClean="0"/>
-              <a:t>24/10/2023</a:t>
+              <a:t>27/10/2023</a:t>
             </a:fld>
             <a:endParaRPr lang="pt-BR"/>
           </a:p>
@@ -1980,7 +1980,7 @@
           <a:p>
             <a:fld id="{05777D47-E1FD-4B20-845A-7930E08D57BF}" type="datetimeFigureOut">
               <a:rPr lang="pt-BR" smtClean="0"/>
-              <a:t>24/10/2023</a:t>
+              <a:t>27/10/2023</a:t>
             </a:fld>
             <a:endParaRPr lang="pt-BR"/>
           </a:p>
@@ -2098,7 +2098,7 @@
           <a:p>
             <a:fld id="{05777D47-E1FD-4B20-845A-7930E08D57BF}" type="datetimeFigureOut">
               <a:rPr lang="pt-BR" smtClean="0"/>
-              <a:t>24/10/2023</a:t>
+              <a:t>27/10/2023</a:t>
             </a:fld>
             <a:endParaRPr lang="pt-BR"/>
           </a:p>
@@ -2269,7 +2269,7 @@
           <a:p>
             <a:fld id="{05777D47-E1FD-4B20-845A-7930E08D57BF}" type="datetimeFigureOut">
               <a:rPr lang="pt-BR" smtClean="0"/>
-              <a:t>24/10/2023</a:t>
+              <a:t>27/10/2023</a:t>
             </a:fld>
             <a:endParaRPr lang="pt-BR"/>
           </a:p>
@@ -2623,7 +2623,7 @@
           <a:p>
             <a:fld id="{05777D47-E1FD-4B20-845A-7930E08D57BF}" type="datetimeFigureOut">
               <a:rPr lang="pt-BR" smtClean="0"/>
-              <a:t>24/10/2023</a:t>
+              <a:t>27/10/2023</a:t>
             </a:fld>
             <a:endParaRPr lang="pt-BR"/>
           </a:p>
@@ -3000,7 +3000,7 @@
           <a:p>
             <a:fld id="{05777D47-E1FD-4B20-845A-7930E08D57BF}" type="datetimeFigureOut">
               <a:rPr lang="pt-BR" smtClean="0"/>
-              <a:t>24/10/2023</a:t>
+              <a:t>27/10/2023</a:t>
             </a:fld>
             <a:endParaRPr lang="pt-BR"/>
           </a:p>
@@ -3293,7 +3293,7 @@
           <a:p>
             <a:fld id="{05777D47-E1FD-4B20-845A-7930E08D57BF}" type="datetimeFigureOut">
               <a:rPr lang="pt-BR" smtClean="0"/>
-              <a:t>24/10/2023</a:t>
+              <a:t>27/10/2023</a:t>
             </a:fld>
             <a:endParaRPr lang="pt-BR"/>
           </a:p>
@@ -5437,7 +5437,7 @@
               <a:buChar char="Ø"/>
             </a:pPr>
             <a:r>
-              <a:rPr lang="pt-BR" sz="2500" b="1" dirty="0" err="1">
+              <a:rPr lang="pt-BR" sz="2500" b="1" dirty="0">
                 <a:solidFill>
                   <a:srgbClr val="FF0000"/>
                 </a:solidFill>
@@ -5449,7 +5449,7 @@
                   </a:extLst>
                 </a:hlinkClick>
               </a:rPr>
-              <a:t>Observation</a:t>
+              <a:t>Note</a:t>
             </a:r>
             <a:endParaRPr lang="pt-BR" sz="2500" b="1" dirty="0">
               <a:solidFill>
@@ -9965,7 +9965,7 @@
         </p:nvSpPr>
         <p:spPr>
           <a:xfrm>
-            <a:off x="351691" y="590840"/>
+            <a:off x="0" y="520504"/>
             <a:ext cx="2518118" cy="553998"/>
           </a:xfrm>
           <a:prstGeom prst="rect">
@@ -9986,7 +9986,7 @@
                   <a:schemeClr val="bg1"/>
                 </a:solidFill>
               </a:rPr>
-              <a:t>OBSERVATION</a:t>
+              <a:t>NOTE</a:t>
             </a:r>
           </a:p>
         </p:txBody>
